--- a/Funding vs Student Achievement.pptx
+++ b/Funding vs Student Achievement.pptx
@@ -1,61 +1,61 @@
 
 <file path=ppt/presentation.xml><?xml version="1.0" encoding="utf-8"?>
-<p:presentation xmlns:a="http://schemas.openxmlformats.org/drawingml/2006/main" xmlns:r="http://schemas.openxmlformats.org/officeDocument/2006/relationships" xmlns:mc="http://schemas.openxmlformats.org/markup-compatibility/2006" xmlns:mv="urn:schemas-microsoft-com:mac:vml" xmlns:p="http://schemas.openxmlformats.org/presentationml/2006/main" xmlns:c="http://schemas.openxmlformats.org/drawingml/2006/chart" xmlns:dgm="http://schemas.openxmlformats.org/drawingml/2006/diagram" xmlns:o="urn:schemas-microsoft-com:office:office" xmlns:v="urn:schemas-microsoft-com:vml" xmlns:pvml="urn:schemas-microsoft-com:office:powerpoint" xmlns:com="http://schemas.openxmlformats.org/drawingml/2006/compatibility" xmlns:p14="http://schemas.microsoft.com/office/powerpoint/2010/main" xmlns:p15="http://schemas.microsoft.com/office/powerpoint/2012/main" xmlns:ahyp="http://schemas.microsoft.com/office/drawing/2018/hyperlinkcolor" autoCompressPictures="0" embedTrueTypeFonts="1" strictFirstAndLastChars="0" saveSubsetFonts="1">
+<p:presentation xmlns:a="http://schemas.openxmlformats.org/drawingml/2006/main" xmlns:r="http://schemas.openxmlformats.org/officeDocument/2006/relationships" xmlns:p="http://schemas.openxmlformats.org/presentationml/2006/main" strictFirstAndLastChars="0" embedTrueTypeFonts="1" saveSubsetFonts="1" autoCompressPictures="0">
   <p:sldMasterIdLst>
-    <p:sldMasterId id="2147483659" r:id="rId4"/>
+    <p:sldMasterId id="2147483659" r:id="rId1"/>
   </p:sldMasterIdLst>
   <p:notesMasterIdLst>
-    <p:notesMasterId r:id="rId5"/>
+    <p:notesMasterId r:id="rId15"/>
   </p:notesMasterIdLst>
   <p:sldIdLst>
-    <p:sldId id="256" r:id="rId6"/>
-    <p:sldId id="257" r:id="rId7"/>
-    <p:sldId id="258" r:id="rId8"/>
-    <p:sldId id="259" r:id="rId9"/>
-    <p:sldId id="260" r:id="rId10"/>
-    <p:sldId id="261" r:id="rId11"/>
-    <p:sldId id="262" r:id="rId12"/>
-    <p:sldId id="263" r:id="rId13"/>
-    <p:sldId id="264" r:id="rId14"/>
-    <p:sldId id="265" r:id="rId15"/>
-    <p:sldId id="266" r:id="rId16"/>
-    <p:sldId id="267" r:id="rId17"/>
-    <p:sldId id="268" r:id="rId18"/>
+    <p:sldId id="256" r:id="rId2"/>
+    <p:sldId id="257" r:id="rId3"/>
+    <p:sldId id="258" r:id="rId4"/>
+    <p:sldId id="259" r:id="rId5"/>
+    <p:sldId id="260" r:id="rId6"/>
+    <p:sldId id="261" r:id="rId7"/>
+    <p:sldId id="262" r:id="rId8"/>
+    <p:sldId id="263" r:id="rId9"/>
+    <p:sldId id="264" r:id="rId10"/>
+    <p:sldId id="265" r:id="rId11"/>
+    <p:sldId id="266" r:id="rId12"/>
+    <p:sldId id="267" r:id="rId13"/>
+    <p:sldId id="268" r:id="rId14"/>
   </p:sldIdLst>
-  <p:sldSz cy="5143500" cx="9144000"/>
+  <p:sldSz cx="9144000" cy="5143500" type="screen16x9"/>
   <p:notesSz cx="6858000" cy="9144000"/>
   <p:embeddedFontLst>
     <p:embeddedFont>
-      <p:font typeface="Raleway"/>
-      <p:regular r:id="rId19"/>
-      <p:bold r:id="rId20"/>
-      <p:italic r:id="rId21"/>
-      <p:boldItalic r:id="rId22"/>
+      <p:font typeface="Lato" panose="020F0502020204030203" pitchFamily="34" charset="0"/>
+      <p:regular r:id="rId16"/>
+      <p:bold r:id="rId17"/>
+      <p:italic r:id="rId18"/>
+      <p:boldItalic r:id="rId19"/>
     </p:embeddedFont>
     <p:embeddedFont>
-      <p:font typeface="Roboto"/>
-      <p:regular r:id="rId23"/>
-      <p:bold r:id="rId24"/>
-      <p:italic r:id="rId25"/>
-      <p:boldItalic r:id="rId26"/>
+      <p:font typeface="Raleway" pitchFamily="2" charset="77"/>
+      <p:regular r:id="rId20"/>
+      <p:bold r:id="rId21"/>
+      <p:italic r:id="rId22"/>
+      <p:boldItalic r:id="rId23"/>
     </p:embeddedFont>
     <p:embeddedFont>
-      <p:font typeface="Lato"/>
-      <p:regular r:id="rId27"/>
-      <p:bold r:id="rId28"/>
-      <p:italic r:id="rId29"/>
-      <p:boldItalic r:id="rId30"/>
+      <p:font typeface="Raleway Medium" panose="020F0502020204030204" pitchFamily="34" charset="0"/>
+      <p:regular r:id="rId24"/>
+      <p:bold r:id="rId25"/>
+      <p:italic r:id="rId26"/>
+      <p:boldItalic r:id="rId27"/>
     </p:embeddedFont>
     <p:embeddedFont>
-      <p:font typeface="Raleway Medium"/>
-      <p:regular r:id="rId31"/>
-      <p:bold r:id="rId32"/>
-      <p:italic r:id="rId33"/>
-      <p:boldItalic r:id="rId34"/>
+      <p:font typeface="Roboto" panose="02000000000000000000" pitchFamily="2" charset="0"/>
+      <p:regular r:id="rId28"/>
+      <p:bold r:id="rId29"/>
+      <p:italic r:id="rId30"/>
+      <p:boldItalic r:id="rId31"/>
     </p:embeddedFont>
   </p:embeddedFontLst>
   <p:defaultTextStyle>
-    <a:defPPr lvl="0" marR="0" rtl="0" algn="l">
+    <a:defPPr marR="0" lvl="0" algn="l" rtl="0">
       <a:lnSpc>
         <a:spcPct val="100000"/>
       </a:lnSpc>
@@ -66,7 +66,7 @@
         <a:spcPts val="0"/>
       </a:spcAft>
     </a:defPPr>
-    <a:lvl1pPr lvl="0" marR="0" rtl="0" algn="l">
+    <a:lvl1pPr marR="0" lvl="0" algn="l" rtl="0">
       <a:lnSpc>
         <a:spcPct val="100000"/>
       </a:lnSpc>
@@ -80,7 +80,7 @@
         <a:srgbClr val="000000"/>
       </a:buClr>
       <a:buFont typeface="Arial"/>
-      <a:defRPr b="0" i="0" sz="1400" u="none" cap="none" strike="noStrike">
+      <a:defRPr sz="1400" b="0" i="0" u="none" strike="noStrike" cap="none">
         <a:solidFill>
           <a:srgbClr val="000000"/>
         </a:solidFill>
@@ -90,7 +90,7 @@
         <a:sym typeface="Arial"/>
       </a:defRPr>
     </a:lvl1pPr>
-    <a:lvl2pPr lvl="1" marR="0" rtl="0" algn="l">
+    <a:lvl2pPr marR="0" lvl="1" algn="l" rtl="0">
       <a:lnSpc>
         <a:spcPct val="100000"/>
       </a:lnSpc>
@@ -104,7 +104,7 @@
         <a:srgbClr val="000000"/>
       </a:buClr>
       <a:buFont typeface="Arial"/>
-      <a:defRPr b="0" i="0" sz="1400" u="none" cap="none" strike="noStrike">
+      <a:defRPr sz="1400" b="0" i="0" u="none" strike="noStrike" cap="none">
         <a:solidFill>
           <a:srgbClr val="000000"/>
         </a:solidFill>
@@ -114,7 +114,7 @@
         <a:sym typeface="Arial"/>
       </a:defRPr>
     </a:lvl2pPr>
-    <a:lvl3pPr lvl="2" marR="0" rtl="0" algn="l">
+    <a:lvl3pPr marR="0" lvl="2" algn="l" rtl="0">
       <a:lnSpc>
         <a:spcPct val="100000"/>
       </a:lnSpc>
@@ -128,7 +128,7 @@
         <a:srgbClr val="000000"/>
       </a:buClr>
       <a:buFont typeface="Arial"/>
-      <a:defRPr b="0" i="0" sz="1400" u="none" cap="none" strike="noStrike">
+      <a:defRPr sz="1400" b="0" i="0" u="none" strike="noStrike" cap="none">
         <a:solidFill>
           <a:srgbClr val="000000"/>
         </a:solidFill>
@@ -138,7 +138,7 @@
         <a:sym typeface="Arial"/>
       </a:defRPr>
     </a:lvl3pPr>
-    <a:lvl4pPr lvl="3" marR="0" rtl="0" algn="l">
+    <a:lvl4pPr marR="0" lvl="3" algn="l" rtl="0">
       <a:lnSpc>
         <a:spcPct val="100000"/>
       </a:lnSpc>
@@ -152,7 +152,7 @@
         <a:srgbClr val="000000"/>
       </a:buClr>
       <a:buFont typeface="Arial"/>
-      <a:defRPr b="0" i="0" sz="1400" u="none" cap="none" strike="noStrike">
+      <a:defRPr sz="1400" b="0" i="0" u="none" strike="noStrike" cap="none">
         <a:solidFill>
           <a:srgbClr val="000000"/>
         </a:solidFill>
@@ -162,7 +162,7 @@
         <a:sym typeface="Arial"/>
       </a:defRPr>
     </a:lvl4pPr>
-    <a:lvl5pPr lvl="4" marR="0" rtl="0" algn="l">
+    <a:lvl5pPr marR="0" lvl="4" algn="l" rtl="0">
       <a:lnSpc>
         <a:spcPct val="100000"/>
       </a:lnSpc>
@@ -176,7 +176,7 @@
         <a:srgbClr val="000000"/>
       </a:buClr>
       <a:buFont typeface="Arial"/>
-      <a:defRPr b="0" i="0" sz="1400" u="none" cap="none" strike="noStrike">
+      <a:defRPr sz="1400" b="0" i="0" u="none" strike="noStrike" cap="none">
         <a:solidFill>
           <a:srgbClr val="000000"/>
         </a:solidFill>
@@ -186,7 +186,7 @@
         <a:sym typeface="Arial"/>
       </a:defRPr>
     </a:lvl5pPr>
-    <a:lvl6pPr lvl="5" marR="0" rtl="0" algn="l">
+    <a:lvl6pPr marR="0" lvl="5" algn="l" rtl="0">
       <a:lnSpc>
         <a:spcPct val="100000"/>
       </a:lnSpc>
@@ -200,7 +200,7 @@
         <a:srgbClr val="000000"/>
       </a:buClr>
       <a:buFont typeface="Arial"/>
-      <a:defRPr b="0" i="0" sz="1400" u="none" cap="none" strike="noStrike">
+      <a:defRPr sz="1400" b="0" i="0" u="none" strike="noStrike" cap="none">
         <a:solidFill>
           <a:srgbClr val="000000"/>
         </a:solidFill>
@@ -210,7 +210,7 @@
         <a:sym typeface="Arial"/>
       </a:defRPr>
     </a:lvl6pPr>
-    <a:lvl7pPr lvl="6" marR="0" rtl="0" algn="l">
+    <a:lvl7pPr marR="0" lvl="6" algn="l" rtl="0">
       <a:lnSpc>
         <a:spcPct val="100000"/>
       </a:lnSpc>
@@ -224,7 +224,7 @@
         <a:srgbClr val="000000"/>
       </a:buClr>
       <a:buFont typeface="Arial"/>
-      <a:defRPr b="0" i="0" sz="1400" u="none" cap="none" strike="noStrike">
+      <a:defRPr sz="1400" b="0" i="0" u="none" strike="noStrike" cap="none">
         <a:solidFill>
           <a:srgbClr val="000000"/>
         </a:solidFill>
@@ -234,7 +234,7 @@
         <a:sym typeface="Arial"/>
       </a:defRPr>
     </a:lvl7pPr>
-    <a:lvl8pPr lvl="7" marR="0" rtl="0" algn="l">
+    <a:lvl8pPr marR="0" lvl="7" algn="l" rtl="0">
       <a:lnSpc>
         <a:spcPct val="100000"/>
       </a:lnSpc>
@@ -248,7 +248,7 @@
         <a:srgbClr val="000000"/>
       </a:buClr>
       <a:buFont typeface="Arial"/>
-      <a:defRPr b="0" i="0" sz="1400" u="none" cap="none" strike="noStrike">
+      <a:defRPr sz="1400" b="0" i="0" u="none" strike="noStrike" cap="none">
         <a:solidFill>
           <a:srgbClr val="000000"/>
         </a:solidFill>
@@ -258,7 +258,7 @@
         <a:sym typeface="Arial"/>
       </a:defRPr>
     </a:lvl8pPr>
-    <a:lvl9pPr lvl="8" marR="0" rtl="0" algn="l">
+    <a:lvl9pPr marR="0" lvl="8" algn="l" rtl="0">
       <a:lnSpc>
         <a:spcPct val="100000"/>
       </a:lnSpc>
@@ -272,7 +272,7 @@
         <a:srgbClr val="000000"/>
       </a:buClr>
       <a:buFont typeface="Arial"/>
-      <a:defRPr b="0" i="0" sz="1400" u="none" cap="none" strike="noStrike">
+      <a:defRPr sz="1400" b="0" i="0" u="none" strike="noStrike" cap="none">
         <a:solidFill>
           <a:srgbClr val="000000"/>
         </a:solidFill>
@@ -285,7 +285,7 @@
   </p:defaultTextStyle>
   <p:extLst>
     <p:ext uri="{EFAFB233-063F-42B5-8137-9DF3F51BA10A}">
-      <p15:sldGuideLst>
+      <p15:sldGuideLst xmlns:p15="http://schemas.microsoft.com/office/powerpoint/2012/main">
         <p15:guide id="1" orient="horz" pos="1620">
           <p15:clr>
             <a:srgbClr val="A4A3A4"/>
@@ -303,11 +303,16 @@
 </file>
 
 <file path=ppt/notesMasters/notesMaster1.xml><?xml version="1.0" encoding="utf-8"?>
-<p:notesMaster xmlns:a="http://schemas.openxmlformats.org/drawingml/2006/main" xmlns:r="http://schemas.openxmlformats.org/officeDocument/2006/relationships" xmlns:mc="http://schemas.openxmlformats.org/markup-compatibility/2006" xmlns:mv="urn:schemas-microsoft-com:mac:vml" xmlns:p="http://schemas.openxmlformats.org/presentationml/2006/main" xmlns:c="http://schemas.openxmlformats.org/drawingml/2006/chart" xmlns:dgm="http://schemas.openxmlformats.org/drawingml/2006/diagram" xmlns:o="urn:schemas-microsoft-com:office:office" xmlns:v="urn:schemas-microsoft-com:vml" xmlns:pvml="urn:schemas-microsoft-com:office:powerpoint" xmlns:com="http://schemas.openxmlformats.org/drawingml/2006/compatibility" xmlns:p14="http://schemas.microsoft.com/office/powerpoint/2010/main" xmlns:p15="http://schemas.microsoft.com/office/powerpoint/2012/main" xmlns:ahyp="http://schemas.microsoft.com/office/drawing/2018/hyperlinkcolor">
+<p:notesMaster xmlns:a="http://schemas.openxmlformats.org/drawingml/2006/main" xmlns:r="http://schemas.openxmlformats.org/officeDocument/2006/relationships" xmlns:p="http://schemas.openxmlformats.org/presentationml/2006/main">
   <p:cSld>
+    <p:bg>
+      <p:bgRef idx="1001">
+        <a:schemeClr val="bg1"/>
+      </p:bgRef>
+    </p:bg>
     <p:spTree>
       <p:nvGrpSpPr>
-        <p:cNvPr id="2" name="Shape 2"/>
+        <p:cNvPr id="1" name="Shape 2"/>
         <p:cNvGrpSpPr/>
         <p:nvPr/>
       </p:nvGrpSpPr>
@@ -322,9 +327,11 @@
       <p:sp>
         <p:nvSpPr>
           <p:cNvPr id="3" name="Google Shape;3;n"/>
-          <p:cNvSpPr/>
+          <p:cNvSpPr>
+            <a:spLocks noGrp="1" noRot="1" noChangeAspect="1"/>
+          </p:cNvSpPr>
           <p:nvPr>
-            <p:ph idx="2" type="sldImg"/>
+            <p:ph type="sldImg" idx="2"/>
           </p:nvPr>
         </p:nvSpPr>
         <p:spPr>
@@ -333,9 +340,13 @@
             <a:ext cx="6096075" cy="3429000"/>
           </a:xfrm>
           <a:custGeom>
-            <a:rect b="b" l="l" r="r" t="t"/>
+            <a:avLst/>
+            <a:gdLst/>
+            <a:ahLst/>
+            <a:cxnLst/>
+            <a:rect l="l" t="t" r="r" b="b"/>
             <a:pathLst>
-              <a:path extrusionOk="0" h="120000" w="120000">
+              <a:path w="120000" h="120000" extrusionOk="0">
                 <a:moveTo>
                   <a:pt x="0" y="0"/>
                 </a:moveTo>
@@ -353,23 +364,25 @@
             </a:pathLst>
           </a:custGeom>
           <a:noFill/>
-          <a:ln cap="flat" cmpd="sng" w="9525">
+          <a:ln w="9525" cap="flat" cmpd="sng">
             <a:solidFill>
               <a:srgbClr val="000000"/>
             </a:solidFill>
             <a:prstDash val="solid"/>
             <a:round/>
-            <a:headEnd len="sm" w="sm" type="none"/>
-            <a:tailEnd len="sm" w="sm" type="none"/>
+            <a:headEnd type="none" w="sm" len="sm"/>
+            <a:tailEnd type="none" w="sm" len="sm"/>
           </a:ln>
         </p:spPr>
       </p:sp>
       <p:sp>
         <p:nvSpPr>
           <p:cNvPr id="4" name="Google Shape;4;n"/>
-          <p:cNvSpPr txBox="1"/>
+          <p:cNvSpPr txBox="1">
+            <a:spLocks noGrp="1"/>
+          </p:cNvSpPr>
           <p:nvPr>
-            <p:ph idx="1" type="body"/>
+            <p:ph type="body" idx="1"/>
           </p:nvPr>
         </p:nvSpPr>
         <p:spPr>
@@ -386,11 +399,11 @@
           </a:ln>
         </p:spPr>
         <p:txBody>
-          <a:bodyPr anchorCtr="0" anchor="t" bIns="91425" lIns="91425" spcFirstLastPara="1" rIns="91425" wrap="square" tIns="91425">
+          <a:bodyPr spcFirstLastPara="1" wrap="square" lIns="91425" tIns="91425" rIns="91425" bIns="91425" anchor="t" anchorCtr="0">
             <a:noAutofit/>
           </a:bodyPr>
           <a:lstStyle>
-            <a:lvl1pPr indent="-298450" lvl="0" marL="457200">
+            <a:lvl1pPr marL="457200" lvl="0" indent="-298450">
               <a:spcBef>
                 <a:spcPts val="0"/>
               </a:spcBef>
@@ -401,7 +414,7 @@
               <a:buChar char="●"/>
               <a:defRPr sz="1100"/>
             </a:lvl1pPr>
-            <a:lvl2pPr indent="-298450" lvl="1" marL="914400">
+            <a:lvl2pPr marL="914400" lvl="1" indent="-298450">
               <a:spcBef>
                 <a:spcPts val="0"/>
               </a:spcBef>
@@ -412,7 +425,7 @@
               <a:buChar char="○"/>
               <a:defRPr sz="1100"/>
             </a:lvl2pPr>
-            <a:lvl3pPr indent="-298450" lvl="2" marL="1371600">
+            <a:lvl3pPr marL="1371600" lvl="2" indent="-298450">
               <a:spcBef>
                 <a:spcPts val="0"/>
               </a:spcBef>
@@ -423,7 +436,7 @@
               <a:buChar char="■"/>
               <a:defRPr sz="1100"/>
             </a:lvl3pPr>
-            <a:lvl4pPr indent="-298450" lvl="3" marL="1828800">
+            <a:lvl4pPr marL="1828800" lvl="3" indent="-298450">
               <a:spcBef>
                 <a:spcPts val="0"/>
               </a:spcBef>
@@ -434,7 +447,7 @@
               <a:buChar char="●"/>
               <a:defRPr sz="1100"/>
             </a:lvl4pPr>
-            <a:lvl5pPr indent="-298450" lvl="4" marL="2286000">
+            <a:lvl5pPr marL="2286000" lvl="4" indent="-298450">
               <a:spcBef>
                 <a:spcPts val="0"/>
               </a:spcBef>
@@ -445,7 +458,7 @@
               <a:buChar char="○"/>
               <a:defRPr sz="1100"/>
             </a:lvl5pPr>
-            <a:lvl6pPr indent="-298450" lvl="5" marL="2743200">
+            <a:lvl6pPr marL="2743200" lvl="5" indent="-298450">
               <a:spcBef>
                 <a:spcPts val="0"/>
               </a:spcBef>
@@ -456,7 +469,7 @@
               <a:buChar char="■"/>
               <a:defRPr sz="1100"/>
             </a:lvl6pPr>
-            <a:lvl7pPr indent="-298450" lvl="6" marL="3200400">
+            <a:lvl7pPr marL="3200400" lvl="6" indent="-298450">
               <a:spcBef>
                 <a:spcPts val="0"/>
               </a:spcBef>
@@ -467,7 +480,7 @@
               <a:buChar char="●"/>
               <a:defRPr sz="1100"/>
             </a:lvl7pPr>
-            <a:lvl8pPr indent="-298450" lvl="7" marL="3657600">
+            <a:lvl8pPr marL="3657600" lvl="7" indent="-298450">
               <a:spcBef>
                 <a:spcPts val="0"/>
               </a:spcBef>
@@ -478,7 +491,7 @@
               <a:buChar char="○"/>
               <a:defRPr sz="1100"/>
             </a:lvl8pPr>
-            <a:lvl9pPr indent="-298450" lvl="8" marL="4114800">
+            <a:lvl9pPr marL="4114800" lvl="8" indent="-298450">
               <a:spcBef>
                 <a:spcPts val="0"/>
               </a:spcBef>
@@ -490,14 +503,16 @@
               <a:defRPr sz="1100"/>
             </a:lvl9pPr>
           </a:lstStyle>
-          <a:p/>
+          <a:p>
+            <a:endParaRPr/>
+          </a:p>
         </p:txBody>
       </p:sp>
     </p:spTree>
   </p:cSld>
-  <p:clrMap accent1="accent1" accent2="accent2" accent3="accent3" accent4="accent4" accent5="accent5" accent6="accent6" bg1="lt1" bg2="dk2" tx1="dk1" tx2="lt2" folHlink="folHlink" hlink="hlink"/>
+  <p:clrMap bg1="lt1" tx1="dk1" bg2="dk2" tx2="lt2" accent1="accent1" accent2="accent2" accent3="accent3" accent4="accent4" accent5="accent5" accent6="accent6" hlink="hlink" folHlink="folHlink"/>
   <p:notesStyle>
-    <a:defPPr lvl="0" marR="0" rtl="0" algn="l">
+    <a:defPPr marR="0" lvl="0" algn="l" rtl="0">
       <a:lnSpc>
         <a:spcPct val="100000"/>
       </a:lnSpc>
@@ -508,7 +523,7 @@
         <a:spcPts val="0"/>
       </a:spcAft>
     </a:defPPr>
-    <a:lvl1pPr lvl="0" marR="0" rtl="0" algn="l">
+    <a:lvl1pPr marR="0" lvl="0" algn="l" rtl="0">
       <a:lnSpc>
         <a:spcPct val="100000"/>
       </a:lnSpc>
@@ -522,7 +537,7 @@
         <a:srgbClr val="000000"/>
       </a:buClr>
       <a:buFont typeface="Arial"/>
-      <a:defRPr b="0" i="0" sz="1400" u="none" cap="none" strike="noStrike">
+      <a:defRPr sz="1400" b="0" i="0" u="none" strike="noStrike" cap="none">
         <a:solidFill>
           <a:srgbClr val="000000"/>
         </a:solidFill>
@@ -532,7 +547,7 @@
         <a:sym typeface="Arial"/>
       </a:defRPr>
     </a:lvl1pPr>
-    <a:lvl2pPr lvl="1" marR="0" rtl="0" algn="l">
+    <a:lvl2pPr marR="0" lvl="1" algn="l" rtl="0">
       <a:lnSpc>
         <a:spcPct val="100000"/>
       </a:lnSpc>
@@ -546,7 +561,7 @@
         <a:srgbClr val="000000"/>
       </a:buClr>
       <a:buFont typeface="Arial"/>
-      <a:defRPr b="0" i="0" sz="1400" u="none" cap="none" strike="noStrike">
+      <a:defRPr sz="1400" b="0" i="0" u="none" strike="noStrike" cap="none">
         <a:solidFill>
           <a:srgbClr val="000000"/>
         </a:solidFill>
@@ -556,7 +571,7 @@
         <a:sym typeface="Arial"/>
       </a:defRPr>
     </a:lvl2pPr>
-    <a:lvl3pPr lvl="2" marR="0" rtl="0" algn="l">
+    <a:lvl3pPr marR="0" lvl="2" algn="l" rtl="0">
       <a:lnSpc>
         <a:spcPct val="100000"/>
       </a:lnSpc>
@@ -570,7 +585,7 @@
         <a:srgbClr val="000000"/>
       </a:buClr>
       <a:buFont typeface="Arial"/>
-      <a:defRPr b="0" i="0" sz="1400" u="none" cap="none" strike="noStrike">
+      <a:defRPr sz="1400" b="0" i="0" u="none" strike="noStrike" cap="none">
         <a:solidFill>
           <a:srgbClr val="000000"/>
         </a:solidFill>
@@ -580,7 +595,7 @@
         <a:sym typeface="Arial"/>
       </a:defRPr>
     </a:lvl3pPr>
-    <a:lvl4pPr lvl="3" marR="0" rtl="0" algn="l">
+    <a:lvl4pPr marR="0" lvl="3" algn="l" rtl="0">
       <a:lnSpc>
         <a:spcPct val="100000"/>
       </a:lnSpc>
@@ -594,7 +609,7 @@
         <a:srgbClr val="000000"/>
       </a:buClr>
       <a:buFont typeface="Arial"/>
-      <a:defRPr b="0" i="0" sz="1400" u="none" cap="none" strike="noStrike">
+      <a:defRPr sz="1400" b="0" i="0" u="none" strike="noStrike" cap="none">
         <a:solidFill>
           <a:srgbClr val="000000"/>
         </a:solidFill>
@@ -604,7 +619,7 @@
         <a:sym typeface="Arial"/>
       </a:defRPr>
     </a:lvl4pPr>
-    <a:lvl5pPr lvl="4" marR="0" rtl="0" algn="l">
+    <a:lvl5pPr marR="0" lvl="4" algn="l" rtl="0">
       <a:lnSpc>
         <a:spcPct val="100000"/>
       </a:lnSpc>
@@ -618,7 +633,7 @@
         <a:srgbClr val="000000"/>
       </a:buClr>
       <a:buFont typeface="Arial"/>
-      <a:defRPr b="0" i="0" sz="1400" u="none" cap="none" strike="noStrike">
+      <a:defRPr sz="1400" b="0" i="0" u="none" strike="noStrike" cap="none">
         <a:solidFill>
           <a:srgbClr val="000000"/>
         </a:solidFill>
@@ -628,7 +643,7 @@
         <a:sym typeface="Arial"/>
       </a:defRPr>
     </a:lvl5pPr>
-    <a:lvl6pPr lvl="5" marR="0" rtl="0" algn="l">
+    <a:lvl6pPr marR="0" lvl="5" algn="l" rtl="0">
       <a:lnSpc>
         <a:spcPct val="100000"/>
       </a:lnSpc>
@@ -642,7 +657,7 @@
         <a:srgbClr val="000000"/>
       </a:buClr>
       <a:buFont typeface="Arial"/>
-      <a:defRPr b="0" i="0" sz="1400" u="none" cap="none" strike="noStrike">
+      <a:defRPr sz="1400" b="0" i="0" u="none" strike="noStrike" cap="none">
         <a:solidFill>
           <a:srgbClr val="000000"/>
         </a:solidFill>
@@ -652,7 +667,7 @@
         <a:sym typeface="Arial"/>
       </a:defRPr>
     </a:lvl6pPr>
-    <a:lvl7pPr lvl="6" marR="0" rtl="0" algn="l">
+    <a:lvl7pPr marR="0" lvl="6" algn="l" rtl="0">
       <a:lnSpc>
         <a:spcPct val="100000"/>
       </a:lnSpc>
@@ -666,7 +681,7 @@
         <a:srgbClr val="000000"/>
       </a:buClr>
       <a:buFont typeface="Arial"/>
-      <a:defRPr b="0" i="0" sz="1400" u="none" cap="none" strike="noStrike">
+      <a:defRPr sz="1400" b="0" i="0" u="none" strike="noStrike" cap="none">
         <a:solidFill>
           <a:srgbClr val="000000"/>
         </a:solidFill>
@@ -676,7 +691,7 @@
         <a:sym typeface="Arial"/>
       </a:defRPr>
     </a:lvl7pPr>
-    <a:lvl8pPr lvl="7" marR="0" rtl="0" algn="l">
+    <a:lvl8pPr marR="0" lvl="7" algn="l" rtl="0">
       <a:lnSpc>
         <a:spcPct val="100000"/>
       </a:lnSpc>
@@ -690,7 +705,7 @@
         <a:srgbClr val="000000"/>
       </a:buClr>
       <a:buFont typeface="Arial"/>
-      <a:defRPr b="0" i="0" sz="1400" u="none" cap="none" strike="noStrike">
+      <a:defRPr sz="1400" b="0" i="0" u="none" strike="noStrike" cap="none">
         <a:solidFill>
           <a:srgbClr val="000000"/>
         </a:solidFill>
@@ -700,7 +715,7 @@
         <a:sym typeface="Arial"/>
       </a:defRPr>
     </a:lvl8pPr>
-    <a:lvl9pPr lvl="8" marR="0" rtl="0" algn="l">
+    <a:lvl9pPr marR="0" lvl="8" algn="l" rtl="0">
       <a:lnSpc>
         <a:spcPct val="100000"/>
       </a:lnSpc>
@@ -714,7 +729,7 @@
         <a:srgbClr val="000000"/>
       </a:buClr>
       <a:buFont typeface="Arial"/>
-      <a:defRPr b="0" i="0" sz="1400" u="none" cap="none" strike="noStrike">
+      <a:defRPr sz="1400" b="0" i="0" u="none" strike="noStrike" cap="none">
         <a:solidFill>
           <a:srgbClr val="000000"/>
         </a:solidFill>
@@ -729,11 +744,11 @@
 </file>
 
 <file path=ppt/notesSlides/notesSlide1.xml><?xml version="1.0" encoding="utf-8"?>
-<p:notes xmlns:a="http://schemas.openxmlformats.org/drawingml/2006/main" xmlns:r="http://schemas.openxmlformats.org/officeDocument/2006/relationships" xmlns:mc="http://schemas.openxmlformats.org/markup-compatibility/2006" xmlns:mv="urn:schemas-microsoft-com:mac:vml" xmlns:p="http://schemas.openxmlformats.org/presentationml/2006/main" xmlns:c="http://schemas.openxmlformats.org/drawingml/2006/chart" xmlns:dgm="http://schemas.openxmlformats.org/drawingml/2006/diagram" xmlns:o="urn:schemas-microsoft-com:office:office" xmlns:v="urn:schemas-microsoft-com:vml" xmlns:pvml="urn:schemas-microsoft-com:office:powerpoint" xmlns:com="http://schemas.openxmlformats.org/drawingml/2006/compatibility" xmlns:p14="http://schemas.microsoft.com/office/powerpoint/2010/main" xmlns:p15="http://schemas.microsoft.com/office/powerpoint/2012/main" xmlns:ahyp="http://schemas.microsoft.com/office/drawing/2018/hyperlinkcolor" showMasterPhAnim="0" showMasterSp="0">
+<p:notes xmlns:a="http://schemas.openxmlformats.org/drawingml/2006/main" xmlns:r="http://schemas.openxmlformats.org/officeDocument/2006/relationships" xmlns:p="http://schemas.openxmlformats.org/presentationml/2006/main" showMasterSp="0" showMasterPhAnim="0">
   <p:cSld>
     <p:spTree>
       <p:nvGrpSpPr>
-        <p:cNvPr id="82" name="Shape 82"/>
+        <p:cNvPr id="1" name="Shape 82"/>
         <p:cNvGrpSpPr/>
         <p:nvPr/>
       </p:nvGrpSpPr>
@@ -748,9 +763,11 @@
       <p:sp>
         <p:nvSpPr>
           <p:cNvPr id="83" name="Google Shape;83;p:notes"/>
-          <p:cNvSpPr/>
+          <p:cNvSpPr>
+            <a:spLocks noGrp="1" noRot="1" noChangeAspect="1"/>
+          </p:cNvSpPr>
           <p:nvPr>
-            <p:ph idx="2" type="sldImg"/>
+            <p:ph type="sldImg" idx="2"/>
           </p:nvPr>
         </p:nvSpPr>
         <p:spPr>
@@ -759,9 +776,13 @@
             <a:ext cx="6096075" cy="3429000"/>
           </a:xfrm>
           <a:custGeom>
-            <a:rect b="b" l="l" r="r" t="t"/>
+            <a:avLst/>
+            <a:gdLst/>
+            <a:ahLst/>
+            <a:cxnLst/>
+            <a:rect l="l" t="t" r="r" b="b"/>
             <a:pathLst>
-              <a:path extrusionOk="0" h="120000" w="120000">
+              <a:path w="120000" h="120000" extrusionOk="0">
                 <a:moveTo>
                   <a:pt x="0" y="0"/>
                 </a:moveTo>
@@ -783,9 +804,11 @@
       <p:sp>
         <p:nvSpPr>
           <p:cNvPr id="84" name="Google Shape;84;p:notes"/>
-          <p:cNvSpPr txBox="1"/>
+          <p:cNvSpPr txBox="1">
+            <a:spLocks noGrp="1"/>
+          </p:cNvSpPr>
           <p:nvPr>
-            <p:ph idx="1" type="body"/>
+            <p:ph type="body" idx="1"/>
           </p:nvPr>
         </p:nvSpPr>
         <p:spPr>
@@ -798,12 +821,12 @@
           </a:prstGeom>
         </p:spPr>
         <p:txBody>
-          <a:bodyPr anchorCtr="0" anchor="t" bIns="91425" lIns="91425" spcFirstLastPara="1" rIns="91425" wrap="square" tIns="91425">
+          <a:bodyPr spcFirstLastPara="1" wrap="square" lIns="91425" tIns="91425" rIns="91425" bIns="91425" anchor="t" anchorCtr="0">
             <a:noAutofit/>
           </a:bodyPr>
           <a:lstStyle/>
           <a:p>
-            <a:pPr indent="0" lvl="0" marL="0" rtl="0" algn="l">
+            <a:pPr marL="0" lvl="0" indent="0" algn="l" rtl="0">
               <a:spcBef>
                 <a:spcPts val="0"/>
               </a:spcBef>
@@ -812,9 +835,6 @@
               </a:spcAft>
               <a:buNone/>
             </a:pPr>
-            <a:r>
-              <a:t/>
-            </a:r>
             <a:endParaRPr/>
           </a:p>
         </p:txBody>
@@ -828,11 +848,11 @@
 </file>
 
 <file path=ppt/notesSlides/notesSlide10.xml><?xml version="1.0" encoding="utf-8"?>
-<p:notes xmlns:a="http://schemas.openxmlformats.org/drawingml/2006/main" xmlns:r="http://schemas.openxmlformats.org/officeDocument/2006/relationships" xmlns:mc="http://schemas.openxmlformats.org/markup-compatibility/2006" xmlns:mv="urn:schemas-microsoft-com:mac:vml" xmlns:p="http://schemas.openxmlformats.org/presentationml/2006/main" xmlns:c="http://schemas.openxmlformats.org/drawingml/2006/chart" xmlns:dgm="http://schemas.openxmlformats.org/drawingml/2006/diagram" xmlns:o="urn:schemas-microsoft-com:office:office" xmlns:v="urn:schemas-microsoft-com:vml" xmlns:pvml="urn:schemas-microsoft-com:office:powerpoint" xmlns:com="http://schemas.openxmlformats.org/drawingml/2006/compatibility" xmlns:p14="http://schemas.microsoft.com/office/powerpoint/2010/main" xmlns:p15="http://schemas.microsoft.com/office/powerpoint/2012/main" xmlns:ahyp="http://schemas.microsoft.com/office/drawing/2018/hyperlinkcolor" showMasterPhAnim="0" showMasterSp="0">
+<p:notes xmlns:a="http://schemas.openxmlformats.org/drawingml/2006/main" xmlns:r="http://schemas.openxmlformats.org/officeDocument/2006/relationships" xmlns:p="http://schemas.openxmlformats.org/presentationml/2006/main" showMasterSp="0" showMasterPhAnim="0">
   <p:cSld>
     <p:spTree>
       <p:nvGrpSpPr>
-        <p:cNvPr id="190" name="Shape 190"/>
+        <p:cNvPr id="1" name="Shape 190"/>
         <p:cNvGrpSpPr/>
         <p:nvPr/>
       </p:nvGrpSpPr>
@@ -847,20 +867,26 @@
       <p:sp>
         <p:nvSpPr>
           <p:cNvPr id="191" name="Google Shape;191;gfca1525c98_1_6:notes"/>
-          <p:cNvSpPr/>
+          <p:cNvSpPr>
+            <a:spLocks noGrp="1" noRot="1" noChangeAspect="1"/>
+          </p:cNvSpPr>
           <p:nvPr>
-            <p:ph idx="2" type="sldImg"/>
+            <p:ph type="sldImg" idx="2"/>
           </p:nvPr>
         </p:nvSpPr>
         <p:spPr>
           <a:xfrm>
-            <a:off x="381300" y="685800"/>
+            <a:off x="381000" y="685800"/>
             <a:ext cx="6096000" cy="3429000"/>
           </a:xfrm>
           <a:custGeom>
-            <a:rect b="b" l="l" r="r" t="t"/>
+            <a:avLst/>
+            <a:gdLst/>
+            <a:ahLst/>
+            <a:cxnLst/>
+            <a:rect l="l" t="t" r="r" b="b"/>
             <a:pathLst>
-              <a:path extrusionOk="0" h="120000" w="120000">
+              <a:path w="120000" h="120000" extrusionOk="0">
                 <a:moveTo>
                   <a:pt x="0" y="0"/>
                 </a:moveTo>
@@ -882,9 +908,11 @@
       <p:sp>
         <p:nvSpPr>
           <p:cNvPr id="192" name="Google Shape;192;gfca1525c98_1_6:notes"/>
-          <p:cNvSpPr txBox="1"/>
+          <p:cNvSpPr txBox="1">
+            <a:spLocks noGrp="1"/>
+          </p:cNvSpPr>
           <p:nvPr>
-            <p:ph idx="1" type="body"/>
+            <p:ph type="body" idx="1"/>
           </p:nvPr>
         </p:nvSpPr>
         <p:spPr>
@@ -897,12 +925,12 @@
           </a:prstGeom>
         </p:spPr>
         <p:txBody>
-          <a:bodyPr anchorCtr="0" anchor="t" bIns="91425" lIns="91425" spcFirstLastPara="1" rIns="91425" wrap="square" tIns="91425">
+          <a:bodyPr spcFirstLastPara="1" wrap="square" lIns="91425" tIns="91425" rIns="91425" bIns="91425" anchor="t" anchorCtr="0">
             <a:noAutofit/>
           </a:bodyPr>
           <a:lstStyle/>
           <a:p>
-            <a:pPr indent="0" lvl="0" marL="0" rtl="0" algn="l">
+            <a:pPr marL="0" lvl="0" indent="0" algn="l" rtl="0">
               <a:spcBef>
                 <a:spcPts val="0"/>
               </a:spcBef>
@@ -911,9 +939,6 @@
               </a:spcAft>
               <a:buNone/>
             </a:pPr>
-            <a:r>
-              <a:t/>
-            </a:r>
             <a:endParaRPr/>
           </a:p>
         </p:txBody>
@@ -927,11 +952,11 @@
 </file>
 
 <file path=ppt/notesSlides/notesSlide11.xml><?xml version="1.0" encoding="utf-8"?>
-<p:notes xmlns:a="http://schemas.openxmlformats.org/drawingml/2006/main" xmlns:r="http://schemas.openxmlformats.org/officeDocument/2006/relationships" xmlns:mc="http://schemas.openxmlformats.org/markup-compatibility/2006" xmlns:mv="urn:schemas-microsoft-com:mac:vml" xmlns:p="http://schemas.openxmlformats.org/presentationml/2006/main" xmlns:c="http://schemas.openxmlformats.org/drawingml/2006/chart" xmlns:dgm="http://schemas.openxmlformats.org/drawingml/2006/diagram" xmlns:o="urn:schemas-microsoft-com:office:office" xmlns:v="urn:schemas-microsoft-com:vml" xmlns:pvml="urn:schemas-microsoft-com:office:powerpoint" xmlns:com="http://schemas.openxmlformats.org/drawingml/2006/compatibility" xmlns:p14="http://schemas.microsoft.com/office/powerpoint/2010/main" xmlns:p15="http://schemas.microsoft.com/office/powerpoint/2012/main" xmlns:ahyp="http://schemas.microsoft.com/office/drawing/2018/hyperlinkcolor" showMasterPhAnim="0" showMasterSp="0">
+<p:notes xmlns:a="http://schemas.openxmlformats.org/drawingml/2006/main" xmlns:r="http://schemas.openxmlformats.org/officeDocument/2006/relationships" xmlns:p="http://schemas.openxmlformats.org/presentationml/2006/main" showMasterSp="0" showMasterPhAnim="0">
   <p:cSld>
     <p:spTree>
       <p:nvGrpSpPr>
-        <p:cNvPr id="199" name="Shape 199"/>
+        <p:cNvPr id="1" name="Shape 199"/>
         <p:cNvGrpSpPr/>
         <p:nvPr/>
       </p:nvGrpSpPr>
@@ -946,9 +971,11 @@
       <p:sp>
         <p:nvSpPr>
           <p:cNvPr id="200" name="Google Shape;200;gfca1525c98_1_11:notes"/>
-          <p:cNvSpPr/>
+          <p:cNvSpPr>
+            <a:spLocks noGrp="1" noRot="1" noChangeAspect="1"/>
+          </p:cNvSpPr>
           <p:nvPr>
-            <p:ph idx="2" type="sldImg"/>
+            <p:ph type="sldImg" idx="2"/>
           </p:nvPr>
         </p:nvSpPr>
         <p:spPr>
@@ -957,9 +984,13 @@
             <a:ext cx="6096000" cy="3429000"/>
           </a:xfrm>
           <a:custGeom>
-            <a:rect b="b" l="l" r="r" t="t"/>
+            <a:avLst/>
+            <a:gdLst/>
+            <a:ahLst/>
+            <a:cxnLst/>
+            <a:rect l="l" t="t" r="r" b="b"/>
             <a:pathLst>
-              <a:path extrusionOk="0" h="120000" w="120000">
+              <a:path w="120000" h="120000" extrusionOk="0">
                 <a:moveTo>
                   <a:pt x="0" y="0"/>
                 </a:moveTo>
@@ -981,9 +1012,11 @@
       <p:sp>
         <p:nvSpPr>
           <p:cNvPr id="201" name="Google Shape;201;gfca1525c98_1_11:notes"/>
-          <p:cNvSpPr txBox="1"/>
+          <p:cNvSpPr txBox="1">
+            <a:spLocks noGrp="1"/>
+          </p:cNvSpPr>
           <p:nvPr>
-            <p:ph idx="1" type="body"/>
+            <p:ph type="body" idx="1"/>
           </p:nvPr>
         </p:nvSpPr>
         <p:spPr>
@@ -996,12 +1029,12 @@
           </a:prstGeom>
         </p:spPr>
         <p:txBody>
-          <a:bodyPr anchorCtr="0" anchor="t" bIns="91425" lIns="91425" spcFirstLastPara="1" rIns="91425" wrap="square" tIns="91425">
+          <a:bodyPr spcFirstLastPara="1" wrap="square" lIns="91425" tIns="91425" rIns="91425" bIns="91425" anchor="t" anchorCtr="0">
             <a:noAutofit/>
           </a:bodyPr>
           <a:lstStyle/>
           <a:p>
-            <a:pPr indent="0" lvl="0" marL="0" rtl="0" algn="l">
+            <a:pPr marL="0" lvl="0" indent="0" algn="l" rtl="0">
               <a:spcBef>
                 <a:spcPts val="0"/>
               </a:spcBef>
@@ -1010,9 +1043,6 @@
               </a:spcAft>
               <a:buNone/>
             </a:pPr>
-            <a:r>
-              <a:t/>
-            </a:r>
             <a:endParaRPr/>
           </a:p>
         </p:txBody>
@@ -1026,11 +1056,11 @@
 </file>
 
 <file path=ppt/notesSlides/notesSlide12.xml><?xml version="1.0" encoding="utf-8"?>
-<p:notes xmlns:a="http://schemas.openxmlformats.org/drawingml/2006/main" xmlns:r="http://schemas.openxmlformats.org/officeDocument/2006/relationships" xmlns:mc="http://schemas.openxmlformats.org/markup-compatibility/2006" xmlns:mv="urn:schemas-microsoft-com:mac:vml" xmlns:p="http://schemas.openxmlformats.org/presentationml/2006/main" xmlns:c="http://schemas.openxmlformats.org/drawingml/2006/chart" xmlns:dgm="http://schemas.openxmlformats.org/drawingml/2006/diagram" xmlns:o="urn:schemas-microsoft-com:office:office" xmlns:v="urn:schemas-microsoft-com:vml" xmlns:pvml="urn:schemas-microsoft-com:office:powerpoint" xmlns:com="http://schemas.openxmlformats.org/drawingml/2006/compatibility" xmlns:p14="http://schemas.microsoft.com/office/powerpoint/2010/main" xmlns:p15="http://schemas.microsoft.com/office/powerpoint/2012/main" xmlns:ahyp="http://schemas.microsoft.com/office/drawing/2018/hyperlinkcolor" showMasterPhAnim="0" showMasterSp="0">
+<p:notes xmlns:a="http://schemas.openxmlformats.org/drawingml/2006/main" xmlns:r="http://schemas.openxmlformats.org/officeDocument/2006/relationships" xmlns:p="http://schemas.openxmlformats.org/presentationml/2006/main" showMasterSp="0" showMasterPhAnim="0">
   <p:cSld>
     <p:spTree>
       <p:nvGrpSpPr>
-        <p:cNvPr id="208" name="Shape 208"/>
+        <p:cNvPr id="1" name="Shape 208"/>
         <p:cNvGrpSpPr/>
         <p:nvPr/>
       </p:nvGrpSpPr>
@@ -1045,20 +1075,26 @@
       <p:sp>
         <p:nvSpPr>
           <p:cNvPr id="209" name="Google Shape;209;gfca1525c98_1_35:notes"/>
-          <p:cNvSpPr/>
+          <p:cNvSpPr>
+            <a:spLocks noGrp="1" noRot="1" noChangeAspect="1"/>
+          </p:cNvSpPr>
           <p:nvPr>
-            <p:ph idx="2" type="sldImg"/>
+            <p:ph type="sldImg" idx="2"/>
           </p:nvPr>
         </p:nvSpPr>
         <p:spPr>
           <a:xfrm>
-            <a:off x="381300" y="685800"/>
+            <a:off x="381000" y="685800"/>
             <a:ext cx="6096000" cy="3429000"/>
           </a:xfrm>
           <a:custGeom>
-            <a:rect b="b" l="l" r="r" t="t"/>
+            <a:avLst/>
+            <a:gdLst/>
+            <a:ahLst/>
+            <a:cxnLst/>
+            <a:rect l="l" t="t" r="r" b="b"/>
             <a:pathLst>
-              <a:path extrusionOk="0" h="120000" w="120000">
+              <a:path w="120000" h="120000" extrusionOk="0">
                 <a:moveTo>
                   <a:pt x="0" y="0"/>
                 </a:moveTo>
@@ -1080,9 +1116,11 @@
       <p:sp>
         <p:nvSpPr>
           <p:cNvPr id="210" name="Google Shape;210;gfca1525c98_1_35:notes"/>
-          <p:cNvSpPr txBox="1"/>
+          <p:cNvSpPr txBox="1">
+            <a:spLocks noGrp="1"/>
+          </p:cNvSpPr>
           <p:nvPr>
-            <p:ph idx="1" type="body"/>
+            <p:ph type="body" idx="1"/>
           </p:nvPr>
         </p:nvSpPr>
         <p:spPr>
@@ -1095,12 +1133,12 @@
           </a:prstGeom>
         </p:spPr>
         <p:txBody>
-          <a:bodyPr anchorCtr="0" anchor="t" bIns="91425" lIns="91425" spcFirstLastPara="1" rIns="91425" wrap="square" tIns="91425">
+          <a:bodyPr spcFirstLastPara="1" wrap="square" lIns="91425" tIns="91425" rIns="91425" bIns="91425" anchor="t" anchorCtr="0">
             <a:noAutofit/>
           </a:bodyPr>
           <a:lstStyle/>
           <a:p>
-            <a:pPr indent="0" lvl="0" marL="0" rtl="0" algn="l">
+            <a:pPr marL="0" lvl="0" indent="0" algn="l" rtl="0">
               <a:spcBef>
                 <a:spcPts val="0"/>
               </a:spcBef>
@@ -1109,9 +1147,6 @@
               </a:spcAft>
               <a:buNone/>
             </a:pPr>
-            <a:r>
-              <a:t/>
-            </a:r>
             <a:endParaRPr/>
           </a:p>
         </p:txBody>
@@ -1125,11 +1160,11 @@
 </file>
 
 <file path=ppt/notesSlides/notesSlide13.xml><?xml version="1.0" encoding="utf-8"?>
-<p:notes xmlns:a="http://schemas.openxmlformats.org/drawingml/2006/main" xmlns:r="http://schemas.openxmlformats.org/officeDocument/2006/relationships" xmlns:mc="http://schemas.openxmlformats.org/markup-compatibility/2006" xmlns:mv="urn:schemas-microsoft-com:mac:vml" xmlns:p="http://schemas.openxmlformats.org/presentationml/2006/main" xmlns:c="http://schemas.openxmlformats.org/drawingml/2006/chart" xmlns:dgm="http://schemas.openxmlformats.org/drawingml/2006/diagram" xmlns:o="urn:schemas-microsoft-com:office:office" xmlns:v="urn:schemas-microsoft-com:vml" xmlns:pvml="urn:schemas-microsoft-com:office:powerpoint" xmlns:com="http://schemas.openxmlformats.org/drawingml/2006/compatibility" xmlns:p14="http://schemas.microsoft.com/office/powerpoint/2010/main" xmlns:p15="http://schemas.microsoft.com/office/powerpoint/2012/main" xmlns:ahyp="http://schemas.microsoft.com/office/drawing/2018/hyperlinkcolor" showMasterPhAnim="0" showMasterSp="0">
+<p:notes xmlns:a="http://schemas.openxmlformats.org/drawingml/2006/main" xmlns:r="http://schemas.openxmlformats.org/officeDocument/2006/relationships" xmlns:p="http://schemas.openxmlformats.org/presentationml/2006/main" showMasterSp="0" showMasterPhAnim="0">
   <p:cSld>
     <p:spTree>
       <p:nvGrpSpPr>
-        <p:cNvPr id="217" name="Shape 217"/>
+        <p:cNvPr id="1" name="Shape 217"/>
         <p:cNvGrpSpPr/>
         <p:nvPr/>
       </p:nvGrpSpPr>
@@ -1144,9 +1179,11 @@
       <p:sp>
         <p:nvSpPr>
           <p:cNvPr id="218" name="Google Shape;218;gfca1525c98_0_20:notes"/>
-          <p:cNvSpPr/>
+          <p:cNvSpPr>
+            <a:spLocks noGrp="1" noRot="1" noChangeAspect="1"/>
+          </p:cNvSpPr>
           <p:nvPr>
-            <p:ph idx="2" type="sldImg"/>
+            <p:ph type="sldImg" idx="2"/>
           </p:nvPr>
         </p:nvSpPr>
         <p:spPr>
@@ -1155,9 +1192,13 @@
             <a:ext cx="6096000" cy="3429000"/>
           </a:xfrm>
           <a:custGeom>
-            <a:rect b="b" l="l" r="r" t="t"/>
+            <a:avLst/>
+            <a:gdLst/>
+            <a:ahLst/>
+            <a:cxnLst/>
+            <a:rect l="l" t="t" r="r" b="b"/>
             <a:pathLst>
-              <a:path extrusionOk="0" h="120000" w="120000">
+              <a:path w="120000" h="120000" extrusionOk="0">
                 <a:moveTo>
                   <a:pt x="0" y="0"/>
                 </a:moveTo>
@@ -1179,9 +1220,11 @@
       <p:sp>
         <p:nvSpPr>
           <p:cNvPr id="219" name="Google Shape;219;gfca1525c98_0_20:notes"/>
-          <p:cNvSpPr txBox="1"/>
+          <p:cNvSpPr txBox="1">
+            <a:spLocks noGrp="1"/>
+          </p:cNvSpPr>
           <p:nvPr>
-            <p:ph idx="1" type="body"/>
+            <p:ph type="body" idx="1"/>
           </p:nvPr>
         </p:nvSpPr>
         <p:spPr>
@@ -1194,12 +1237,12 @@
           </a:prstGeom>
         </p:spPr>
         <p:txBody>
-          <a:bodyPr anchorCtr="0" anchor="t" bIns="91425" lIns="91425" spcFirstLastPara="1" rIns="91425" wrap="square" tIns="91425">
+          <a:bodyPr spcFirstLastPara="1" wrap="square" lIns="91425" tIns="91425" rIns="91425" bIns="91425" anchor="t" anchorCtr="0">
             <a:noAutofit/>
           </a:bodyPr>
           <a:lstStyle/>
           <a:p>
-            <a:pPr indent="0" lvl="0" marL="0" rtl="0" algn="l">
+            <a:pPr marL="0" lvl="0" indent="0" algn="l" rtl="0">
               <a:spcBef>
                 <a:spcPts val="0"/>
               </a:spcBef>
@@ -1208,9 +1251,6 @@
               </a:spcAft>
               <a:buNone/>
             </a:pPr>
-            <a:r>
-              <a:t/>
-            </a:r>
             <a:endParaRPr/>
           </a:p>
         </p:txBody>
@@ -1224,11 +1264,11 @@
 </file>
 
 <file path=ppt/notesSlides/notesSlide2.xml><?xml version="1.0" encoding="utf-8"?>
-<p:notes xmlns:a="http://schemas.openxmlformats.org/drawingml/2006/main" xmlns:r="http://schemas.openxmlformats.org/officeDocument/2006/relationships" xmlns:mc="http://schemas.openxmlformats.org/markup-compatibility/2006" xmlns:mv="urn:schemas-microsoft-com:mac:vml" xmlns:p="http://schemas.openxmlformats.org/presentationml/2006/main" xmlns:c="http://schemas.openxmlformats.org/drawingml/2006/chart" xmlns:dgm="http://schemas.openxmlformats.org/drawingml/2006/diagram" xmlns:o="urn:schemas-microsoft-com:office:office" xmlns:v="urn:schemas-microsoft-com:vml" xmlns:pvml="urn:schemas-microsoft-com:office:powerpoint" xmlns:com="http://schemas.openxmlformats.org/drawingml/2006/compatibility" xmlns:p14="http://schemas.microsoft.com/office/powerpoint/2010/main" xmlns:p15="http://schemas.microsoft.com/office/powerpoint/2012/main" xmlns:ahyp="http://schemas.microsoft.com/office/drawing/2018/hyperlinkcolor" showMasterPhAnim="0" showMasterSp="0">
+<p:notes xmlns:a="http://schemas.openxmlformats.org/drawingml/2006/main" xmlns:r="http://schemas.openxmlformats.org/officeDocument/2006/relationships" xmlns:p="http://schemas.openxmlformats.org/presentationml/2006/main" showMasterSp="0" showMasterPhAnim="0">
   <p:cSld>
     <p:spTree>
       <p:nvGrpSpPr>
-        <p:cNvPr id="88" name="Shape 88"/>
+        <p:cNvPr id="1" name="Shape 88"/>
         <p:cNvGrpSpPr/>
         <p:nvPr/>
       </p:nvGrpSpPr>
@@ -1243,9 +1283,11 @@
       <p:sp>
         <p:nvSpPr>
           <p:cNvPr id="89" name="Google Shape;89;gfca1525c98_1_70:notes"/>
-          <p:cNvSpPr/>
+          <p:cNvSpPr>
+            <a:spLocks noGrp="1" noRot="1" noChangeAspect="1"/>
+          </p:cNvSpPr>
           <p:nvPr>
-            <p:ph idx="2" type="sldImg"/>
+            <p:ph type="sldImg" idx="2"/>
           </p:nvPr>
         </p:nvSpPr>
         <p:spPr>
@@ -1254,9 +1296,13 @@
             <a:ext cx="6096000" cy="3429000"/>
           </a:xfrm>
           <a:custGeom>
-            <a:rect b="b" l="l" r="r" t="t"/>
+            <a:avLst/>
+            <a:gdLst/>
+            <a:ahLst/>
+            <a:cxnLst/>
+            <a:rect l="l" t="t" r="r" b="b"/>
             <a:pathLst>
-              <a:path extrusionOk="0" h="120000" w="120000">
+              <a:path w="120000" h="120000" extrusionOk="0">
                 <a:moveTo>
                   <a:pt x="0" y="0"/>
                 </a:moveTo>
@@ -1278,9 +1324,11 @@
       <p:sp>
         <p:nvSpPr>
           <p:cNvPr id="90" name="Google Shape;90;gfca1525c98_1_70:notes"/>
-          <p:cNvSpPr txBox="1"/>
+          <p:cNvSpPr txBox="1">
+            <a:spLocks noGrp="1"/>
+          </p:cNvSpPr>
           <p:nvPr>
-            <p:ph idx="1" type="body"/>
+            <p:ph type="body" idx="1"/>
           </p:nvPr>
         </p:nvSpPr>
         <p:spPr>
@@ -1293,12 +1341,12 @@
           </a:prstGeom>
         </p:spPr>
         <p:txBody>
-          <a:bodyPr anchorCtr="0" anchor="t" bIns="91425" lIns="91425" spcFirstLastPara="1" rIns="91425" wrap="square" tIns="91425">
+          <a:bodyPr spcFirstLastPara="1" wrap="square" lIns="91425" tIns="91425" rIns="91425" bIns="91425" anchor="t" anchorCtr="0">
             <a:noAutofit/>
           </a:bodyPr>
           <a:lstStyle/>
           <a:p>
-            <a:pPr indent="0" lvl="0" marL="0" rtl="0" algn="l">
+            <a:pPr marL="0" lvl="0" indent="0" algn="l" rtl="0">
               <a:spcBef>
                 <a:spcPts val="0"/>
               </a:spcBef>
@@ -1307,9 +1355,6 @@
               </a:spcAft>
               <a:buNone/>
             </a:pPr>
-            <a:r>
-              <a:t/>
-            </a:r>
             <a:endParaRPr/>
           </a:p>
         </p:txBody>
@@ -1323,11 +1368,11 @@
 </file>
 
 <file path=ppt/notesSlides/notesSlide3.xml><?xml version="1.0" encoding="utf-8"?>
-<p:notes xmlns:a="http://schemas.openxmlformats.org/drawingml/2006/main" xmlns:r="http://schemas.openxmlformats.org/officeDocument/2006/relationships" xmlns:mc="http://schemas.openxmlformats.org/markup-compatibility/2006" xmlns:mv="urn:schemas-microsoft-com:mac:vml" xmlns:p="http://schemas.openxmlformats.org/presentationml/2006/main" xmlns:c="http://schemas.openxmlformats.org/drawingml/2006/chart" xmlns:dgm="http://schemas.openxmlformats.org/drawingml/2006/diagram" xmlns:o="urn:schemas-microsoft-com:office:office" xmlns:v="urn:schemas-microsoft-com:vml" xmlns:pvml="urn:schemas-microsoft-com:office:powerpoint" xmlns:com="http://schemas.openxmlformats.org/drawingml/2006/compatibility" xmlns:p14="http://schemas.microsoft.com/office/powerpoint/2010/main" xmlns:p15="http://schemas.microsoft.com/office/powerpoint/2012/main" xmlns:ahyp="http://schemas.microsoft.com/office/drawing/2018/hyperlinkcolor" showMasterPhAnim="0" showMasterSp="0">
+<p:notes xmlns:a="http://schemas.openxmlformats.org/drawingml/2006/main" xmlns:r="http://schemas.openxmlformats.org/officeDocument/2006/relationships" xmlns:p="http://schemas.openxmlformats.org/presentationml/2006/main" showMasterSp="0" showMasterPhAnim="0">
   <p:cSld>
     <p:spTree>
       <p:nvGrpSpPr>
-        <p:cNvPr id="95" name="Shape 95"/>
+        <p:cNvPr id="1" name="Shape 95"/>
         <p:cNvGrpSpPr/>
         <p:nvPr/>
       </p:nvGrpSpPr>
@@ -1342,9 +1387,11 @@
       <p:sp>
         <p:nvSpPr>
           <p:cNvPr id="96" name="Google Shape;96;gfca1525c98_0_0:notes"/>
-          <p:cNvSpPr/>
+          <p:cNvSpPr>
+            <a:spLocks noGrp="1" noRot="1" noChangeAspect="1"/>
+          </p:cNvSpPr>
           <p:nvPr>
-            <p:ph idx="2" type="sldImg"/>
+            <p:ph type="sldImg" idx="2"/>
           </p:nvPr>
         </p:nvSpPr>
         <p:spPr>
@@ -1353,9 +1400,13 @@
             <a:ext cx="6096000" cy="3429000"/>
           </a:xfrm>
           <a:custGeom>
-            <a:rect b="b" l="l" r="r" t="t"/>
+            <a:avLst/>
+            <a:gdLst/>
+            <a:ahLst/>
+            <a:cxnLst/>
+            <a:rect l="l" t="t" r="r" b="b"/>
             <a:pathLst>
-              <a:path extrusionOk="0" h="120000" w="120000">
+              <a:path w="120000" h="120000" extrusionOk="0">
                 <a:moveTo>
                   <a:pt x="0" y="0"/>
                 </a:moveTo>
@@ -1377,9 +1428,11 @@
       <p:sp>
         <p:nvSpPr>
           <p:cNvPr id="97" name="Google Shape;97;gfca1525c98_0_0:notes"/>
-          <p:cNvSpPr txBox="1"/>
+          <p:cNvSpPr txBox="1">
+            <a:spLocks noGrp="1"/>
+          </p:cNvSpPr>
           <p:nvPr>
-            <p:ph idx="1" type="body"/>
+            <p:ph type="body" idx="1"/>
           </p:nvPr>
         </p:nvSpPr>
         <p:spPr>
@@ -1392,12 +1445,12 @@
           </a:prstGeom>
         </p:spPr>
         <p:txBody>
-          <a:bodyPr anchorCtr="0" anchor="t" bIns="91425" lIns="91425" spcFirstLastPara="1" rIns="91425" wrap="square" tIns="91425">
+          <a:bodyPr spcFirstLastPara="1" wrap="square" lIns="91425" tIns="91425" rIns="91425" bIns="91425" anchor="t" anchorCtr="0">
             <a:noAutofit/>
           </a:bodyPr>
           <a:lstStyle/>
           <a:p>
-            <a:pPr indent="0" lvl="0" marL="0" rtl="0" algn="l">
+            <a:pPr marL="0" lvl="0" indent="0" algn="l" rtl="0">
               <a:spcBef>
                 <a:spcPts val="0"/>
               </a:spcBef>
@@ -1406,9 +1459,6 @@
               </a:spcAft>
               <a:buNone/>
             </a:pPr>
-            <a:r>
-              <a:t/>
-            </a:r>
             <a:endParaRPr/>
           </a:p>
         </p:txBody>
@@ -1422,11 +1472,11 @@
 </file>
 
 <file path=ppt/notesSlides/notesSlide4.xml><?xml version="1.0" encoding="utf-8"?>
-<p:notes xmlns:a="http://schemas.openxmlformats.org/drawingml/2006/main" xmlns:r="http://schemas.openxmlformats.org/officeDocument/2006/relationships" xmlns:mc="http://schemas.openxmlformats.org/markup-compatibility/2006" xmlns:mv="urn:schemas-microsoft-com:mac:vml" xmlns:p="http://schemas.openxmlformats.org/presentationml/2006/main" xmlns:c="http://schemas.openxmlformats.org/drawingml/2006/chart" xmlns:dgm="http://schemas.openxmlformats.org/drawingml/2006/diagram" xmlns:o="urn:schemas-microsoft-com:office:office" xmlns:v="urn:schemas-microsoft-com:vml" xmlns:pvml="urn:schemas-microsoft-com:office:powerpoint" xmlns:com="http://schemas.openxmlformats.org/drawingml/2006/compatibility" xmlns:p14="http://schemas.microsoft.com/office/powerpoint/2010/main" xmlns:p15="http://schemas.microsoft.com/office/powerpoint/2012/main" xmlns:ahyp="http://schemas.microsoft.com/office/drawing/2018/hyperlinkcolor" showMasterPhAnim="0" showMasterSp="0">
+<p:notes xmlns:a="http://schemas.openxmlformats.org/drawingml/2006/main" xmlns:r="http://schemas.openxmlformats.org/officeDocument/2006/relationships" xmlns:p="http://schemas.openxmlformats.org/presentationml/2006/main" showMasterSp="0" showMasterPhAnim="0">
   <p:cSld>
     <p:spTree>
       <p:nvGrpSpPr>
-        <p:cNvPr id="146" name="Shape 146"/>
+        <p:cNvPr id="1" name="Shape 146"/>
         <p:cNvGrpSpPr/>
         <p:nvPr/>
       </p:nvGrpSpPr>
@@ -1441,9 +1491,11 @@
       <p:sp>
         <p:nvSpPr>
           <p:cNvPr id="147" name="Google Shape;147;gfca1525c98_0_105:notes"/>
-          <p:cNvSpPr/>
+          <p:cNvSpPr>
+            <a:spLocks noGrp="1" noRot="1" noChangeAspect="1"/>
+          </p:cNvSpPr>
           <p:nvPr>
-            <p:ph idx="2" type="sldImg"/>
+            <p:ph type="sldImg" idx="2"/>
           </p:nvPr>
         </p:nvSpPr>
         <p:spPr>
@@ -1452,9 +1504,13 @@
             <a:ext cx="6096000" cy="3429000"/>
           </a:xfrm>
           <a:custGeom>
-            <a:rect b="b" l="l" r="r" t="t"/>
+            <a:avLst/>
+            <a:gdLst/>
+            <a:ahLst/>
+            <a:cxnLst/>
+            <a:rect l="l" t="t" r="r" b="b"/>
             <a:pathLst>
-              <a:path extrusionOk="0" h="120000" w="120000">
+              <a:path w="120000" h="120000" extrusionOk="0">
                 <a:moveTo>
                   <a:pt x="0" y="0"/>
                 </a:moveTo>
@@ -1476,9 +1532,11 @@
       <p:sp>
         <p:nvSpPr>
           <p:cNvPr id="148" name="Google Shape;148;gfca1525c98_0_105:notes"/>
-          <p:cNvSpPr txBox="1"/>
+          <p:cNvSpPr txBox="1">
+            <a:spLocks noGrp="1"/>
+          </p:cNvSpPr>
           <p:nvPr>
-            <p:ph idx="1" type="body"/>
+            <p:ph type="body" idx="1"/>
           </p:nvPr>
         </p:nvSpPr>
         <p:spPr>
@@ -1491,12 +1549,12 @@
           </a:prstGeom>
         </p:spPr>
         <p:txBody>
-          <a:bodyPr anchorCtr="0" anchor="t" bIns="91425" lIns="91425" spcFirstLastPara="1" rIns="91425" wrap="square" tIns="91425">
+          <a:bodyPr spcFirstLastPara="1" wrap="square" lIns="91425" tIns="91425" rIns="91425" bIns="91425" anchor="t" anchorCtr="0">
             <a:noAutofit/>
           </a:bodyPr>
           <a:lstStyle/>
           <a:p>
-            <a:pPr indent="0" lvl="0" marL="0" rtl="0" algn="l">
+            <a:pPr marL="0" lvl="0" indent="0" algn="l" rtl="0">
               <a:spcBef>
                 <a:spcPts val="0"/>
               </a:spcBef>
@@ -1505,9 +1563,6 @@
               </a:spcAft>
               <a:buNone/>
             </a:pPr>
-            <a:r>
-              <a:t/>
-            </a:r>
             <a:endParaRPr/>
           </a:p>
         </p:txBody>
@@ -1521,11 +1576,11 @@
 </file>
 
 <file path=ppt/notesSlides/notesSlide5.xml><?xml version="1.0" encoding="utf-8"?>
-<p:notes xmlns:a="http://schemas.openxmlformats.org/drawingml/2006/main" xmlns:r="http://schemas.openxmlformats.org/officeDocument/2006/relationships" xmlns:mc="http://schemas.openxmlformats.org/markup-compatibility/2006" xmlns:mv="urn:schemas-microsoft-com:mac:vml" xmlns:p="http://schemas.openxmlformats.org/presentationml/2006/main" xmlns:c="http://schemas.openxmlformats.org/drawingml/2006/chart" xmlns:dgm="http://schemas.openxmlformats.org/drawingml/2006/diagram" xmlns:o="urn:schemas-microsoft-com:office:office" xmlns:v="urn:schemas-microsoft-com:vml" xmlns:pvml="urn:schemas-microsoft-com:office:powerpoint" xmlns:com="http://schemas.openxmlformats.org/drawingml/2006/compatibility" xmlns:p14="http://schemas.microsoft.com/office/powerpoint/2010/main" xmlns:p15="http://schemas.microsoft.com/office/powerpoint/2012/main" xmlns:ahyp="http://schemas.microsoft.com/office/drawing/2018/hyperlinkcolor" showMasterPhAnim="0" showMasterSp="0">
+<p:notes xmlns:a="http://schemas.openxmlformats.org/drawingml/2006/main" xmlns:r="http://schemas.openxmlformats.org/officeDocument/2006/relationships" xmlns:p="http://schemas.openxmlformats.org/presentationml/2006/main" showMasterSp="0" showMasterPhAnim="0">
   <p:cSld>
     <p:spTree>
       <p:nvGrpSpPr>
-        <p:cNvPr id="152" name="Shape 152"/>
+        <p:cNvPr id="1" name="Shape 152"/>
         <p:cNvGrpSpPr/>
         <p:nvPr/>
       </p:nvGrpSpPr>
@@ -1540,20 +1595,26 @@
       <p:sp>
         <p:nvSpPr>
           <p:cNvPr id="153" name="Google Shape;153;gfca1525c98_0_5:notes"/>
-          <p:cNvSpPr/>
+          <p:cNvSpPr>
+            <a:spLocks noGrp="1" noRot="1" noChangeAspect="1"/>
+          </p:cNvSpPr>
           <p:nvPr>
-            <p:ph idx="2" type="sldImg"/>
+            <p:ph type="sldImg" idx="2"/>
           </p:nvPr>
         </p:nvSpPr>
         <p:spPr>
           <a:xfrm>
-            <a:off x="381300" y="685800"/>
+            <a:off x="381000" y="685800"/>
             <a:ext cx="6096000" cy="3429000"/>
           </a:xfrm>
           <a:custGeom>
-            <a:rect b="b" l="l" r="r" t="t"/>
+            <a:avLst/>
+            <a:gdLst/>
+            <a:ahLst/>
+            <a:cxnLst/>
+            <a:rect l="l" t="t" r="r" b="b"/>
             <a:pathLst>
-              <a:path extrusionOk="0" h="120000" w="120000">
+              <a:path w="120000" h="120000" extrusionOk="0">
                 <a:moveTo>
                   <a:pt x="0" y="0"/>
                 </a:moveTo>
@@ -1575,9 +1636,11 @@
       <p:sp>
         <p:nvSpPr>
           <p:cNvPr id="154" name="Google Shape;154;gfca1525c98_0_5:notes"/>
-          <p:cNvSpPr txBox="1"/>
+          <p:cNvSpPr txBox="1">
+            <a:spLocks noGrp="1"/>
+          </p:cNvSpPr>
           <p:nvPr>
-            <p:ph idx="1" type="body"/>
+            <p:ph type="body" idx="1"/>
           </p:nvPr>
         </p:nvSpPr>
         <p:spPr>
@@ -1590,12 +1653,12 @@
           </a:prstGeom>
         </p:spPr>
         <p:txBody>
-          <a:bodyPr anchorCtr="0" anchor="t" bIns="91425" lIns="91425" spcFirstLastPara="1" rIns="91425" wrap="square" tIns="91425">
+          <a:bodyPr spcFirstLastPara="1" wrap="square" lIns="91425" tIns="91425" rIns="91425" bIns="91425" anchor="t" anchorCtr="0">
             <a:noAutofit/>
           </a:bodyPr>
           <a:lstStyle/>
           <a:p>
-            <a:pPr indent="0" lvl="0" marL="0" rtl="0" algn="l">
+            <a:pPr marL="0" lvl="0" indent="0" algn="l" rtl="0">
               <a:spcBef>
                 <a:spcPts val="0"/>
               </a:spcBef>
@@ -1604,9 +1667,6 @@
               </a:spcAft>
               <a:buNone/>
             </a:pPr>
-            <a:r>
-              <a:t/>
-            </a:r>
             <a:endParaRPr/>
           </a:p>
         </p:txBody>
@@ -1620,11 +1680,11 @@
 </file>
 
 <file path=ppt/notesSlides/notesSlide6.xml><?xml version="1.0" encoding="utf-8"?>
-<p:notes xmlns:a="http://schemas.openxmlformats.org/drawingml/2006/main" xmlns:r="http://schemas.openxmlformats.org/officeDocument/2006/relationships" xmlns:mc="http://schemas.openxmlformats.org/markup-compatibility/2006" xmlns:mv="urn:schemas-microsoft-com:mac:vml" xmlns:p="http://schemas.openxmlformats.org/presentationml/2006/main" xmlns:c="http://schemas.openxmlformats.org/drawingml/2006/chart" xmlns:dgm="http://schemas.openxmlformats.org/drawingml/2006/diagram" xmlns:o="urn:schemas-microsoft-com:office:office" xmlns:v="urn:schemas-microsoft-com:vml" xmlns:pvml="urn:schemas-microsoft-com:office:powerpoint" xmlns:com="http://schemas.openxmlformats.org/drawingml/2006/compatibility" xmlns:p14="http://schemas.microsoft.com/office/powerpoint/2010/main" xmlns:p15="http://schemas.microsoft.com/office/powerpoint/2012/main" xmlns:ahyp="http://schemas.microsoft.com/office/drawing/2018/hyperlinkcolor" showMasterPhAnim="0" showMasterSp="0">
+<p:notes xmlns:a="http://schemas.openxmlformats.org/drawingml/2006/main" xmlns:r="http://schemas.openxmlformats.org/officeDocument/2006/relationships" xmlns:p="http://schemas.openxmlformats.org/presentationml/2006/main" showMasterSp="0" showMasterPhAnim="0">
   <p:cSld>
     <p:spTree>
       <p:nvGrpSpPr>
-        <p:cNvPr id="158" name="Shape 158"/>
+        <p:cNvPr id="1" name="Shape 158"/>
         <p:cNvGrpSpPr/>
         <p:nvPr/>
       </p:nvGrpSpPr>
@@ -1639,9 +1699,11 @@
       <p:sp>
         <p:nvSpPr>
           <p:cNvPr id="159" name="Google Shape;159;gfca1525c98_1_25:notes"/>
-          <p:cNvSpPr/>
+          <p:cNvSpPr>
+            <a:spLocks noGrp="1" noRot="1" noChangeAspect="1"/>
+          </p:cNvSpPr>
           <p:nvPr>
-            <p:ph idx="2" type="sldImg"/>
+            <p:ph type="sldImg" idx="2"/>
           </p:nvPr>
         </p:nvSpPr>
         <p:spPr>
@@ -1650,9 +1712,13 @@
             <a:ext cx="6096000" cy="3429000"/>
           </a:xfrm>
           <a:custGeom>
-            <a:rect b="b" l="l" r="r" t="t"/>
+            <a:avLst/>
+            <a:gdLst/>
+            <a:ahLst/>
+            <a:cxnLst/>
+            <a:rect l="l" t="t" r="r" b="b"/>
             <a:pathLst>
-              <a:path extrusionOk="0" h="120000" w="120000">
+              <a:path w="120000" h="120000" extrusionOk="0">
                 <a:moveTo>
                   <a:pt x="0" y="0"/>
                 </a:moveTo>
@@ -1674,9 +1740,11 @@
       <p:sp>
         <p:nvSpPr>
           <p:cNvPr id="160" name="Google Shape;160;gfca1525c98_1_25:notes"/>
-          <p:cNvSpPr txBox="1"/>
+          <p:cNvSpPr txBox="1">
+            <a:spLocks noGrp="1"/>
+          </p:cNvSpPr>
           <p:nvPr>
-            <p:ph idx="1" type="body"/>
+            <p:ph type="body" idx="1"/>
           </p:nvPr>
         </p:nvSpPr>
         <p:spPr>
@@ -1689,12 +1757,12 @@
           </a:prstGeom>
         </p:spPr>
         <p:txBody>
-          <a:bodyPr anchorCtr="0" anchor="t" bIns="91425" lIns="91425" spcFirstLastPara="1" rIns="91425" wrap="square" tIns="91425">
+          <a:bodyPr spcFirstLastPara="1" wrap="square" lIns="91425" tIns="91425" rIns="91425" bIns="91425" anchor="t" anchorCtr="0">
             <a:noAutofit/>
           </a:bodyPr>
           <a:lstStyle/>
           <a:p>
-            <a:pPr indent="0" lvl="0" marL="0" rtl="0" algn="l">
+            <a:pPr marL="0" lvl="0" indent="0" algn="l" rtl="0">
               <a:spcBef>
                 <a:spcPts val="0"/>
               </a:spcBef>
@@ -1703,10 +1771,7 @@
               </a:spcAft>
               <a:buNone/>
             </a:pPr>
-            <a:r>
-              <a:t/>
-            </a:r>
-            <a:endParaRPr/>
+            <a:endParaRPr dirty="0"/>
           </a:p>
         </p:txBody>
       </p:sp>
@@ -1719,11 +1784,11 @@
 </file>
 
 <file path=ppt/notesSlides/notesSlide7.xml><?xml version="1.0" encoding="utf-8"?>
-<p:notes xmlns:a="http://schemas.openxmlformats.org/drawingml/2006/main" xmlns:r="http://schemas.openxmlformats.org/officeDocument/2006/relationships" xmlns:mc="http://schemas.openxmlformats.org/markup-compatibility/2006" xmlns:mv="urn:schemas-microsoft-com:mac:vml" xmlns:p="http://schemas.openxmlformats.org/presentationml/2006/main" xmlns:c="http://schemas.openxmlformats.org/drawingml/2006/chart" xmlns:dgm="http://schemas.openxmlformats.org/drawingml/2006/diagram" xmlns:o="urn:schemas-microsoft-com:office:office" xmlns:v="urn:schemas-microsoft-com:vml" xmlns:pvml="urn:schemas-microsoft-com:office:powerpoint" xmlns:com="http://schemas.openxmlformats.org/drawingml/2006/compatibility" xmlns:p14="http://schemas.microsoft.com/office/powerpoint/2010/main" xmlns:p15="http://schemas.microsoft.com/office/powerpoint/2012/main" xmlns:ahyp="http://schemas.microsoft.com/office/drawing/2018/hyperlinkcolor" showMasterPhAnim="0" showMasterSp="0">
+<p:notes xmlns:a="http://schemas.openxmlformats.org/drawingml/2006/main" xmlns:r="http://schemas.openxmlformats.org/officeDocument/2006/relationships" xmlns:p="http://schemas.openxmlformats.org/presentationml/2006/main" showMasterSp="0" showMasterPhAnim="0">
   <p:cSld>
     <p:spTree>
       <p:nvGrpSpPr>
-        <p:cNvPr id="164" name="Shape 164"/>
+        <p:cNvPr id="1" name="Shape 164"/>
         <p:cNvGrpSpPr/>
         <p:nvPr/>
       </p:nvGrpSpPr>
@@ -1738,9 +1803,11 @@
       <p:sp>
         <p:nvSpPr>
           <p:cNvPr id="165" name="Google Shape;165;gfca1525c98_1_30:notes"/>
-          <p:cNvSpPr/>
+          <p:cNvSpPr>
+            <a:spLocks noGrp="1" noRot="1" noChangeAspect="1"/>
+          </p:cNvSpPr>
           <p:nvPr>
-            <p:ph idx="2" type="sldImg"/>
+            <p:ph type="sldImg" idx="2"/>
           </p:nvPr>
         </p:nvSpPr>
         <p:spPr>
@@ -1749,9 +1816,13 @@
             <a:ext cx="6096000" cy="3429000"/>
           </a:xfrm>
           <a:custGeom>
-            <a:rect b="b" l="l" r="r" t="t"/>
+            <a:avLst/>
+            <a:gdLst/>
+            <a:ahLst/>
+            <a:cxnLst/>
+            <a:rect l="l" t="t" r="r" b="b"/>
             <a:pathLst>
-              <a:path extrusionOk="0" h="120000" w="120000">
+              <a:path w="120000" h="120000" extrusionOk="0">
                 <a:moveTo>
                   <a:pt x="0" y="0"/>
                 </a:moveTo>
@@ -1773,9 +1844,11 @@
       <p:sp>
         <p:nvSpPr>
           <p:cNvPr id="166" name="Google Shape;166;gfca1525c98_1_30:notes"/>
-          <p:cNvSpPr txBox="1"/>
+          <p:cNvSpPr txBox="1">
+            <a:spLocks noGrp="1"/>
+          </p:cNvSpPr>
           <p:nvPr>
-            <p:ph idx="1" type="body"/>
+            <p:ph type="body" idx="1"/>
           </p:nvPr>
         </p:nvSpPr>
         <p:spPr>
@@ -1788,12 +1861,12 @@
           </a:prstGeom>
         </p:spPr>
         <p:txBody>
-          <a:bodyPr anchorCtr="0" anchor="t" bIns="91425" lIns="91425" spcFirstLastPara="1" rIns="91425" wrap="square" tIns="91425">
+          <a:bodyPr spcFirstLastPara="1" wrap="square" lIns="91425" tIns="91425" rIns="91425" bIns="91425" anchor="t" anchorCtr="0">
             <a:noAutofit/>
           </a:bodyPr>
           <a:lstStyle/>
           <a:p>
-            <a:pPr indent="0" lvl="0" marL="0" rtl="0" algn="l">
+            <a:pPr marL="0" lvl="0" indent="0" algn="l" rtl="0">
               <a:spcBef>
                 <a:spcPts val="0"/>
               </a:spcBef>
@@ -1802,9 +1875,6 @@
               </a:spcAft>
               <a:buNone/>
             </a:pPr>
-            <a:r>
-              <a:t/>
-            </a:r>
             <a:endParaRPr/>
           </a:p>
         </p:txBody>
@@ -1818,11 +1888,11 @@
 </file>
 
 <file path=ppt/notesSlides/notesSlide8.xml><?xml version="1.0" encoding="utf-8"?>
-<p:notes xmlns:a="http://schemas.openxmlformats.org/drawingml/2006/main" xmlns:r="http://schemas.openxmlformats.org/officeDocument/2006/relationships" xmlns:mc="http://schemas.openxmlformats.org/markup-compatibility/2006" xmlns:mv="urn:schemas-microsoft-com:mac:vml" xmlns:p="http://schemas.openxmlformats.org/presentationml/2006/main" xmlns:c="http://schemas.openxmlformats.org/drawingml/2006/chart" xmlns:dgm="http://schemas.openxmlformats.org/drawingml/2006/diagram" xmlns:o="urn:schemas-microsoft-com:office:office" xmlns:v="urn:schemas-microsoft-com:vml" xmlns:pvml="urn:schemas-microsoft-com:office:powerpoint" xmlns:com="http://schemas.openxmlformats.org/drawingml/2006/compatibility" xmlns:p14="http://schemas.microsoft.com/office/powerpoint/2010/main" xmlns:p15="http://schemas.microsoft.com/office/powerpoint/2012/main" xmlns:ahyp="http://schemas.microsoft.com/office/drawing/2018/hyperlinkcolor" showMasterPhAnim="0" showMasterSp="0">
+<p:notes xmlns:a="http://schemas.openxmlformats.org/drawingml/2006/main" xmlns:r="http://schemas.openxmlformats.org/officeDocument/2006/relationships" xmlns:p="http://schemas.openxmlformats.org/presentationml/2006/main" showMasterSp="0" showMasterPhAnim="0">
   <p:cSld>
     <p:spTree>
       <p:nvGrpSpPr>
-        <p:cNvPr id="170" name="Shape 170"/>
+        <p:cNvPr id="1" name="Shape 170"/>
         <p:cNvGrpSpPr/>
         <p:nvPr/>
       </p:nvGrpSpPr>
@@ -1837,9 +1907,11 @@
       <p:sp>
         <p:nvSpPr>
           <p:cNvPr id="171" name="Google Shape;171;gfca1525c98_0_15:notes"/>
-          <p:cNvSpPr/>
+          <p:cNvSpPr>
+            <a:spLocks noGrp="1" noRot="1" noChangeAspect="1"/>
+          </p:cNvSpPr>
           <p:nvPr>
-            <p:ph idx="2" type="sldImg"/>
+            <p:ph type="sldImg" idx="2"/>
           </p:nvPr>
         </p:nvSpPr>
         <p:spPr>
@@ -1848,9 +1920,13 @@
             <a:ext cx="6096000" cy="3429000"/>
           </a:xfrm>
           <a:custGeom>
-            <a:rect b="b" l="l" r="r" t="t"/>
+            <a:avLst/>
+            <a:gdLst/>
+            <a:ahLst/>
+            <a:cxnLst/>
+            <a:rect l="l" t="t" r="r" b="b"/>
             <a:pathLst>
-              <a:path extrusionOk="0" h="120000" w="120000">
+              <a:path w="120000" h="120000" extrusionOk="0">
                 <a:moveTo>
                   <a:pt x="0" y="0"/>
                 </a:moveTo>
@@ -1872,9 +1948,11 @@
       <p:sp>
         <p:nvSpPr>
           <p:cNvPr id="172" name="Google Shape;172;gfca1525c98_0_15:notes"/>
-          <p:cNvSpPr txBox="1"/>
+          <p:cNvSpPr txBox="1">
+            <a:spLocks noGrp="1"/>
+          </p:cNvSpPr>
           <p:nvPr>
-            <p:ph idx="1" type="body"/>
+            <p:ph type="body" idx="1"/>
           </p:nvPr>
         </p:nvSpPr>
         <p:spPr>
@@ -1887,12 +1965,12 @@
           </a:prstGeom>
         </p:spPr>
         <p:txBody>
-          <a:bodyPr anchorCtr="0" anchor="t" bIns="91425" lIns="91425" spcFirstLastPara="1" rIns="91425" wrap="square" tIns="91425">
+          <a:bodyPr spcFirstLastPara="1" wrap="square" lIns="91425" tIns="91425" rIns="91425" bIns="91425" anchor="t" anchorCtr="0">
             <a:noAutofit/>
           </a:bodyPr>
           <a:lstStyle/>
           <a:p>
-            <a:pPr indent="0" lvl="0" marL="0" rtl="0" algn="l">
+            <a:pPr marL="0" lvl="0" indent="0" algn="l" rtl="0">
               <a:spcBef>
                 <a:spcPts val="0"/>
               </a:spcBef>
@@ -1901,9 +1979,6 @@
               </a:spcAft>
               <a:buNone/>
             </a:pPr>
-            <a:r>
-              <a:t/>
-            </a:r>
             <a:endParaRPr/>
           </a:p>
         </p:txBody>
@@ -1917,11 +1992,11 @@
 </file>
 
 <file path=ppt/notesSlides/notesSlide9.xml><?xml version="1.0" encoding="utf-8"?>
-<p:notes xmlns:a="http://schemas.openxmlformats.org/drawingml/2006/main" xmlns:r="http://schemas.openxmlformats.org/officeDocument/2006/relationships" xmlns:mc="http://schemas.openxmlformats.org/markup-compatibility/2006" xmlns:mv="urn:schemas-microsoft-com:mac:vml" xmlns:p="http://schemas.openxmlformats.org/presentationml/2006/main" xmlns:c="http://schemas.openxmlformats.org/drawingml/2006/chart" xmlns:dgm="http://schemas.openxmlformats.org/drawingml/2006/diagram" xmlns:o="urn:schemas-microsoft-com:office:office" xmlns:v="urn:schemas-microsoft-com:vml" xmlns:pvml="urn:schemas-microsoft-com:office:powerpoint" xmlns:com="http://schemas.openxmlformats.org/drawingml/2006/compatibility" xmlns:p14="http://schemas.microsoft.com/office/powerpoint/2010/main" xmlns:p15="http://schemas.microsoft.com/office/powerpoint/2012/main" xmlns:ahyp="http://schemas.microsoft.com/office/drawing/2018/hyperlinkcolor" showMasterPhAnim="0" showMasterSp="0">
+<p:notes xmlns:a="http://schemas.openxmlformats.org/drawingml/2006/main" xmlns:r="http://schemas.openxmlformats.org/officeDocument/2006/relationships" xmlns:p="http://schemas.openxmlformats.org/presentationml/2006/main" showMasterSp="0" showMasterPhAnim="0">
   <p:cSld>
     <p:spTree>
       <p:nvGrpSpPr>
-        <p:cNvPr id="180" name="Shape 180"/>
+        <p:cNvPr id="1" name="Shape 180"/>
         <p:cNvGrpSpPr/>
         <p:nvPr/>
       </p:nvGrpSpPr>
@@ -1936,9 +2011,11 @@
       <p:sp>
         <p:nvSpPr>
           <p:cNvPr id="181" name="Google Shape;181;gfca1525c98_1_20:notes"/>
-          <p:cNvSpPr/>
+          <p:cNvSpPr>
+            <a:spLocks noGrp="1" noRot="1" noChangeAspect="1"/>
+          </p:cNvSpPr>
           <p:nvPr>
-            <p:ph idx="2" type="sldImg"/>
+            <p:ph type="sldImg" idx="2"/>
           </p:nvPr>
         </p:nvSpPr>
         <p:spPr>
@@ -1947,9 +2024,13 @@
             <a:ext cx="6096000" cy="3429000"/>
           </a:xfrm>
           <a:custGeom>
-            <a:rect b="b" l="l" r="r" t="t"/>
+            <a:avLst/>
+            <a:gdLst/>
+            <a:ahLst/>
+            <a:cxnLst/>
+            <a:rect l="l" t="t" r="r" b="b"/>
             <a:pathLst>
-              <a:path extrusionOk="0" h="120000" w="120000">
+              <a:path w="120000" h="120000" extrusionOk="0">
                 <a:moveTo>
                   <a:pt x="0" y="0"/>
                 </a:moveTo>
@@ -1971,9 +2052,11 @@
       <p:sp>
         <p:nvSpPr>
           <p:cNvPr id="182" name="Google Shape;182;gfca1525c98_1_20:notes"/>
-          <p:cNvSpPr txBox="1"/>
+          <p:cNvSpPr txBox="1">
+            <a:spLocks noGrp="1"/>
+          </p:cNvSpPr>
           <p:nvPr>
-            <p:ph idx="1" type="body"/>
+            <p:ph type="body" idx="1"/>
           </p:nvPr>
         </p:nvSpPr>
         <p:spPr>
@@ -1986,12 +2069,12 @@
           </a:prstGeom>
         </p:spPr>
         <p:txBody>
-          <a:bodyPr anchorCtr="0" anchor="t" bIns="91425" lIns="91425" spcFirstLastPara="1" rIns="91425" wrap="square" tIns="91425">
+          <a:bodyPr spcFirstLastPara="1" wrap="square" lIns="91425" tIns="91425" rIns="91425" bIns="91425" anchor="t" anchorCtr="0">
             <a:noAutofit/>
           </a:bodyPr>
           <a:lstStyle/>
           <a:p>
-            <a:pPr indent="0" lvl="0" marL="0" rtl="0" algn="l">
+            <a:pPr marL="0" lvl="0" indent="0" algn="l" rtl="0">
               <a:spcBef>
                 <a:spcPts val="0"/>
               </a:spcBef>
@@ -2000,9 +2083,6 @@
               </a:spcAft>
               <a:buNone/>
             </a:pPr>
-            <a:r>
-              <a:t/>
-            </a:r>
             <a:endParaRPr/>
           </a:p>
         </p:txBody>
@@ -2016,18 +2096,19 @@
 </file>
 
 <file path=ppt/slideLayouts/slideLayout1.xml><?xml version="1.0" encoding="utf-8"?>
-<p:sldLayout xmlns:a="http://schemas.openxmlformats.org/drawingml/2006/main" xmlns:r="http://schemas.openxmlformats.org/officeDocument/2006/relationships" xmlns:mc="http://schemas.openxmlformats.org/markup-compatibility/2006" xmlns:mv="urn:schemas-microsoft-com:mac:vml" xmlns:p="http://schemas.openxmlformats.org/presentationml/2006/main" xmlns:c="http://schemas.openxmlformats.org/drawingml/2006/chart" xmlns:dgm="http://schemas.openxmlformats.org/drawingml/2006/diagram" xmlns:o="urn:schemas-microsoft-com:office:office" xmlns:v="urn:schemas-microsoft-com:vml" xmlns:pvml="urn:schemas-microsoft-com:office:powerpoint" xmlns:com="http://schemas.openxmlformats.org/drawingml/2006/compatibility" xmlns:p14="http://schemas.microsoft.com/office/powerpoint/2010/main" xmlns:p15="http://schemas.microsoft.com/office/powerpoint/2012/main" xmlns:ahyp="http://schemas.microsoft.com/office/drawing/2018/hyperlinkcolor" matchingName="Title slide" type="title">
+<p:sldLayout xmlns:a="http://schemas.openxmlformats.org/drawingml/2006/main" xmlns:r="http://schemas.openxmlformats.org/officeDocument/2006/relationships" xmlns:p="http://schemas.openxmlformats.org/presentationml/2006/main" matchingName="Title slide" type="title">
   <p:cSld name="TITLE">
     <p:bg>
       <p:bgPr>
         <a:solidFill>
           <a:schemeClr val="lt2"/>
         </a:solidFill>
+        <a:effectLst/>
       </p:bgPr>
     </p:bg>
     <p:spTree>
       <p:nvGrpSpPr>
-        <p:cNvPr id="9" name="Shape 9"/>
+        <p:cNvPr id="1" name="Shape 9"/>
         <p:cNvGrpSpPr/>
         <p:nvPr/>
       </p:nvGrpSpPr>
@@ -2061,12 +2142,12 @@
           </a:ln>
         </p:spPr>
         <p:txBody>
-          <a:bodyPr anchorCtr="0" anchor="ctr" bIns="91425" lIns="91425" spcFirstLastPara="1" rIns="91425" wrap="square" tIns="91425">
+          <a:bodyPr spcFirstLastPara="1" wrap="square" lIns="91425" tIns="91425" rIns="91425" bIns="91425" anchor="ctr" anchorCtr="0">
             <a:noAutofit/>
           </a:bodyPr>
           <a:lstStyle/>
           <a:p>
-            <a:pPr indent="0" lvl="0" marL="0" rtl="0" algn="l">
+            <a:pPr marL="0" lvl="0" indent="0" algn="l" rtl="0">
               <a:spcBef>
                 <a:spcPts val="0"/>
               </a:spcBef>
@@ -2075,9 +2156,6 @@
               </a:spcAft>
               <a:buNone/>
             </a:pPr>
-            <a:r>
-              <a:t/>
-            </a:r>
             <a:endParaRPr/>
           </a:p>
         </p:txBody>
@@ -2118,12 +2196,12 @@
             </a:ln>
           </p:spPr>
           <p:txBody>
-            <a:bodyPr anchorCtr="0" anchor="ctr" bIns="91425" lIns="91425" spcFirstLastPara="1" rIns="91425" wrap="square" tIns="91425">
+            <a:bodyPr spcFirstLastPara="1" wrap="square" lIns="91425" tIns="91425" rIns="91425" bIns="91425" anchor="ctr" anchorCtr="0">
               <a:noAutofit/>
             </a:bodyPr>
             <a:lstStyle/>
             <a:p>
-              <a:pPr indent="0" lvl="0" marL="0" rtl="0" algn="l">
+              <a:pPr marL="0" lvl="0" indent="0" algn="l" rtl="0">
                 <a:spcBef>
                   <a:spcPts val="0"/>
                 </a:spcBef>
@@ -2132,9 +2210,6 @@
                 </a:spcAft>
                 <a:buNone/>
               </a:pPr>
-              <a:r>
-                <a:t/>
-              </a:r>
               <a:endParaRPr/>
             </a:p>
           </p:txBody>
@@ -2161,12 +2236,12 @@
             </a:ln>
           </p:spPr>
           <p:txBody>
-            <a:bodyPr anchorCtr="0" anchor="ctr" bIns="91425" lIns="91425" spcFirstLastPara="1" rIns="91425" wrap="square" tIns="91425">
+            <a:bodyPr spcFirstLastPara="1" wrap="square" lIns="91425" tIns="91425" rIns="91425" bIns="91425" anchor="ctr" anchorCtr="0">
               <a:noAutofit/>
             </a:bodyPr>
             <a:lstStyle/>
             <a:p>
-              <a:pPr indent="0" lvl="0" marL="0" rtl="0" algn="l">
+              <a:pPr marL="0" lvl="0" indent="0" algn="l" rtl="0">
                 <a:spcBef>
                   <a:spcPts val="0"/>
                 </a:spcBef>
@@ -2175,9 +2250,6 @@
                 </a:spcAft>
                 <a:buNone/>
               </a:pPr>
-              <a:r>
-                <a:t/>
-              </a:r>
               <a:endParaRPr/>
             </a:p>
           </p:txBody>
@@ -2186,7 +2258,9 @@
       <p:sp>
         <p:nvSpPr>
           <p:cNvPr id="14" name="Google Shape;14;p2"/>
-          <p:cNvSpPr txBox="1"/>
+          <p:cNvSpPr txBox="1">
+            <a:spLocks noGrp="1"/>
+          </p:cNvSpPr>
           <p:nvPr>
             <p:ph type="ctrTitle"/>
           </p:nvPr>
@@ -2201,7 +2275,7 @@
           </a:prstGeom>
         </p:spPr>
         <p:txBody>
-          <a:bodyPr anchorCtr="0" anchor="t" bIns="91425" lIns="91425" spcFirstLastPara="1" rIns="91425" wrap="square" tIns="91425">
+          <a:bodyPr spcFirstLastPara="1" wrap="square" lIns="91425" tIns="91425" rIns="91425" bIns="91425" anchor="t" anchorCtr="0">
             <a:normAutofit/>
           </a:bodyPr>
           <a:lstStyle>
@@ -2305,15 +2379,19 @@
               <a:defRPr sz="4200"/>
             </a:lvl9pPr>
           </a:lstStyle>
-          <a:p/>
+          <a:p>
+            <a:endParaRPr/>
+          </a:p>
         </p:txBody>
       </p:sp>
       <p:sp>
         <p:nvSpPr>
           <p:cNvPr id="15" name="Google Shape;15;p2"/>
-          <p:cNvSpPr txBox="1"/>
+          <p:cNvSpPr txBox="1">
+            <a:spLocks noGrp="1"/>
+          </p:cNvSpPr>
           <p:nvPr>
-            <p:ph idx="1" type="subTitle"/>
+            <p:ph type="subTitle" idx="1"/>
           </p:nvPr>
         </p:nvSpPr>
         <p:spPr>
@@ -2326,7 +2404,7 @@
           </a:prstGeom>
         </p:spPr>
         <p:txBody>
-          <a:bodyPr anchorCtr="0" anchor="t" bIns="91425" lIns="91425" spcFirstLastPara="1" rIns="91425" wrap="square" tIns="91425">
+          <a:bodyPr spcFirstLastPara="1" wrap="square" lIns="91425" tIns="91425" rIns="91425" bIns="91425" anchor="t" anchorCtr="0">
             <a:normAutofit/>
           </a:bodyPr>
           <a:lstStyle>
@@ -2457,15 +2535,19 @@
               <a:defRPr sz="1600"/>
             </a:lvl9pPr>
           </a:lstStyle>
-          <a:p/>
+          <a:p>
+            <a:endParaRPr/>
+          </a:p>
         </p:txBody>
       </p:sp>
       <p:sp>
         <p:nvSpPr>
           <p:cNvPr id="16" name="Google Shape;16;p2"/>
-          <p:cNvSpPr txBox="1"/>
+          <p:cNvSpPr txBox="1">
+            <a:spLocks noGrp="1"/>
+          </p:cNvSpPr>
           <p:nvPr>
-            <p:ph idx="12" type="sldNum"/>
+            <p:ph type="sldNum" idx="12"/>
           </p:nvPr>
         </p:nvSpPr>
         <p:spPr>
@@ -2478,7 +2560,7 @@
           </a:prstGeom>
         </p:spPr>
         <p:txBody>
-          <a:bodyPr anchorCtr="0" anchor="ctr" bIns="91425" lIns="91425" spcFirstLastPara="1" rIns="91425" wrap="square" tIns="91425">
+          <a:bodyPr spcFirstLastPara="1" wrap="square" lIns="91425" tIns="91425" rIns="91425" bIns="91425" anchor="ctr" anchorCtr="0">
             <a:normAutofit/>
           </a:bodyPr>
           <a:lstStyle>
@@ -2520,7 +2602,7 @@
             </a:lvl9pPr>
           </a:lstStyle>
           <a:p>
-            <a:pPr indent="0" lvl="0" marL="0" rtl="0" algn="r">
+            <a:pPr marL="0" lvl="0" indent="0" algn="r" rtl="0">
               <a:spcBef>
                 <a:spcPts val="0"/>
               </a:spcBef>
@@ -2546,18 +2628,19 @@
 </file>
 
 <file path=ppt/slideLayouts/slideLayout10.xml><?xml version="1.0" encoding="utf-8"?>
-<p:sldLayout xmlns:a="http://schemas.openxmlformats.org/drawingml/2006/main" xmlns:r="http://schemas.openxmlformats.org/officeDocument/2006/relationships" xmlns:mc="http://schemas.openxmlformats.org/markup-compatibility/2006" xmlns:mv="urn:schemas-microsoft-com:mac:vml" xmlns:p="http://schemas.openxmlformats.org/presentationml/2006/main" xmlns:c="http://schemas.openxmlformats.org/drawingml/2006/chart" xmlns:dgm="http://schemas.openxmlformats.org/drawingml/2006/diagram" xmlns:o="urn:schemas-microsoft-com:office:office" xmlns:v="urn:schemas-microsoft-com:vml" xmlns:pvml="urn:schemas-microsoft-com:office:powerpoint" xmlns:com="http://schemas.openxmlformats.org/drawingml/2006/compatibility" xmlns:p14="http://schemas.microsoft.com/office/powerpoint/2010/main" xmlns:p15="http://schemas.microsoft.com/office/powerpoint/2012/main" xmlns:ahyp="http://schemas.microsoft.com/office/drawing/2018/hyperlinkcolor" matchingName="Big number">
+<p:sldLayout xmlns:a="http://schemas.openxmlformats.org/drawingml/2006/main" xmlns:r="http://schemas.openxmlformats.org/officeDocument/2006/relationships" xmlns:p="http://schemas.openxmlformats.org/presentationml/2006/main" matchingName="Big number">
   <p:cSld name="BIG_NUMBER">
     <p:bg>
       <p:bgPr>
         <a:solidFill>
           <a:schemeClr val="dk1"/>
         </a:solidFill>
+        <a:effectLst/>
       </p:bgPr>
     </p:bg>
     <p:spTree>
       <p:nvGrpSpPr>
-        <p:cNvPr id="73" name="Shape 73"/>
+        <p:cNvPr id="1" name="Shape 73"/>
         <p:cNvGrpSpPr/>
         <p:nvPr/>
       </p:nvGrpSpPr>
@@ -2605,12 +2688,12 @@
             </a:ln>
           </p:spPr>
           <p:txBody>
-            <a:bodyPr anchorCtr="0" anchor="ctr" bIns="91425" lIns="91425" spcFirstLastPara="1" rIns="91425" wrap="square" tIns="91425">
+            <a:bodyPr spcFirstLastPara="1" wrap="square" lIns="91425" tIns="91425" rIns="91425" bIns="91425" anchor="ctr" anchorCtr="0">
               <a:noAutofit/>
             </a:bodyPr>
             <a:lstStyle/>
             <a:p>
-              <a:pPr indent="0" lvl="0" marL="0" rtl="0" algn="l">
+              <a:pPr marL="0" lvl="0" indent="0" algn="l" rtl="0">
                 <a:spcBef>
                   <a:spcPts val="0"/>
                 </a:spcBef>
@@ -2619,9 +2702,6 @@
                 </a:spcAft>
                 <a:buNone/>
               </a:pPr>
-              <a:r>
-                <a:t/>
-              </a:r>
               <a:endParaRPr/>
             </a:p>
           </p:txBody>
@@ -2648,12 +2728,12 @@
             </a:ln>
           </p:spPr>
           <p:txBody>
-            <a:bodyPr anchorCtr="0" anchor="ctr" bIns="91425" lIns="91425" spcFirstLastPara="1" rIns="91425" wrap="square" tIns="91425">
+            <a:bodyPr spcFirstLastPara="1" wrap="square" lIns="91425" tIns="91425" rIns="91425" bIns="91425" anchor="ctr" anchorCtr="0">
               <a:noAutofit/>
             </a:bodyPr>
             <a:lstStyle/>
             <a:p>
-              <a:pPr indent="0" lvl="0" marL="0" rtl="0" algn="l">
+              <a:pPr marL="0" lvl="0" indent="0" algn="l" rtl="0">
                 <a:spcBef>
                   <a:spcPts val="0"/>
                 </a:spcBef>
@@ -2662,9 +2742,6 @@
                 </a:spcAft>
                 <a:buNone/>
               </a:pPr>
-              <a:r>
-                <a:t/>
-              </a:r>
               <a:endParaRPr/>
             </a:p>
           </p:txBody>
@@ -2673,9 +2750,11 @@
       <p:sp>
         <p:nvSpPr>
           <p:cNvPr id="77" name="Google Shape;77;p11"/>
-          <p:cNvSpPr txBox="1"/>
+          <p:cNvSpPr txBox="1">
+            <a:spLocks noGrp="1"/>
+          </p:cNvSpPr>
           <p:nvPr>
-            <p:ph hasCustomPrompt="1" type="title"/>
+            <p:ph type="title" hasCustomPrompt="1"/>
           </p:nvPr>
         </p:nvSpPr>
         <p:spPr>
@@ -2688,7 +2767,7 @@
           </a:prstGeom>
         </p:spPr>
         <p:txBody>
-          <a:bodyPr anchorCtr="0" anchor="t" bIns="91425" lIns="91425" spcFirstLastPara="1" rIns="91425" wrap="square" tIns="91425">
+          <a:bodyPr spcFirstLastPara="1" wrap="square" lIns="91425" tIns="91425" rIns="91425" bIns="91425" anchor="t" anchorCtr="0">
             <a:normAutofit/>
           </a:bodyPr>
           <a:lstStyle>
@@ -2865,9 +2944,11 @@
       <p:sp>
         <p:nvSpPr>
           <p:cNvPr id="78" name="Google Shape;78;p11"/>
-          <p:cNvSpPr txBox="1"/>
+          <p:cNvSpPr txBox="1">
+            <a:spLocks noGrp="1"/>
+          </p:cNvSpPr>
           <p:nvPr>
-            <p:ph idx="1" type="body"/>
+            <p:ph type="body" idx="1"/>
           </p:nvPr>
         </p:nvSpPr>
         <p:spPr>
@@ -2880,11 +2961,11 @@
           </a:prstGeom>
         </p:spPr>
         <p:txBody>
-          <a:bodyPr anchorCtr="0" anchor="t" bIns="91425" lIns="91425" spcFirstLastPara="1" rIns="91425" wrap="square" tIns="91425">
+          <a:bodyPr spcFirstLastPara="1" wrap="square" lIns="91425" tIns="91425" rIns="91425" bIns="91425" anchor="t" anchorCtr="0">
             <a:normAutofit/>
           </a:bodyPr>
           <a:lstStyle>
-            <a:lvl1pPr indent="-311150" lvl="0" marL="457200">
+            <a:lvl1pPr marL="457200" lvl="0" indent="-311150">
               <a:spcBef>
                 <a:spcPts val="0"/>
               </a:spcBef>
@@ -2902,7 +2983,7 @@
                 </a:solidFill>
               </a:defRPr>
             </a:lvl1pPr>
-            <a:lvl2pPr indent="-298450" lvl="1" marL="914400">
+            <a:lvl2pPr marL="914400" lvl="1" indent="-298450">
               <a:spcBef>
                 <a:spcPts val="0"/>
               </a:spcBef>
@@ -2920,7 +3001,7 @@
                 </a:solidFill>
               </a:defRPr>
             </a:lvl2pPr>
-            <a:lvl3pPr indent="-298450" lvl="2" marL="1371600">
+            <a:lvl3pPr marL="1371600" lvl="2" indent="-298450">
               <a:spcBef>
                 <a:spcPts val="0"/>
               </a:spcBef>
@@ -2938,7 +3019,7 @@
                 </a:solidFill>
               </a:defRPr>
             </a:lvl3pPr>
-            <a:lvl4pPr indent="-298450" lvl="3" marL="1828800">
+            <a:lvl4pPr marL="1828800" lvl="3" indent="-298450">
               <a:spcBef>
                 <a:spcPts val="0"/>
               </a:spcBef>
@@ -2956,7 +3037,7 @@
                 </a:solidFill>
               </a:defRPr>
             </a:lvl4pPr>
-            <a:lvl5pPr indent="-298450" lvl="4" marL="2286000">
+            <a:lvl5pPr marL="2286000" lvl="4" indent="-298450">
               <a:spcBef>
                 <a:spcPts val="0"/>
               </a:spcBef>
@@ -2974,7 +3055,7 @@
                 </a:solidFill>
               </a:defRPr>
             </a:lvl5pPr>
-            <a:lvl6pPr indent="-298450" lvl="5" marL="2743200">
+            <a:lvl6pPr marL="2743200" lvl="5" indent="-298450">
               <a:spcBef>
                 <a:spcPts val="0"/>
               </a:spcBef>
@@ -2992,7 +3073,7 @@
                 </a:solidFill>
               </a:defRPr>
             </a:lvl6pPr>
-            <a:lvl7pPr indent="-298450" lvl="6" marL="3200400">
+            <a:lvl7pPr marL="3200400" lvl="6" indent="-298450">
               <a:spcBef>
                 <a:spcPts val="0"/>
               </a:spcBef>
@@ -3010,7 +3091,7 @@
                 </a:solidFill>
               </a:defRPr>
             </a:lvl7pPr>
-            <a:lvl8pPr indent="-298450" lvl="7" marL="3657600">
+            <a:lvl8pPr marL="3657600" lvl="7" indent="-298450">
               <a:spcBef>
                 <a:spcPts val="0"/>
               </a:spcBef>
@@ -3028,7 +3109,7 @@
                 </a:solidFill>
               </a:defRPr>
             </a:lvl8pPr>
-            <a:lvl9pPr indent="-298450" lvl="8" marL="4114800">
+            <a:lvl9pPr marL="4114800" lvl="8" indent="-298450">
               <a:spcBef>
                 <a:spcPts val="0"/>
               </a:spcBef>
@@ -3047,15 +3128,19 @@
               </a:defRPr>
             </a:lvl9pPr>
           </a:lstStyle>
-          <a:p/>
+          <a:p>
+            <a:endParaRPr/>
+          </a:p>
         </p:txBody>
       </p:sp>
       <p:sp>
         <p:nvSpPr>
           <p:cNvPr id="79" name="Google Shape;79;p11"/>
-          <p:cNvSpPr txBox="1"/>
+          <p:cNvSpPr txBox="1">
+            <a:spLocks noGrp="1"/>
+          </p:cNvSpPr>
           <p:nvPr>
-            <p:ph idx="12" type="sldNum"/>
+            <p:ph type="sldNum" idx="12"/>
           </p:nvPr>
         </p:nvSpPr>
         <p:spPr>
@@ -3068,7 +3153,7 @@
           </a:prstGeom>
         </p:spPr>
         <p:txBody>
-          <a:bodyPr anchorCtr="0" anchor="ctr" bIns="91425" lIns="91425" spcFirstLastPara="1" rIns="91425" wrap="square" tIns="91425">
+          <a:bodyPr spcFirstLastPara="1" wrap="square" lIns="91425" tIns="91425" rIns="91425" bIns="91425" anchor="ctr" anchorCtr="0">
             <a:normAutofit/>
           </a:bodyPr>
           <a:lstStyle>
@@ -3146,7 +3231,7 @@
             </a:lvl9pPr>
           </a:lstStyle>
           <a:p>
-            <a:pPr indent="0" lvl="0" marL="0" rtl="0" algn="r">
+            <a:pPr marL="0" lvl="0" indent="0" algn="r" rtl="0">
               <a:spcBef>
                 <a:spcPts val="0"/>
               </a:spcBef>
@@ -3172,11 +3257,11 @@
 </file>
 
 <file path=ppt/slideLayouts/slideLayout11.xml><?xml version="1.0" encoding="utf-8"?>
-<p:sldLayout xmlns:a="http://schemas.openxmlformats.org/drawingml/2006/main" xmlns:r="http://schemas.openxmlformats.org/officeDocument/2006/relationships" xmlns:mc="http://schemas.openxmlformats.org/markup-compatibility/2006" xmlns:mv="urn:schemas-microsoft-com:mac:vml" xmlns:p="http://schemas.openxmlformats.org/presentationml/2006/main" xmlns:c="http://schemas.openxmlformats.org/drawingml/2006/chart" xmlns:dgm="http://schemas.openxmlformats.org/drawingml/2006/diagram" xmlns:o="urn:schemas-microsoft-com:office:office" xmlns:v="urn:schemas-microsoft-com:vml" xmlns:pvml="urn:schemas-microsoft-com:office:powerpoint" xmlns:com="http://schemas.openxmlformats.org/drawingml/2006/compatibility" xmlns:p14="http://schemas.microsoft.com/office/powerpoint/2010/main" xmlns:p15="http://schemas.microsoft.com/office/powerpoint/2012/main" xmlns:ahyp="http://schemas.microsoft.com/office/drawing/2018/hyperlinkcolor" matchingName="Blank" type="blank">
+<p:sldLayout xmlns:a="http://schemas.openxmlformats.org/drawingml/2006/main" xmlns:r="http://schemas.openxmlformats.org/officeDocument/2006/relationships" xmlns:p="http://schemas.openxmlformats.org/presentationml/2006/main" matchingName="Blank" type="blank">
   <p:cSld name="BLANK">
     <p:spTree>
       <p:nvGrpSpPr>
-        <p:cNvPr id="80" name="Shape 80"/>
+        <p:cNvPr id="1" name="Shape 80"/>
         <p:cNvGrpSpPr/>
         <p:nvPr/>
       </p:nvGrpSpPr>
@@ -3191,9 +3276,11 @@
       <p:sp>
         <p:nvSpPr>
           <p:cNvPr id="81" name="Google Shape;81;p12"/>
-          <p:cNvSpPr txBox="1"/>
+          <p:cNvSpPr txBox="1">
+            <a:spLocks noGrp="1"/>
+          </p:cNvSpPr>
           <p:nvPr>
-            <p:ph idx="12" type="sldNum"/>
+            <p:ph type="sldNum" idx="12"/>
           </p:nvPr>
         </p:nvSpPr>
         <p:spPr>
@@ -3206,7 +3293,7 @@
           </a:prstGeom>
         </p:spPr>
         <p:txBody>
-          <a:bodyPr anchorCtr="0" anchor="ctr" bIns="91425" lIns="91425" spcFirstLastPara="1" rIns="91425" wrap="square" tIns="91425">
+          <a:bodyPr spcFirstLastPara="1" wrap="square" lIns="91425" tIns="91425" rIns="91425" bIns="91425" anchor="ctr" anchorCtr="0">
             <a:normAutofit/>
           </a:bodyPr>
           <a:lstStyle>
@@ -3248,7 +3335,7 @@
             </a:lvl9pPr>
           </a:lstStyle>
           <a:p>
-            <a:pPr indent="0" lvl="0" marL="0" rtl="0" algn="r">
+            <a:pPr marL="0" lvl="0" indent="0" algn="r" rtl="0">
               <a:spcBef>
                 <a:spcPts val="0"/>
               </a:spcBef>
@@ -3274,18 +3361,19 @@
 </file>
 
 <file path=ppt/slideLayouts/slideLayout2.xml><?xml version="1.0" encoding="utf-8"?>
-<p:sldLayout xmlns:a="http://schemas.openxmlformats.org/drawingml/2006/main" xmlns:r="http://schemas.openxmlformats.org/officeDocument/2006/relationships" xmlns:mc="http://schemas.openxmlformats.org/markup-compatibility/2006" xmlns:mv="urn:schemas-microsoft-com:mac:vml" xmlns:p="http://schemas.openxmlformats.org/presentationml/2006/main" xmlns:c="http://schemas.openxmlformats.org/drawingml/2006/chart" xmlns:dgm="http://schemas.openxmlformats.org/drawingml/2006/diagram" xmlns:o="urn:schemas-microsoft-com:office:office" xmlns:v="urn:schemas-microsoft-com:vml" xmlns:pvml="urn:schemas-microsoft-com:office:powerpoint" xmlns:com="http://schemas.openxmlformats.org/drawingml/2006/compatibility" xmlns:p14="http://schemas.microsoft.com/office/powerpoint/2010/main" xmlns:p15="http://schemas.microsoft.com/office/powerpoint/2012/main" xmlns:ahyp="http://schemas.microsoft.com/office/drawing/2018/hyperlinkcolor" matchingName="Section header" type="secHead">
+<p:sldLayout xmlns:a="http://schemas.openxmlformats.org/drawingml/2006/main" xmlns:r="http://schemas.openxmlformats.org/officeDocument/2006/relationships" xmlns:p="http://schemas.openxmlformats.org/presentationml/2006/main" matchingName="Section header" type="secHead">
   <p:cSld name="SECTION_HEADER">
     <p:bg>
       <p:bgPr>
         <a:solidFill>
           <a:schemeClr val="dk1"/>
         </a:solidFill>
+        <a:effectLst/>
       </p:bgPr>
     </p:bg>
     <p:spTree>
       <p:nvGrpSpPr>
-        <p:cNvPr id="17" name="Shape 17"/>
+        <p:cNvPr id="1" name="Shape 17"/>
         <p:cNvGrpSpPr/>
         <p:nvPr/>
       </p:nvGrpSpPr>
@@ -3333,12 +3421,12 @@
             </a:ln>
           </p:spPr>
           <p:txBody>
-            <a:bodyPr anchorCtr="0" anchor="ctr" bIns="91425" lIns="91425" spcFirstLastPara="1" rIns="91425" wrap="square" tIns="91425">
+            <a:bodyPr spcFirstLastPara="1" wrap="square" lIns="91425" tIns="91425" rIns="91425" bIns="91425" anchor="ctr" anchorCtr="0">
               <a:noAutofit/>
             </a:bodyPr>
             <a:lstStyle/>
             <a:p>
-              <a:pPr indent="0" lvl="0" marL="0" rtl="0" algn="l">
+              <a:pPr marL="0" lvl="0" indent="0" algn="l" rtl="0">
                 <a:spcBef>
                   <a:spcPts val="0"/>
                 </a:spcBef>
@@ -3347,9 +3435,6 @@
                 </a:spcAft>
                 <a:buNone/>
               </a:pPr>
-              <a:r>
-                <a:t/>
-              </a:r>
               <a:endParaRPr/>
             </a:p>
           </p:txBody>
@@ -3376,12 +3461,12 @@
             </a:ln>
           </p:spPr>
           <p:txBody>
-            <a:bodyPr anchorCtr="0" anchor="ctr" bIns="91425" lIns="91425" spcFirstLastPara="1" rIns="91425" wrap="square" tIns="91425">
+            <a:bodyPr spcFirstLastPara="1" wrap="square" lIns="91425" tIns="91425" rIns="91425" bIns="91425" anchor="ctr" anchorCtr="0">
               <a:noAutofit/>
             </a:bodyPr>
             <a:lstStyle/>
             <a:p>
-              <a:pPr indent="0" lvl="0" marL="0" rtl="0" algn="l">
+              <a:pPr marL="0" lvl="0" indent="0" algn="l" rtl="0">
                 <a:spcBef>
                   <a:spcPts val="0"/>
                 </a:spcBef>
@@ -3390,9 +3475,6 @@
                 </a:spcAft>
                 <a:buNone/>
               </a:pPr>
-              <a:r>
-                <a:t/>
-              </a:r>
               <a:endParaRPr/>
             </a:p>
           </p:txBody>
@@ -3401,7 +3483,9 @@
       <p:sp>
         <p:nvSpPr>
           <p:cNvPr id="21" name="Google Shape;21;p3"/>
-          <p:cNvSpPr txBox="1"/>
+          <p:cNvSpPr txBox="1">
+            <a:spLocks noGrp="1"/>
+          </p:cNvSpPr>
           <p:nvPr>
             <p:ph type="title"/>
           </p:nvPr>
@@ -3416,7 +3500,7 @@
           </a:prstGeom>
         </p:spPr>
         <p:txBody>
-          <a:bodyPr anchorCtr="0" anchor="t" bIns="91425" lIns="91425" spcFirstLastPara="1" rIns="91425" wrap="square" tIns="91425">
+          <a:bodyPr spcFirstLastPara="1" wrap="square" lIns="91425" tIns="91425" rIns="91425" bIns="91425" anchor="t" anchorCtr="0">
             <a:normAutofit/>
           </a:bodyPr>
           <a:lstStyle>
@@ -3583,15 +3667,19 @@
               </a:defRPr>
             </a:lvl9pPr>
           </a:lstStyle>
-          <a:p/>
+          <a:p>
+            <a:endParaRPr/>
+          </a:p>
         </p:txBody>
       </p:sp>
       <p:sp>
         <p:nvSpPr>
           <p:cNvPr id="22" name="Google Shape;22;p3"/>
-          <p:cNvSpPr txBox="1"/>
+          <p:cNvSpPr txBox="1">
+            <a:spLocks noGrp="1"/>
+          </p:cNvSpPr>
           <p:nvPr>
-            <p:ph idx="12" type="sldNum"/>
+            <p:ph type="sldNum" idx="12"/>
           </p:nvPr>
         </p:nvSpPr>
         <p:spPr>
@@ -3604,7 +3692,7 @@
           </a:prstGeom>
         </p:spPr>
         <p:txBody>
-          <a:bodyPr anchorCtr="0" anchor="ctr" bIns="91425" lIns="91425" spcFirstLastPara="1" rIns="91425" wrap="square" tIns="91425">
+          <a:bodyPr spcFirstLastPara="1" wrap="square" lIns="91425" tIns="91425" rIns="91425" bIns="91425" anchor="ctr" anchorCtr="0">
             <a:normAutofit/>
           </a:bodyPr>
           <a:lstStyle>
@@ -3682,7 +3770,7 @@
             </a:lvl9pPr>
           </a:lstStyle>
           <a:p>
-            <a:pPr indent="0" lvl="0" marL="0" rtl="0" algn="r">
+            <a:pPr marL="0" lvl="0" indent="0" algn="r" rtl="0">
               <a:spcBef>
                 <a:spcPts val="0"/>
               </a:spcBef>
@@ -3708,11 +3796,11 @@
 </file>
 
 <file path=ppt/slideLayouts/slideLayout3.xml><?xml version="1.0" encoding="utf-8"?>
-<p:sldLayout xmlns:a="http://schemas.openxmlformats.org/drawingml/2006/main" xmlns:r="http://schemas.openxmlformats.org/officeDocument/2006/relationships" xmlns:mc="http://schemas.openxmlformats.org/markup-compatibility/2006" xmlns:mv="urn:schemas-microsoft-com:mac:vml" xmlns:p="http://schemas.openxmlformats.org/presentationml/2006/main" xmlns:c="http://schemas.openxmlformats.org/drawingml/2006/chart" xmlns:dgm="http://schemas.openxmlformats.org/drawingml/2006/diagram" xmlns:o="urn:schemas-microsoft-com:office:office" xmlns:v="urn:schemas-microsoft-com:vml" xmlns:pvml="urn:schemas-microsoft-com:office:powerpoint" xmlns:com="http://schemas.openxmlformats.org/drawingml/2006/compatibility" xmlns:p14="http://schemas.microsoft.com/office/powerpoint/2010/main" xmlns:p15="http://schemas.microsoft.com/office/powerpoint/2012/main" xmlns:ahyp="http://schemas.microsoft.com/office/drawing/2018/hyperlinkcolor" matchingName="Title and body" type="tx">
+<p:sldLayout xmlns:a="http://schemas.openxmlformats.org/drawingml/2006/main" xmlns:r="http://schemas.openxmlformats.org/officeDocument/2006/relationships" xmlns:p="http://schemas.openxmlformats.org/presentationml/2006/main" matchingName="Title and body" type="tx">
   <p:cSld name="TITLE_AND_BODY">
     <p:spTree>
       <p:nvGrpSpPr>
-        <p:cNvPr id="23" name="Shape 23"/>
+        <p:cNvPr id="1" name="Shape 23"/>
         <p:cNvGrpSpPr/>
         <p:nvPr/>
       </p:nvGrpSpPr>
@@ -3746,12 +3834,12 @@
           </a:ln>
         </p:spPr>
         <p:txBody>
-          <a:bodyPr anchorCtr="0" anchor="ctr" bIns="91425" lIns="91425" spcFirstLastPara="1" rIns="91425" wrap="square" tIns="91425">
+          <a:bodyPr spcFirstLastPara="1" wrap="square" lIns="91425" tIns="91425" rIns="91425" bIns="91425" anchor="ctr" anchorCtr="0">
             <a:noAutofit/>
           </a:bodyPr>
           <a:lstStyle/>
           <a:p>
-            <a:pPr indent="0" lvl="0" marL="0" rtl="0" algn="l">
+            <a:pPr marL="0" lvl="0" indent="0" algn="l" rtl="0">
               <a:spcBef>
                 <a:spcPts val="0"/>
               </a:spcBef>
@@ -3760,9 +3848,6 @@
               </a:spcAft>
               <a:buNone/>
             </a:pPr>
-            <a:r>
-              <a:t/>
-            </a:r>
             <a:endParaRPr/>
           </a:p>
         </p:txBody>
@@ -3803,12 +3888,12 @@
             </a:ln>
           </p:spPr>
           <p:txBody>
-            <a:bodyPr anchorCtr="0" anchor="ctr" bIns="91425" lIns="91425" spcFirstLastPara="1" rIns="91425" wrap="square" tIns="91425">
+            <a:bodyPr spcFirstLastPara="1" wrap="square" lIns="91425" tIns="91425" rIns="91425" bIns="91425" anchor="ctr" anchorCtr="0">
               <a:noAutofit/>
             </a:bodyPr>
             <a:lstStyle/>
             <a:p>
-              <a:pPr indent="0" lvl="0" marL="0" rtl="0" algn="l">
+              <a:pPr marL="0" lvl="0" indent="0" algn="l" rtl="0">
                 <a:spcBef>
                   <a:spcPts val="0"/>
                 </a:spcBef>
@@ -3817,9 +3902,6 @@
                 </a:spcAft>
                 <a:buNone/>
               </a:pPr>
-              <a:r>
-                <a:t/>
-              </a:r>
               <a:endParaRPr/>
             </a:p>
           </p:txBody>
@@ -3846,12 +3928,12 @@
             </a:ln>
           </p:spPr>
           <p:txBody>
-            <a:bodyPr anchorCtr="0" anchor="ctr" bIns="91425" lIns="91425" spcFirstLastPara="1" rIns="91425" wrap="square" tIns="91425">
+            <a:bodyPr spcFirstLastPara="1" wrap="square" lIns="91425" tIns="91425" rIns="91425" bIns="91425" anchor="ctr" anchorCtr="0">
               <a:noAutofit/>
             </a:bodyPr>
             <a:lstStyle/>
             <a:p>
-              <a:pPr indent="0" lvl="0" marL="0" rtl="0" algn="l">
+              <a:pPr marL="0" lvl="0" indent="0" algn="l" rtl="0">
                 <a:spcBef>
                   <a:spcPts val="0"/>
                 </a:spcBef>
@@ -3860,9 +3942,6 @@
                 </a:spcAft>
                 <a:buNone/>
               </a:pPr>
-              <a:r>
-                <a:t/>
-              </a:r>
               <a:endParaRPr/>
             </a:p>
           </p:txBody>
@@ -3871,7 +3950,9 @@
       <p:sp>
         <p:nvSpPr>
           <p:cNvPr id="28" name="Google Shape;28;p4"/>
-          <p:cNvSpPr txBox="1"/>
+          <p:cNvSpPr txBox="1">
+            <a:spLocks noGrp="1"/>
+          </p:cNvSpPr>
           <p:nvPr>
             <p:ph type="title"/>
           </p:nvPr>
@@ -3886,7 +3967,7 @@
           </a:prstGeom>
         </p:spPr>
         <p:txBody>
-          <a:bodyPr anchorCtr="0" anchor="t" bIns="91425" lIns="91425" spcFirstLastPara="1" rIns="91425" wrap="square" tIns="91425">
+          <a:bodyPr spcFirstLastPara="1" wrap="square" lIns="91425" tIns="91425" rIns="91425" bIns="91425" anchor="t" anchorCtr="0">
             <a:normAutofit/>
           </a:bodyPr>
           <a:lstStyle>
@@ -3990,15 +4071,19 @@
               <a:defRPr sz="2600"/>
             </a:lvl9pPr>
           </a:lstStyle>
-          <a:p/>
+          <a:p>
+            <a:endParaRPr/>
+          </a:p>
         </p:txBody>
       </p:sp>
       <p:sp>
         <p:nvSpPr>
           <p:cNvPr id="29" name="Google Shape;29;p4"/>
-          <p:cNvSpPr txBox="1"/>
+          <p:cNvSpPr txBox="1">
+            <a:spLocks noGrp="1"/>
+          </p:cNvSpPr>
           <p:nvPr>
-            <p:ph idx="1" type="body"/>
+            <p:ph type="body" idx="1"/>
           </p:nvPr>
         </p:nvSpPr>
         <p:spPr>
@@ -4011,11 +4096,11 @@
           </a:prstGeom>
         </p:spPr>
         <p:txBody>
-          <a:bodyPr anchorCtr="0" anchor="t" bIns="91425" lIns="91425" spcFirstLastPara="1" rIns="91425" wrap="square" tIns="91425">
+          <a:bodyPr spcFirstLastPara="1" wrap="square" lIns="91425" tIns="91425" rIns="91425" bIns="91425" anchor="t" anchorCtr="0">
             <a:normAutofit/>
           </a:bodyPr>
           <a:lstStyle>
-            <a:lvl1pPr indent="-311150" lvl="0" marL="457200">
+            <a:lvl1pPr marL="457200" lvl="0" indent="-311150">
               <a:spcBef>
                 <a:spcPts val="0"/>
               </a:spcBef>
@@ -4026,7 +4111,7 @@
               <a:buChar char="●"/>
               <a:defRPr/>
             </a:lvl1pPr>
-            <a:lvl2pPr indent="-298450" lvl="1" marL="914400">
+            <a:lvl2pPr marL="914400" lvl="1" indent="-298450">
               <a:spcBef>
                 <a:spcPts val="0"/>
               </a:spcBef>
@@ -4037,7 +4122,7 @@
               <a:buChar char="○"/>
               <a:defRPr/>
             </a:lvl2pPr>
-            <a:lvl3pPr indent="-298450" lvl="2" marL="1371600">
+            <a:lvl3pPr marL="1371600" lvl="2" indent="-298450">
               <a:spcBef>
                 <a:spcPts val="0"/>
               </a:spcBef>
@@ -4048,7 +4133,7 @@
               <a:buChar char="■"/>
               <a:defRPr/>
             </a:lvl3pPr>
-            <a:lvl4pPr indent="-298450" lvl="3" marL="1828800">
+            <a:lvl4pPr marL="1828800" lvl="3" indent="-298450">
               <a:spcBef>
                 <a:spcPts val="0"/>
               </a:spcBef>
@@ -4059,7 +4144,7 @@
               <a:buChar char="●"/>
               <a:defRPr/>
             </a:lvl4pPr>
-            <a:lvl5pPr indent="-298450" lvl="4" marL="2286000">
+            <a:lvl5pPr marL="2286000" lvl="4" indent="-298450">
               <a:spcBef>
                 <a:spcPts val="0"/>
               </a:spcBef>
@@ -4070,7 +4155,7 @@
               <a:buChar char="○"/>
               <a:defRPr/>
             </a:lvl5pPr>
-            <a:lvl6pPr indent="-298450" lvl="5" marL="2743200">
+            <a:lvl6pPr marL="2743200" lvl="5" indent="-298450">
               <a:spcBef>
                 <a:spcPts val="0"/>
               </a:spcBef>
@@ -4081,7 +4166,7 @@
               <a:buChar char="■"/>
               <a:defRPr/>
             </a:lvl6pPr>
-            <a:lvl7pPr indent="-298450" lvl="6" marL="3200400">
+            <a:lvl7pPr marL="3200400" lvl="6" indent="-298450">
               <a:spcBef>
                 <a:spcPts val="0"/>
               </a:spcBef>
@@ -4092,7 +4177,7 @@
               <a:buChar char="●"/>
               <a:defRPr/>
             </a:lvl7pPr>
-            <a:lvl8pPr indent="-298450" lvl="7" marL="3657600">
+            <a:lvl8pPr marL="3657600" lvl="7" indent="-298450">
               <a:spcBef>
                 <a:spcPts val="0"/>
               </a:spcBef>
@@ -4103,7 +4188,7 @@
               <a:buChar char="○"/>
               <a:defRPr/>
             </a:lvl8pPr>
-            <a:lvl9pPr indent="-298450" lvl="8" marL="4114800">
+            <a:lvl9pPr marL="4114800" lvl="8" indent="-298450">
               <a:spcBef>
                 <a:spcPts val="0"/>
               </a:spcBef>
@@ -4115,15 +4200,19 @@
               <a:defRPr/>
             </a:lvl9pPr>
           </a:lstStyle>
-          <a:p/>
+          <a:p>
+            <a:endParaRPr/>
+          </a:p>
         </p:txBody>
       </p:sp>
       <p:sp>
         <p:nvSpPr>
           <p:cNvPr id="30" name="Google Shape;30;p4"/>
-          <p:cNvSpPr txBox="1"/>
+          <p:cNvSpPr txBox="1">
+            <a:spLocks noGrp="1"/>
+          </p:cNvSpPr>
           <p:nvPr>
-            <p:ph idx="12" type="sldNum"/>
+            <p:ph type="sldNum" idx="12"/>
           </p:nvPr>
         </p:nvSpPr>
         <p:spPr>
@@ -4136,7 +4225,7 @@
           </a:prstGeom>
         </p:spPr>
         <p:txBody>
-          <a:bodyPr anchorCtr="0" anchor="ctr" bIns="91425" lIns="91425" spcFirstLastPara="1" rIns="91425" wrap="square" tIns="91425">
+          <a:bodyPr spcFirstLastPara="1" wrap="square" lIns="91425" tIns="91425" rIns="91425" bIns="91425" anchor="ctr" anchorCtr="0">
             <a:normAutofit/>
           </a:bodyPr>
           <a:lstStyle>
@@ -4178,7 +4267,7 @@
             </a:lvl9pPr>
           </a:lstStyle>
           <a:p>
-            <a:pPr indent="0" lvl="0" marL="0" rtl="0" algn="r">
+            <a:pPr marL="0" lvl="0" indent="0" algn="r" rtl="0">
               <a:spcBef>
                 <a:spcPts val="0"/>
               </a:spcBef>
@@ -4204,11 +4293,11 @@
 </file>
 
 <file path=ppt/slideLayouts/slideLayout4.xml><?xml version="1.0" encoding="utf-8"?>
-<p:sldLayout xmlns:a="http://schemas.openxmlformats.org/drawingml/2006/main" xmlns:r="http://schemas.openxmlformats.org/officeDocument/2006/relationships" xmlns:mc="http://schemas.openxmlformats.org/markup-compatibility/2006" xmlns:mv="urn:schemas-microsoft-com:mac:vml" xmlns:p="http://schemas.openxmlformats.org/presentationml/2006/main" xmlns:c="http://schemas.openxmlformats.org/drawingml/2006/chart" xmlns:dgm="http://schemas.openxmlformats.org/drawingml/2006/diagram" xmlns:o="urn:schemas-microsoft-com:office:office" xmlns:v="urn:schemas-microsoft-com:vml" xmlns:pvml="urn:schemas-microsoft-com:office:powerpoint" xmlns:com="http://schemas.openxmlformats.org/drawingml/2006/compatibility" xmlns:p14="http://schemas.microsoft.com/office/powerpoint/2010/main" xmlns:p15="http://schemas.microsoft.com/office/powerpoint/2012/main" xmlns:ahyp="http://schemas.microsoft.com/office/drawing/2018/hyperlinkcolor" matchingName="Title and two columns" type="twoColTx">
+<p:sldLayout xmlns:a="http://schemas.openxmlformats.org/drawingml/2006/main" xmlns:r="http://schemas.openxmlformats.org/officeDocument/2006/relationships" xmlns:p="http://schemas.openxmlformats.org/presentationml/2006/main" matchingName="Title and two columns" type="twoColTx">
   <p:cSld name="TITLE_AND_TWO_COLUMNS">
     <p:spTree>
       <p:nvGrpSpPr>
-        <p:cNvPr id="31" name="Shape 31"/>
+        <p:cNvPr id="1" name="Shape 31"/>
         <p:cNvGrpSpPr/>
         <p:nvPr/>
       </p:nvGrpSpPr>
@@ -4242,12 +4331,12 @@
           </a:ln>
         </p:spPr>
         <p:txBody>
-          <a:bodyPr anchorCtr="0" anchor="ctr" bIns="91425" lIns="91425" spcFirstLastPara="1" rIns="91425" wrap="square" tIns="91425">
+          <a:bodyPr spcFirstLastPara="1" wrap="square" lIns="91425" tIns="91425" rIns="91425" bIns="91425" anchor="ctr" anchorCtr="0">
             <a:noAutofit/>
           </a:bodyPr>
           <a:lstStyle/>
           <a:p>
-            <a:pPr indent="0" lvl="0" marL="0" rtl="0" algn="l">
+            <a:pPr marL="0" lvl="0" indent="0" algn="l" rtl="0">
               <a:spcBef>
                 <a:spcPts val="0"/>
               </a:spcBef>
@@ -4256,9 +4345,6 @@
               </a:spcAft>
               <a:buNone/>
             </a:pPr>
-            <a:r>
-              <a:t/>
-            </a:r>
             <a:endParaRPr/>
           </a:p>
         </p:txBody>
@@ -4299,12 +4385,12 @@
             </a:ln>
           </p:spPr>
           <p:txBody>
-            <a:bodyPr anchorCtr="0" anchor="ctr" bIns="91425" lIns="91425" spcFirstLastPara="1" rIns="91425" wrap="square" tIns="91425">
+            <a:bodyPr spcFirstLastPara="1" wrap="square" lIns="91425" tIns="91425" rIns="91425" bIns="91425" anchor="ctr" anchorCtr="0">
               <a:noAutofit/>
             </a:bodyPr>
             <a:lstStyle/>
             <a:p>
-              <a:pPr indent="0" lvl="0" marL="0" rtl="0" algn="l">
+              <a:pPr marL="0" lvl="0" indent="0" algn="l" rtl="0">
                 <a:spcBef>
                   <a:spcPts val="0"/>
                 </a:spcBef>
@@ -4313,9 +4399,6 @@
                 </a:spcAft>
                 <a:buNone/>
               </a:pPr>
-              <a:r>
-                <a:t/>
-              </a:r>
               <a:endParaRPr/>
             </a:p>
           </p:txBody>
@@ -4342,12 +4425,12 @@
             </a:ln>
           </p:spPr>
           <p:txBody>
-            <a:bodyPr anchorCtr="0" anchor="ctr" bIns="91425" lIns="91425" spcFirstLastPara="1" rIns="91425" wrap="square" tIns="91425">
+            <a:bodyPr spcFirstLastPara="1" wrap="square" lIns="91425" tIns="91425" rIns="91425" bIns="91425" anchor="ctr" anchorCtr="0">
               <a:noAutofit/>
             </a:bodyPr>
             <a:lstStyle/>
             <a:p>
-              <a:pPr indent="0" lvl="0" marL="0" rtl="0" algn="l">
+              <a:pPr marL="0" lvl="0" indent="0" algn="l" rtl="0">
                 <a:spcBef>
                   <a:spcPts val="0"/>
                 </a:spcBef>
@@ -4356,9 +4439,6 @@
                 </a:spcAft>
                 <a:buNone/>
               </a:pPr>
-              <a:r>
-                <a:t/>
-              </a:r>
               <a:endParaRPr/>
             </a:p>
           </p:txBody>
@@ -4367,7 +4447,9 @@
       <p:sp>
         <p:nvSpPr>
           <p:cNvPr id="36" name="Google Shape;36;p5"/>
-          <p:cNvSpPr txBox="1"/>
+          <p:cNvSpPr txBox="1">
+            <a:spLocks noGrp="1"/>
+          </p:cNvSpPr>
           <p:nvPr>
             <p:ph type="title"/>
           </p:nvPr>
@@ -4382,7 +4464,7 @@
           </a:prstGeom>
         </p:spPr>
         <p:txBody>
-          <a:bodyPr anchorCtr="0" anchor="t" bIns="91425" lIns="91425" spcFirstLastPara="1" rIns="91425" wrap="square" tIns="91425">
+          <a:bodyPr spcFirstLastPara="1" wrap="square" lIns="91425" tIns="91425" rIns="91425" bIns="91425" anchor="t" anchorCtr="0">
             <a:normAutofit/>
           </a:bodyPr>
           <a:lstStyle>
@@ -4486,15 +4568,19 @@
               <a:defRPr sz="2600"/>
             </a:lvl9pPr>
           </a:lstStyle>
-          <a:p/>
+          <a:p>
+            <a:endParaRPr/>
+          </a:p>
         </p:txBody>
       </p:sp>
       <p:sp>
         <p:nvSpPr>
           <p:cNvPr id="37" name="Google Shape;37;p5"/>
-          <p:cNvSpPr txBox="1"/>
+          <p:cNvSpPr txBox="1">
+            <a:spLocks noGrp="1"/>
+          </p:cNvSpPr>
           <p:nvPr>
-            <p:ph idx="1" type="body"/>
+            <p:ph type="body" idx="1"/>
           </p:nvPr>
         </p:nvSpPr>
         <p:spPr>
@@ -4507,11 +4593,11 @@
           </a:prstGeom>
         </p:spPr>
         <p:txBody>
-          <a:bodyPr anchorCtr="0" anchor="t" bIns="91425" lIns="91425" spcFirstLastPara="1" rIns="91425" wrap="square" tIns="91425">
+          <a:bodyPr spcFirstLastPara="1" wrap="square" lIns="91425" tIns="91425" rIns="91425" bIns="91425" anchor="t" anchorCtr="0">
             <a:normAutofit/>
           </a:bodyPr>
           <a:lstStyle>
-            <a:lvl1pPr indent="-311150" lvl="0" marL="457200">
+            <a:lvl1pPr marL="457200" lvl="0" indent="-311150">
               <a:spcBef>
                 <a:spcPts val="0"/>
               </a:spcBef>
@@ -4522,7 +4608,7 @@
               <a:buChar char="●"/>
               <a:defRPr/>
             </a:lvl1pPr>
-            <a:lvl2pPr indent="-298450" lvl="1" marL="914400">
+            <a:lvl2pPr marL="914400" lvl="1" indent="-298450">
               <a:spcBef>
                 <a:spcPts val="0"/>
               </a:spcBef>
@@ -4533,7 +4619,7 @@
               <a:buChar char="○"/>
               <a:defRPr/>
             </a:lvl2pPr>
-            <a:lvl3pPr indent="-298450" lvl="2" marL="1371600">
+            <a:lvl3pPr marL="1371600" lvl="2" indent="-298450">
               <a:spcBef>
                 <a:spcPts val="0"/>
               </a:spcBef>
@@ -4544,7 +4630,7 @@
               <a:buChar char="■"/>
               <a:defRPr/>
             </a:lvl3pPr>
-            <a:lvl4pPr indent="-298450" lvl="3" marL="1828800">
+            <a:lvl4pPr marL="1828800" lvl="3" indent="-298450">
               <a:spcBef>
                 <a:spcPts val="0"/>
               </a:spcBef>
@@ -4555,7 +4641,7 @@
               <a:buChar char="●"/>
               <a:defRPr/>
             </a:lvl4pPr>
-            <a:lvl5pPr indent="-298450" lvl="4" marL="2286000">
+            <a:lvl5pPr marL="2286000" lvl="4" indent="-298450">
               <a:spcBef>
                 <a:spcPts val="0"/>
               </a:spcBef>
@@ -4566,7 +4652,7 @@
               <a:buChar char="○"/>
               <a:defRPr/>
             </a:lvl5pPr>
-            <a:lvl6pPr indent="-298450" lvl="5" marL="2743200">
+            <a:lvl6pPr marL="2743200" lvl="5" indent="-298450">
               <a:spcBef>
                 <a:spcPts val="0"/>
               </a:spcBef>
@@ -4577,7 +4663,7 @@
               <a:buChar char="■"/>
               <a:defRPr/>
             </a:lvl6pPr>
-            <a:lvl7pPr indent="-298450" lvl="6" marL="3200400">
+            <a:lvl7pPr marL="3200400" lvl="6" indent="-298450">
               <a:spcBef>
                 <a:spcPts val="0"/>
               </a:spcBef>
@@ -4588,7 +4674,7 @@
               <a:buChar char="●"/>
               <a:defRPr/>
             </a:lvl7pPr>
-            <a:lvl8pPr indent="-298450" lvl="7" marL="3657600">
+            <a:lvl8pPr marL="3657600" lvl="7" indent="-298450">
               <a:spcBef>
                 <a:spcPts val="0"/>
               </a:spcBef>
@@ -4599,7 +4685,7 @@
               <a:buChar char="○"/>
               <a:defRPr/>
             </a:lvl8pPr>
-            <a:lvl9pPr indent="-298450" lvl="8" marL="4114800">
+            <a:lvl9pPr marL="4114800" lvl="8" indent="-298450">
               <a:spcBef>
                 <a:spcPts val="0"/>
               </a:spcBef>
@@ -4611,15 +4697,19 @@
               <a:defRPr/>
             </a:lvl9pPr>
           </a:lstStyle>
-          <a:p/>
+          <a:p>
+            <a:endParaRPr/>
+          </a:p>
         </p:txBody>
       </p:sp>
       <p:sp>
         <p:nvSpPr>
           <p:cNvPr id="38" name="Google Shape;38;p5"/>
-          <p:cNvSpPr txBox="1"/>
+          <p:cNvSpPr txBox="1">
+            <a:spLocks noGrp="1"/>
+          </p:cNvSpPr>
           <p:nvPr>
-            <p:ph idx="2" type="body"/>
+            <p:ph type="body" idx="2"/>
           </p:nvPr>
         </p:nvSpPr>
         <p:spPr>
@@ -4632,11 +4722,11 @@
           </a:prstGeom>
         </p:spPr>
         <p:txBody>
-          <a:bodyPr anchorCtr="0" anchor="t" bIns="91425" lIns="91425" spcFirstLastPara="1" rIns="91425" wrap="square" tIns="91425">
+          <a:bodyPr spcFirstLastPara="1" wrap="square" lIns="91425" tIns="91425" rIns="91425" bIns="91425" anchor="t" anchorCtr="0">
             <a:normAutofit/>
           </a:bodyPr>
           <a:lstStyle>
-            <a:lvl1pPr indent="-311150" lvl="0" marL="457200">
+            <a:lvl1pPr marL="457200" lvl="0" indent="-311150">
               <a:spcBef>
                 <a:spcPts val="0"/>
               </a:spcBef>
@@ -4647,7 +4737,7 @@
               <a:buChar char="●"/>
               <a:defRPr/>
             </a:lvl1pPr>
-            <a:lvl2pPr indent="-298450" lvl="1" marL="914400">
+            <a:lvl2pPr marL="914400" lvl="1" indent="-298450">
               <a:spcBef>
                 <a:spcPts val="0"/>
               </a:spcBef>
@@ -4658,7 +4748,7 @@
               <a:buChar char="○"/>
               <a:defRPr/>
             </a:lvl2pPr>
-            <a:lvl3pPr indent="-298450" lvl="2" marL="1371600">
+            <a:lvl3pPr marL="1371600" lvl="2" indent="-298450">
               <a:spcBef>
                 <a:spcPts val="0"/>
               </a:spcBef>
@@ -4669,7 +4759,7 @@
               <a:buChar char="■"/>
               <a:defRPr/>
             </a:lvl3pPr>
-            <a:lvl4pPr indent="-298450" lvl="3" marL="1828800">
+            <a:lvl4pPr marL="1828800" lvl="3" indent="-298450">
               <a:spcBef>
                 <a:spcPts val="0"/>
               </a:spcBef>
@@ -4680,7 +4770,7 @@
               <a:buChar char="●"/>
               <a:defRPr/>
             </a:lvl4pPr>
-            <a:lvl5pPr indent="-298450" lvl="4" marL="2286000">
+            <a:lvl5pPr marL="2286000" lvl="4" indent="-298450">
               <a:spcBef>
                 <a:spcPts val="0"/>
               </a:spcBef>
@@ -4691,7 +4781,7 @@
               <a:buChar char="○"/>
               <a:defRPr/>
             </a:lvl5pPr>
-            <a:lvl6pPr indent="-298450" lvl="5" marL="2743200">
+            <a:lvl6pPr marL="2743200" lvl="5" indent="-298450">
               <a:spcBef>
                 <a:spcPts val="0"/>
               </a:spcBef>
@@ -4702,7 +4792,7 @@
               <a:buChar char="■"/>
               <a:defRPr/>
             </a:lvl6pPr>
-            <a:lvl7pPr indent="-298450" lvl="6" marL="3200400">
+            <a:lvl7pPr marL="3200400" lvl="6" indent="-298450">
               <a:spcBef>
                 <a:spcPts val="0"/>
               </a:spcBef>
@@ -4713,7 +4803,7 @@
               <a:buChar char="●"/>
               <a:defRPr/>
             </a:lvl7pPr>
-            <a:lvl8pPr indent="-298450" lvl="7" marL="3657600">
+            <a:lvl8pPr marL="3657600" lvl="7" indent="-298450">
               <a:spcBef>
                 <a:spcPts val="0"/>
               </a:spcBef>
@@ -4724,7 +4814,7 @@
               <a:buChar char="○"/>
               <a:defRPr/>
             </a:lvl8pPr>
-            <a:lvl9pPr indent="-298450" lvl="8" marL="4114800">
+            <a:lvl9pPr marL="4114800" lvl="8" indent="-298450">
               <a:spcBef>
                 <a:spcPts val="0"/>
               </a:spcBef>
@@ -4736,15 +4826,19 @@
               <a:defRPr/>
             </a:lvl9pPr>
           </a:lstStyle>
-          <a:p/>
+          <a:p>
+            <a:endParaRPr/>
+          </a:p>
         </p:txBody>
       </p:sp>
       <p:sp>
         <p:nvSpPr>
           <p:cNvPr id="39" name="Google Shape;39;p5"/>
-          <p:cNvSpPr txBox="1"/>
+          <p:cNvSpPr txBox="1">
+            <a:spLocks noGrp="1"/>
+          </p:cNvSpPr>
           <p:nvPr>
-            <p:ph idx="12" type="sldNum"/>
+            <p:ph type="sldNum" idx="12"/>
           </p:nvPr>
         </p:nvSpPr>
         <p:spPr>
@@ -4757,7 +4851,7 @@
           </a:prstGeom>
         </p:spPr>
         <p:txBody>
-          <a:bodyPr anchorCtr="0" anchor="ctr" bIns="91425" lIns="91425" spcFirstLastPara="1" rIns="91425" wrap="square" tIns="91425">
+          <a:bodyPr spcFirstLastPara="1" wrap="square" lIns="91425" tIns="91425" rIns="91425" bIns="91425" anchor="ctr" anchorCtr="0">
             <a:normAutofit/>
           </a:bodyPr>
           <a:lstStyle>
@@ -4799,7 +4893,7 @@
             </a:lvl9pPr>
           </a:lstStyle>
           <a:p>
-            <a:pPr indent="0" lvl="0" marL="0" rtl="0" algn="r">
+            <a:pPr marL="0" lvl="0" indent="0" algn="r" rtl="0">
               <a:spcBef>
                 <a:spcPts val="0"/>
               </a:spcBef>
@@ -4825,11 +4919,11 @@
 </file>
 
 <file path=ppt/slideLayouts/slideLayout5.xml><?xml version="1.0" encoding="utf-8"?>
-<p:sldLayout xmlns:a="http://schemas.openxmlformats.org/drawingml/2006/main" xmlns:r="http://schemas.openxmlformats.org/officeDocument/2006/relationships" xmlns:mc="http://schemas.openxmlformats.org/markup-compatibility/2006" xmlns:mv="urn:schemas-microsoft-com:mac:vml" xmlns:p="http://schemas.openxmlformats.org/presentationml/2006/main" xmlns:c="http://schemas.openxmlformats.org/drawingml/2006/chart" xmlns:dgm="http://schemas.openxmlformats.org/drawingml/2006/diagram" xmlns:o="urn:schemas-microsoft-com:office:office" xmlns:v="urn:schemas-microsoft-com:vml" xmlns:pvml="urn:schemas-microsoft-com:office:powerpoint" xmlns:com="http://schemas.openxmlformats.org/drawingml/2006/compatibility" xmlns:p14="http://schemas.microsoft.com/office/powerpoint/2010/main" xmlns:p15="http://schemas.microsoft.com/office/powerpoint/2012/main" xmlns:ahyp="http://schemas.microsoft.com/office/drawing/2018/hyperlinkcolor" matchingName="Title only" type="titleOnly">
+<p:sldLayout xmlns:a="http://schemas.openxmlformats.org/drawingml/2006/main" xmlns:r="http://schemas.openxmlformats.org/officeDocument/2006/relationships" xmlns:p="http://schemas.openxmlformats.org/presentationml/2006/main" matchingName="Title only" type="titleOnly">
   <p:cSld name="TITLE_ONLY">
     <p:spTree>
       <p:nvGrpSpPr>
-        <p:cNvPr id="40" name="Shape 40"/>
+        <p:cNvPr id="1" name="Shape 40"/>
         <p:cNvGrpSpPr/>
         <p:nvPr/>
       </p:nvGrpSpPr>
@@ -4863,12 +4957,12 @@
           </a:ln>
         </p:spPr>
         <p:txBody>
-          <a:bodyPr anchorCtr="0" anchor="ctr" bIns="91425" lIns="91425" spcFirstLastPara="1" rIns="91425" wrap="square" tIns="91425">
+          <a:bodyPr spcFirstLastPara="1" wrap="square" lIns="91425" tIns="91425" rIns="91425" bIns="91425" anchor="ctr" anchorCtr="0">
             <a:noAutofit/>
           </a:bodyPr>
           <a:lstStyle/>
           <a:p>
-            <a:pPr indent="0" lvl="0" marL="0" rtl="0" algn="l">
+            <a:pPr marL="0" lvl="0" indent="0" algn="l" rtl="0">
               <a:spcBef>
                 <a:spcPts val="0"/>
               </a:spcBef>
@@ -4877,9 +4971,6 @@
               </a:spcAft>
               <a:buNone/>
             </a:pPr>
-            <a:r>
-              <a:t/>
-            </a:r>
             <a:endParaRPr/>
           </a:p>
         </p:txBody>
@@ -4920,12 +5011,12 @@
             </a:ln>
           </p:spPr>
           <p:txBody>
-            <a:bodyPr anchorCtr="0" anchor="ctr" bIns="91425" lIns="91425" spcFirstLastPara="1" rIns="91425" wrap="square" tIns="91425">
+            <a:bodyPr spcFirstLastPara="1" wrap="square" lIns="91425" tIns="91425" rIns="91425" bIns="91425" anchor="ctr" anchorCtr="0">
               <a:noAutofit/>
             </a:bodyPr>
             <a:lstStyle/>
             <a:p>
-              <a:pPr indent="0" lvl="0" marL="0" rtl="0" algn="l">
+              <a:pPr marL="0" lvl="0" indent="0" algn="l" rtl="0">
                 <a:spcBef>
                   <a:spcPts val="0"/>
                 </a:spcBef>
@@ -4934,9 +5025,6 @@
                 </a:spcAft>
                 <a:buNone/>
               </a:pPr>
-              <a:r>
-                <a:t/>
-              </a:r>
               <a:endParaRPr/>
             </a:p>
           </p:txBody>
@@ -4963,12 +5051,12 @@
             </a:ln>
           </p:spPr>
           <p:txBody>
-            <a:bodyPr anchorCtr="0" anchor="ctr" bIns="91425" lIns="91425" spcFirstLastPara="1" rIns="91425" wrap="square" tIns="91425">
+            <a:bodyPr spcFirstLastPara="1" wrap="square" lIns="91425" tIns="91425" rIns="91425" bIns="91425" anchor="ctr" anchorCtr="0">
               <a:noAutofit/>
             </a:bodyPr>
             <a:lstStyle/>
             <a:p>
-              <a:pPr indent="0" lvl="0" marL="0" rtl="0" algn="l">
+              <a:pPr marL="0" lvl="0" indent="0" algn="l" rtl="0">
                 <a:spcBef>
                   <a:spcPts val="0"/>
                 </a:spcBef>
@@ -4977,9 +5065,6 @@
                 </a:spcAft>
                 <a:buNone/>
               </a:pPr>
-              <a:r>
-                <a:t/>
-              </a:r>
               <a:endParaRPr/>
             </a:p>
           </p:txBody>
@@ -4988,7 +5073,9 @@
       <p:sp>
         <p:nvSpPr>
           <p:cNvPr id="45" name="Google Shape;45;p6"/>
-          <p:cNvSpPr txBox="1"/>
+          <p:cNvSpPr txBox="1">
+            <a:spLocks noGrp="1"/>
+          </p:cNvSpPr>
           <p:nvPr>
             <p:ph type="title"/>
           </p:nvPr>
@@ -5003,7 +5090,7 @@
           </a:prstGeom>
         </p:spPr>
         <p:txBody>
-          <a:bodyPr anchorCtr="0" anchor="t" bIns="91425" lIns="91425" spcFirstLastPara="1" rIns="91425" wrap="square" tIns="91425">
+          <a:bodyPr spcFirstLastPara="1" wrap="square" lIns="91425" tIns="91425" rIns="91425" bIns="91425" anchor="t" anchorCtr="0">
             <a:normAutofit/>
           </a:bodyPr>
           <a:lstStyle>
@@ -5107,15 +5194,19 @@
               <a:defRPr sz="2600"/>
             </a:lvl9pPr>
           </a:lstStyle>
-          <a:p/>
+          <a:p>
+            <a:endParaRPr/>
+          </a:p>
         </p:txBody>
       </p:sp>
       <p:sp>
         <p:nvSpPr>
           <p:cNvPr id="46" name="Google Shape;46;p6"/>
-          <p:cNvSpPr txBox="1"/>
+          <p:cNvSpPr txBox="1">
+            <a:spLocks noGrp="1"/>
+          </p:cNvSpPr>
           <p:nvPr>
-            <p:ph idx="12" type="sldNum"/>
+            <p:ph type="sldNum" idx="12"/>
           </p:nvPr>
         </p:nvSpPr>
         <p:spPr>
@@ -5128,7 +5219,7 @@
           </a:prstGeom>
         </p:spPr>
         <p:txBody>
-          <a:bodyPr anchorCtr="0" anchor="ctr" bIns="91425" lIns="91425" spcFirstLastPara="1" rIns="91425" wrap="square" tIns="91425">
+          <a:bodyPr spcFirstLastPara="1" wrap="square" lIns="91425" tIns="91425" rIns="91425" bIns="91425" anchor="ctr" anchorCtr="0">
             <a:normAutofit/>
           </a:bodyPr>
           <a:lstStyle>
@@ -5170,7 +5261,7 @@
             </a:lvl9pPr>
           </a:lstStyle>
           <a:p>
-            <a:pPr indent="0" lvl="0" marL="0" rtl="0" algn="r">
+            <a:pPr marL="0" lvl="0" indent="0" algn="r" rtl="0">
               <a:spcBef>
                 <a:spcPts val="0"/>
               </a:spcBef>
@@ -5196,11 +5287,11 @@
 </file>
 
 <file path=ppt/slideLayouts/slideLayout6.xml><?xml version="1.0" encoding="utf-8"?>
-<p:sldLayout xmlns:a="http://schemas.openxmlformats.org/drawingml/2006/main" xmlns:r="http://schemas.openxmlformats.org/officeDocument/2006/relationships" xmlns:mc="http://schemas.openxmlformats.org/markup-compatibility/2006" xmlns:mv="urn:schemas-microsoft-com:mac:vml" xmlns:p="http://schemas.openxmlformats.org/presentationml/2006/main" xmlns:c="http://schemas.openxmlformats.org/drawingml/2006/chart" xmlns:dgm="http://schemas.openxmlformats.org/drawingml/2006/diagram" xmlns:o="urn:schemas-microsoft-com:office:office" xmlns:v="urn:schemas-microsoft-com:vml" xmlns:pvml="urn:schemas-microsoft-com:office:powerpoint" xmlns:com="http://schemas.openxmlformats.org/drawingml/2006/compatibility" xmlns:p14="http://schemas.microsoft.com/office/powerpoint/2010/main" xmlns:p15="http://schemas.microsoft.com/office/powerpoint/2012/main" xmlns:ahyp="http://schemas.microsoft.com/office/drawing/2018/hyperlinkcolor" matchingName="One column text">
+<p:sldLayout xmlns:a="http://schemas.openxmlformats.org/drawingml/2006/main" xmlns:r="http://schemas.openxmlformats.org/officeDocument/2006/relationships" xmlns:p="http://schemas.openxmlformats.org/presentationml/2006/main" matchingName="One column text">
   <p:cSld name="ONE_COLUMN_TEXT">
     <p:spTree>
       <p:nvGrpSpPr>
-        <p:cNvPr id="47" name="Shape 47"/>
+        <p:cNvPr id="1" name="Shape 47"/>
         <p:cNvGrpSpPr/>
         <p:nvPr/>
       </p:nvGrpSpPr>
@@ -5234,12 +5325,12 @@
           </a:ln>
         </p:spPr>
         <p:txBody>
-          <a:bodyPr anchorCtr="0" anchor="ctr" bIns="91425" lIns="91425" spcFirstLastPara="1" rIns="91425" wrap="square" tIns="91425">
+          <a:bodyPr spcFirstLastPara="1" wrap="square" lIns="91425" tIns="91425" rIns="91425" bIns="91425" anchor="ctr" anchorCtr="0">
             <a:noAutofit/>
           </a:bodyPr>
           <a:lstStyle/>
           <a:p>
-            <a:pPr indent="0" lvl="0" marL="0" rtl="0" algn="l">
+            <a:pPr marL="0" lvl="0" indent="0" algn="l" rtl="0">
               <a:spcBef>
                 <a:spcPts val="0"/>
               </a:spcBef>
@@ -5248,9 +5339,6 @@
               </a:spcAft>
               <a:buNone/>
             </a:pPr>
-            <a:r>
-              <a:t/>
-            </a:r>
             <a:endParaRPr/>
           </a:p>
         </p:txBody>
@@ -5291,12 +5379,12 @@
             </a:ln>
           </p:spPr>
           <p:txBody>
-            <a:bodyPr anchorCtr="0" anchor="ctr" bIns="91425" lIns="91425" spcFirstLastPara="1" rIns="91425" wrap="square" tIns="91425">
+            <a:bodyPr spcFirstLastPara="1" wrap="square" lIns="91425" tIns="91425" rIns="91425" bIns="91425" anchor="ctr" anchorCtr="0">
               <a:noAutofit/>
             </a:bodyPr>
             <a:lstStyle/>
             <a:p>
-              <a:pPr indent="0" lvl="0" marL="0" rtl="0" algn="l">
+              <a:pPr marL="0" lvl="0" indent="0" algn="l" rtl="0">
                 <a:spcBef>
                   <a:spcPts val="0"/>
                 </a:spcBef>
@@ -5305,9 +5393,6 @@
                 </a:spcAft>
                 <a:buNone/>
               </a:pPr>
-              <a:r>
-                <a:t/>
-              </a:r>
               <a:endParaRPr/>
             </a:p>
           </p:txBody>
@@ -5334,12 +5419,12 @@
             </a:ln>
           </p:spPr>
           <p:txBody>
-            <a:bodyPr anchorCtr="0" anchor="ctr" bIns="91425" lIns="91425" spcFirstLastPara="1" rIns="91425" wrap="square" tIns="91425">
+            <a:bodyPr spcFirstLastPara="1" wrap="square" lIns="91425" tIns="91425" rIns="91425" bIns="91425" anchor="ctr" anchorCtr="0">
               <a:noAutofit/>
             </a:bodyPr>
             <a:lstStyle/>
             <a:p>
-              <a:pPr indent="0" lvl="0" marL="0" rtl="0" algn="l">
+              <a:pPr marL="0" lvl="0" indent="0" algn="l" rtl="0">
                 <a:spcBef>
                   <a:spcPts val="0"/>
                 </a:spcBef>
@@ -5348,9 +5433,6 @@
                 </a:spcAft>
                 <a:buNone/>
               </a:pPr>
-              <a:r>
-                <a:t/>
-              </a:r>
               <a:endParaRPr/>
             </a:p>
           </p:txBody>
@@ -5359,7 +5441,9 @@
       <p:sp>
         <p:nvSpPr>
           <p:cNvPr id="52" name="Google Shape;52;p7"/>
-          <p:cNvSpPr txBox="1"/>
+          <p:cNvSpPr txBox="1">
+            <a:spLocks noGrp="1"/>
+          </p:cNvSpPr>
           <p:nvPr>
             <p:ph type="title"/>
           </p:nvPr>
@@ -5374,7 +5458,7 @@
           </a:prstGeom>
         </p:spPr>
         <p:txBody>
-          <a:bodyPr anchorCtr="0" anchor="t" bIns="91425" lIns="91425" spcFirstLastPara="1" rIns="91425" wrap="square" tIns="91425">
+          <a:bodyPr spcFirstLastPara="1" wrap="square" lIns="91425" tIns="91425" rIns="91425" bIns="91425" anchor="t" anchorCtr="0">
             <a:normAutofit/>
           </a:bodyPr>
           <a:lstStyle>
@@ -5478,15 +5562,19 @@
               <a:defRPr sz="2600"/>
             </a:lvl9pPr>
           </a:lstStyle>
-          <a:p/>
+          <a:p>
+            <a:endParaRPr/>
+          </a:p>
         </p:txBody>
       </p:sp>
       <p:sp>
         <p:nvSpPr>
           <p:cNvPr id="53" name="Google Shape;53;p7"/>
-          <p:cNvSpPr txBox="1"/>
+          <p:cNvSpPr txBox="1">
+            <a:spLocks noGrp="1"/>
+          </p:cNvSpPr>
           <p:nvPr>
-            <p:ph idx="1" type="body"/>
+            <p:ph type="body" idx="1"/>
           </p:nvPr>
         </p:nvSpPr>
         <p:spPr>
@@ -5499,11 +5587,11 @@
           </a:prstGeom>
         </p:spPr>
         <p:txBody>
-          <a:bodyPr anchorCtr="0" anchor="t" bIns="91425" lIns="91425" spcFirstLastPara="1" rIns="91425" wrap="square" tIns="91425">
+          <a:bodyPr spcFirstLastPara="1" wrap="square" lIns="91425" tIns="91425" rIns="91425" bIns="91425" anchor="t" anchorCtr="0">
             <a:normAutofit/>
           </a:bodyPr>
           <a:lstStyle>
-            <a:lvl1pPr indent="-311150" lvl="0" marL="457200">
+            <a:lvl1pPr marL="457200" lvl="0" indent="-311150">
               <a:spcBef>
                 <a:spcPts val="0"/>
               </a:spcBef>
@@ -5514,7 +5602,7 @@
               <a:buChar char="●"/>
               <a:defRPr/>
             </a:lvl1pPr>
-            <a:lvl2pPr indent="-298450" lvl="1" marL="914400">
+            <a:lvl2pPr marL="914400" lvl="1" indent="-298450">
               <a:spcBef>
                 <a:spcPts val="0"/>
               </a:spcBef>
@@ -5525,7 +5613,7 @@
               <a:buChar char="○"/>
               <a:defRPr/>
             </a:lvl2pPr>
-            <a:lvl3pPr indent="-298450" lvl="2" marL="1371600">
+            <a:lvl3pPr marL="1371600" lvl="2" indent="-298450">
               <a:spcBef>
                 <a:spcPts val="0"/>
               </a:spcBef>
@@ -5536,7 +5624,7 @@
               <a:buChar char="■"/>
               <a:defRPr/>
             </a:lvl3pPr>
-            <a:lvl4pPr indent="-298450" lvl="3" marL="1828800">
+            <a:lvl4pPr marL="1828800" lvl="3" indent="-298450">
               <a:spcBef>
                 <a:spcPts val="0"/>
               </a:spcBef>
@@ -5547,7 +5635,7 @@
               <a:buChar char="●"/>
               <a:defRPr/>
             </a:lvl4pPr>
-            <a:lvl5pPr indent="-298450" lvl="4" marL="2286000">
+            <a:lvl5pPr marL="2286000" lvl="4" indent="-298450">
               <a:spcBef>
                 <a:spcPts val="0"/>
               </a:spcBef>
@@ -5558,7 +5646,7 @@
               <a:buChar char="○"/>
               <a:defRPr/>
             </a:lvl5pPr>
-            <a:lvl6pPr indent="-298450" lvl="5" marL="2743200">
+            <a:lvl6pPr marL="2743200" lvl="5" indent="-298450">
               <a:spcBef>
                 <a:spcPts val="0"/>
               </a:spcBef>
@@ -5569,7 +5657,7 @@
               <a:buChar char="■"/>
               <a:defRPr/>
             </a:lvl6pPr>
-            <a:lvl7pPr indent="-298450" lvl="6" marL="3200400">
+            <a:lvl7pPr marL="3200400" lvl="6" indent="-298450">
               <a:spcBef>
                 <a:spcPts val="0"/>
               </a:spcBef>
@@ -5580,7 +5668,7 @@
               <a:buChar char="●"/>
               <a:defRPr/>
             </a:lvl7pPr>
-            <a:lvl8pPr indent="-298450" lvl="7" marL="3657600">
+            <a:lvl8pPr marL="3657600" lvl="7" indent="-298450">
               <a:spcBef>
                 <a:spcPts val="0"/>
               </a:spcBef>
@@ -5591,7 +5679,7 @@
               <a:buChar char="○"/>
               <a:defRPr/>
             </a:lvl8pPr>
-            <a:lvl9pPr indent="-298450" lvl="8" marL="4114800">
+            <a:lvl9pPr marL="4114800" lvl="8" indent="-298450">
               <a:spcBef>
                 <a:spcPts val="0"/>
               </a:spcBef>
@@ -5603,15 +5691,19 @@
               <a:defRPr/>
             </a:lvl9pPr>
           </a:lstStyle>
-          <a:p/>
+          <a:p>
+            <a:endParaRPr/>
+          </a:p>
         </p:txBody>
       </p:sp>
       <p:sp>
         <p:nvSpPr>
           <p:cNvPr id="54" name="Google Shape;54;p7"/>
-          <p:cNvSpPr txBox="1"/>
+          <p:cNvSpPr txBox="1">
+            <a:spLocks noGrp="1"/>
+          </p:cNvSpPr>
           <p:nvPr>
-            <p:ph idx="12" type="sldNum"/>
+            <p:ph type="sldNum" idx="12"/>
           </p:nvPr>
         </p:nvSpPr>
         <p:spPr>
@@ -5624,7 +5716,7 @@
           </a:prstGeom>
         </p:spPr>
         <p:txBody>
-          <a:bodyPr anchorCtr="0" anchor="ctr" bIns="91425" lIns="91425" spcFirstLastPara="1" rIns="91425" wrap="square" tIns="91425">
+          <a:bodyPr spcFirstLastPara="1" wrap="square" lIns="91425" tIns="91425" rIns="91425" bIns="91425" anchor="ctr" anchorCtr="0">
             <a:normAutofit/>
           </a:bodyPr>
           <a:lstStyle>
@@ -5666,7 +5758,7 @@
             </a:lvl9pPr>
           </a:lstStyle>
           <a:p>
-            <a:pPr indent="0" lvl="0" marL="0" rtl="0" algn="r">
+            <a:pPr marL="0" lvl="0" indent="0" algn="r" rtl="0">
               <a:spcBef>
                 <a:spcPts val="0"/>
               </a:spcBef>
@@ -5692,18 +5784,19 @@
 </file>
 
 <file path=ppt/slideLayouts/slideLayout7.xml><?xml version="1.0" encoding="utf-8"?>
-<p:sldLayout xmlns:a="http://schemas.openxmlformats.org/drawingml/2006/main" xmlns:r="http://schemas.openxmlformats.org/officeDocument/2006/relationships" xmlns:mc="http://schemas.openxmlformats.org/markup-compatibility/2006" xmlns:mv="urn:schemas-microsoft-com:mac:vml" xmlns:p="http://schemas.openxmlformats.org/presentationml/2006/main" xmlns:c="http://schemas.openxmlformats.org/drawingml/2006/chart" xmlns:dgm="http://schemas.openxmlformats.org/drawingml/2006/diagram" xmlns:o="urn:schemas-microsoft-com:office:office" xmlns:v="urn:schemas-microsoft-com:vml" xmlns:pvml="urn:schemas-microsoft-com:office:powerpoint" xmlns:com="http://schemas.openxmlformats.org/drawingml/2006/compatibility" xmlns:p14="http://schemas.microsoft.com/office/powerpoint/2010/main" xmlns:p15="http://schemas.microsoft.com/office/powerpoint/2012/main" xmlns:ahyp="http://schemas.microsoft.com/office/drawing/2018/hyperlinkcolor" matchingName="Main point">
+<p:sldLayout xmlns:a="http://schemas.openxmlformats.org/drawingml/2006/main" xmlns:r="http://schemas.openxmlformats.org/officeDocument/2006/relationships" xmlns:p="http://schemas.openxmlformats.org/presentationml/2006/main" matchingName="Main point">
   <p:cSld name="MAIN_POINT">
     <p:bg>
       <p:bgPr>
         <a:solidFill>
           <a:schemeClr val="accent3"/>
         </a:solidFill>
+        <a:effectLst/>
       </p:bgPr>
     </p:bg>
     <p:spTree>
       <p:nvGrpSpPr>
-        <p:cNvPr id="55" name="Shape 55"/>
+        <p:cNvPr id="1" name="Shape 55"/>
         <p:cNvGrpSpPr/>
         <p:nvPr/>
       </p:nvGrpSpPr>
@@ -5751,12 +5844,12 @@
             </a:ln>
           </p:spPr>
           <p:txBody>
-            <a:bodyPr anchorCtr="0" anchor="ctr" bIns="91425" lIns="91425" spcFirstLastPara="1" rIns="91425" wrap="square" tIns="91425">
+            <a:bodyPr spcFirstLastPara="1" wrap="square" lIns="91425" tIns="91425" rIns="91425" bIns="91425" anchor="ctr" anchorCtr="0">
               <a:noAutofit/>
             </a:bodyPr>
             <a:lstStyle/>
             <a:p>
-              <a:pPr indent="0" lvl="0" marL="0" rtl="0" algn="l">
+              <a:pPr marL="0" lvl="0" indent="0" algn="l" rtl="0">
                 <a:spcBef>
                   <a:spcPts val="0"/>
                 </a:spcBef>
@@ -5765,9 +5858,6 @@
                 </a:spcAft>
                 <a:buNone/>
               </a:pPr>
-              <a:r>
-                <a:t/>
-              </a:r>
               <a:endParaRPr/>
             </a:p>
           </p:txBody>
@@ -5794,12 +5884,12 @@
             </a:ln>
           </p:spPr>
           <p:txBody>
-            <a:bodyPr anchorCtr="0" anchor="ctr" bIns="91425" lIns="91425" spcFirstLastPara="1" rIns="91425" wrap="square" tIns="91425">
+            <a:bodyPr spcFirstLastPara="1" wrap="square" lIns="91425" tIns="91425" rIns="91425" bIns="91425" anchor="ctr" anchorCtr="0">
               <a:noAutofit/>
             </a:bodyPr>
             <a:lstStyle/>
             <a:p>
-              <a:pPr indent="0" lvl="0" marL="0" rtl="0" algn="l">
+              <a:pPr marL="0" lvl="0" indent="0" algn="l" rtl="0">
                 <a:spcBef>
                   <a:spcPts val="0"/>
                 </a:spcBef>
@@ -5808,9 +5898,6 @@
                 </a:spcAft>
                 <a:buNone/>
               </a:pPr>
-              <a:r>
-                <a:t/>
-              </a:r>
               <a:endParaRPr/>
             </a:p>
           </p:txBody>
@@ -5819,7 +5906,9 @@
       <p:sp>
         <p:nvSpPr>
           <p:cNvPr id="59" name="Google Shape;59;p8"/>
-          <p:cNvSpPr txBox="1"/>
+          <p:cNvSpPr txBox="1">
+            <a:spLocks noGrp="1"/>
+          </p:cNvSpPr>
           <p:nvPr>
             <p:ph type="title"/>
           </p:nvPr>
@@ -5834,7 +5923,7 @@
           </a:prstGeom>
         </p:spPr>
         <p:txBody>
-          <a:bodyPr anchorCtr="0" anchor="ctr" bIns="91425" lIns="91425" spcFirstLastPara="1" rIns="91425" wrap="square" tIns="91425">
+          <a:bodyPr spcFirstLastPara="1" wrap="square" lIns="91425" tIns="91425" rIns="91425" bIns="91425" anchor="ctr" anchorCtr="0">
             <a:normAutofit/>
           </a:bodyPr>
           <a:lstStyle>
@@ -6001,15 +6090,19 @@
               </a:defRPr>
             </a:lvl9pPr>
           </a:lstStyle>
-          <a:p/>
+          <a:p>
+            <a:endParaRPr/>
+          </a:p>
         </p:txBody>
       </p:sp>
       <p:sp>
         <p:nvSpPr>
           <p:cNvPr id="60" name="Google Shape;60;p8"/>
-          <p:cNvSpPr txBox="1"/>
+          <p:cNvSpPr txBox="1">
+            <a:spLocks noGrp="1"/>
+          </p:cNvSpPr>
           <p:nvPr>
-            <p:ph idx="12" type="sldNum"/>
+            <p:ph type="sldNum" idx="12"/>
           </p:nvPr>
         </p:nvSpPr>
         <p:spPr>
@@ -6022,7 +6115,7 @@
           </a:prstGeom>
         </p:spPr>
         <p:txBody>
-          <a:bodyPr anchorCtr="0" anchor="ctr" bIns="91425" lIns="91425" spcFirstLastPara="1" rIns="91425" wrap="square" tIns="91425">
+          <a:bodyPr spcFirstLastPara="1" wrap="square" lIns="91425" tIns="91425" rIns="91425" bIns="91425" anchor="ctr" anchorCtr="0">
             <a:normAutofit/>
           </a:bodyPr>
           <a:lstStyle>
@@ -6100,7 +6193,7 @@
             </a:lvl9pPr>
           </a:lstStyle>
           <a:p>
-            <a:pPr indent="0" lvl="0" marL="0" rtl="0" algn="r">
+            <a:pPr marL="0" lvl="0" indent="0" algn="r" rtl="0">
               <a:spcBef>
                 <a:spcPts val="0"/>
               </a:spcBef>
@@ -6126,11 +6219,11 @@
 </file>
 
 <file path=ppt/slideLayouts/slideLayout8.xml><?xml version="1.0" encoding="utf-8"?>
-<p:sldLayout xmlns:a="http://schemas.openxmlformats.org/drawingml/2006/main" xmlns:r="http://schemas.openxmlformats.org/officeDocument/2006/relationships" xmlns:mc="http://schemas.openxmlformats.org/markup-compatibility/2006" xmlns:mv="urn:schemas-microsoft-com:mac:vml" xmlns:p="http://schemas.openxmlformats.org/presentationml/2006/main" xmlns:c="http://schemas.openxmlformats.org/drawingml/2006/chart" xmlns:dgm="http://schemas.openxmlformats.org/drawingml/2006/diagram" xmlns:o="urn:schemas-microsoft-com:office:office" xmlns:v="urn:schemas-microsoft-com:vml" xmlns:pvml="urn:schemas-microsoft-com:office:powerpoint" xmlns:com="http://schemas.openxmlformats.org/drawingml/2006/compatibility" xmlns:p14="http://schemas.microsoft.com/office/powerpoint/2010/main" xmlns:p15="http://schemas.microsoft.com/office/powerpoint/2012/main" xmlns:ahyp="http://schemas.microsoft.com/office/drawing/2018/hyperlinkcolor" matchingName="Section title and description">
+<p:sldLayout xmlns:a="http://schemas.openxmlformats.org/drawingml/2006/main" xmlns:r="http://schemas.openxmlformats.org/officeDocument/2006/relationships" xmlns:p="http://schemas.openxmlformats.org/presentationml/2006/main" matchingName="Section title and description">
   <p:cSld name="SECTION_TITLE_AND_DESCRIPTION">
     <p:spTree>
       <p:nvGrpSpPr>
-        <p:cNvPr id="61" name="Shape 61"/>
+        <p:cNvPr id="1" name="Shape 61"/>
         <p:cNvGrpSpPr/>
         <p:nvPr/>
       </p:nvGrpSpPr>
@@ -6164,12 +6257,12 @@
           </a:ln>
         </p:spPr>
         <p:txBody>
-          <a:bodyPr anchorCtr="0" anchor="ctr" bIns="91425" lIns="91425" spcFirstLastPara="1" rIns="91425" wrap="square" tIns="91425">
+          <a:bodyPr spcFirstLastPara="1" wrap="square" lIns="91425" tIns="91425" rIns="91425" bIns="91425" anchor="ctr" anchorCtr="0">
             <a:noAutofit/>
           </a:bodyPr>
           <a:lstStyle/>
           <a:p>
-            <a:pPr indent="0" lvl="0" marL="0" rtl="0" algn="l">
+            <a:pPr marL="0" lvl="0" indent="0" algn="l" rtl="0">
               <a:spcBef>
                 <a:spcPts val="0"/>
               </a:spcBef>
@@ -6178,9 +6271,6 @@
               </a:spcAft>
               <a:buNone/>
             </a:pPr>
-            <a:r>
-              <a:t/>
-            </a:r>
             <a:endParaRPr/>
           </a:p>
         </p:txBody>
@@ -6221,12 +6311,12 @@
             </a:ln>
           </p:spPr>
           <p:txBody>
-            <a:bodyPr anchorCtr="0" anchor="ctr" bIns="91425" lIns="91425" spcFirstLastPara="1" rIns="91425" wrap="square" tIns="91425">
+            <a:bodyPr spcFirstLastPara="1" wrap="square" lIns="91425" tIns="91425" rIns="91425" bIns="91425" anchor="ctr" anchorCtr="0">
               <a:noAutofit/>
             </a:bodyPr>
             <a:lstStyle/>
             <a:p>
-              <a:pPr indent="0" lvl="0" marL="0" rtl="0" algn="l">
+              <a:pPr marL="0" lvl="0" indent="0" algn="l" rtl="0">
                 <a:spcBef>
                   <a:spcPts val="0"/>
                 </a:spcBef>
@@ -6235,9 +6325,6 @@
                 </a:spcAft>
                 <a:buNone/>
               </a:pPr>
-              <a:r>
-                <a:t/>
-              </a:r>
               <a:endParaRPr/>
             </a:p>
           </p:txBody>
@@ -6264,12 +6351,12 @@
             </a:ln>
           </p:spPr>
           <p:txBody>
-            <a:bodyPr anchorCtr="0" anchor="ctr" bIns="91425" lIns="91425" spcFirstLastPara="1" rIns="91425" wrap="square" tIns="91425">
+            <a:bodyPr spcFirstLastPara="1" wrap="square" lIns="91425" tIns="91425" rIns="91425" bIns="91425" anchor="ctr" anchorCtr="0">
               <a:noAutofit/>
             </a:bodyPr>
             <a:lstStyle/>
             <a:p>
-              <a:pPr indent="0" lvl="0" marL="0" rtl="0" algn="l">
+              <a:pPr marL="0" lvl="0" indent="0" algn="l" rtl="0">
                 <a:spcBef>
                   <a:spcPts val="0"/>
                 </a:spcBef>
@@ -6278,9 +6365,6 @@
                 </a:spcAft>
                 <a:buNone/>
               </a:pPr>
-              <a:r>
-                <a:t/>
-              </a:r>
               <a:endParaRPr/>
             </a:p>
           </p:txBody>
@@ -6289,7 +6373,9 @@
       <p:sp>
         <p:nvSpPr>
           <p:cNvPr id="66" name="Google Shape;66;p9"/>
-          <p:cNvSpPr txBox="1"/>
+          <p:cNvSpPr txBox="1">
+            <a:spLocks noGrp="1"/>
+          </p:cNvSpPr>
           <p:nvPr>
             <p:ph type="title"/>
           </p:nvPr>
@@ -6304,7 +6390,7 @@
           </a:prstGeom>
         </p:spPr>
         <p:txBody>
-          <a:bodyPr anchorCtr="0" anchor="t" bIns="91425" lIns="91425" spcFirstLastPara="1" rIns="91425" wrap="square" tIns="91425">
+          <a:bodyPr spcFirstLastPara="1" wrap="square" lIns="91425" tIns="91425" rIns="91425" bIns="91425" anchor="t" anchorCtr="0">
             <a:normAutofit/>
           </a:bodyPr>
           <a:lstStyle>
@@ -6408,15 +6494,19 @@
               <a:defRPr sz="2600"/>
             </a:lvl9pPr>
           </a:lstStyle>
-          <a:p/>
+          <a:p>
+            <a:endParaRPr/>
+          </a:p>
         </p:txBody>
       </p:sp>
       <p:sp>
         <p:nvSpPr>
           <p:cNvPr id="67" name="Google Shape;67;p9"/>
-          <p:cNvSpPr txBox="1"/>
+          <p:cNvSpPr txBox="1">
+            <a:spLocks noGrp="1"/>
+          </p:cNvSpPr>
           <p:nvPr>
-            <p:ph idx="1" type="subTitle"/>
+            <p:ph type="subTitle" idx="1"/>
           </p:nvPr>
         </p:nvSpPr>
         <p:spPr>
@@ -6429,7 +6519,7 @@
           </a:prstGeom>
         </p:spPr>
         <p:txBody>
-          <a:bodyPr anchorCtr="0" anchor="t" bIns="91425" lIns="91425" spcFirstLastPara="1" rIns="91425" wrap="square" tIns="91425">
+          <a:bodyPr spcFirstLastPara="1" wrap="square" lIns="91425" tIns="91425" rIns="91425" bIns="91425" anchor="t" anchorCtr="0">
             <a:normAutofit/>
           </a:bodyPr>
           <a:lstStyle>
@@ -6560,15 +6650,19 @@
               <a:defRPr sz="1600"/>
             </a:lvl9pPr>
           </a:lstStyle>
-          <a:p/>
+          <a:p>
+            <a:endParaRPr/>
+          </a:p>
         </p:txBody>
       </p:sp>
       <p:sp>
         <p:nvSpPr>
           <p:cNvPr id="68" name="Google Shape;68;p9"/>
-          <p:cNvSpPr txBox="1"/>
+          <p:cNvSpPr txBox="1">
+            <a:spLocks noGrp="1"/>
+          </p:cNvSpPr>
           <p:nvPr>
-            <p:ph idx="2" type="body"/>
+            <p:ph type="body" idx="2"/>
           </p:nvPr>
         </p:nvSpPr>
         <p:spPr>
@@ -6581,11 +6675,11 @@
           </a:prstGeom>
         </p:spPr>
         <p:txBody>
-          <a:bodyPr anchorCtr="0" anchor="t" bIns="91425" lIns="91425" spcFirstLastPara="1" rIns="91425" wrap="square" tIns="91425">
+          <a:bodyPr spcFirstLastPara="1" wrap="square" lIns="91425" tIns="91425" rIns="91425" bIns="91425" anchor="t" anchorCtr="0">
             <a:normAutofit/>
           </a:bodyPr>
           <a:lstStyle>
-            <a:lvl1pPr indent="-311150" lvl="0" marL="457200">
+            <a:lvl1pPr marL="457200" lvl="0" indent="-311150">
               <a:spcBef>
                 <a:spcPts val="0"/>
               </a:spcBef>
@@ -6596,7 +6690,7 @@
               <a:buChar char="●"/>
               <a:defRPr/>
             </a:lvl1pPr>
-            <a:lvl2pPr indent="-298450" lvl="1" marL="914400">
+            <a:lvl2pPr marL="914400" lvl="1" indent="-298450">
               <a:spcBef>
                 <a:spcPts val="0"/>
               </a:spcBef>
@@ -6607,7 +6701,7 @@
               <a:buChar char="○"/>
               <a:defRPr/>
             </a:lvl2pPr>
-            <a:lvl3pPr indent="-298450" lvl="2" marL="1371600">
+            <a:lvl3pPr marL="1371600" lvl="2" indent="-298450">
               <a:spcBef>
                 <a:spcPts val="0"/>
               </a:spcBef>
@@ -6618,7 +6712,7 @@
               <a:buChar char="■"/>
               <a:defRPr/>
             </a:lvl3pPr>
-            <a:lvl4pPr indent="-298450" lvl="3" marL="1828800">
+            <a:lvl4pPr marL="1828800" lvl="3" indent="-298450">
               <a:spcBef>
                 <a:spcPts val="0"/>
               </a:spcBef>
@@ -6629,7 +6723,7 @@
               <a:buChar char="●"/>
               <a:defRPr/>
             </a:lvl4pPr>
-            <a:lvl5pPr indent="-298450" lvl="4" marL="2286000">
+            <a:lvl5pPr marL="2286000" lvl="4" indent="-298450">
               <a:spcBef>
                 <a:spcPts val="0"/>
               </a:spcBef>
@@ -6640,7 +6734,7 @@
               <a:buChar char="○"/>
               <a:defRPr/>
             </a:lvl5pPr>
-            <a:lvl6pPr indent="-298450" lvl="5" marL="2743200">
+            <a:lvl6pPr marL="2743200" lvl="5" indent="-298450">
               <a:spcBef>
                 <a:spcPts val="0"/>
               </a:spcBef>
@@ -6651,7 +6745,7 @@
               <a:buChar char="■"/>
               <a:defRPr/>
             </a:lvl6pPr>
-            <a:lvl7pPr indent="-298450" lvl="6" marL="3200400">
+            <a:lvl7pPr marL="3200400" lvl="6" indent="-298450">
               <a:spcBef>
                 <a:spcPts val="0"/>
               </a:spcBef>
@@ -6662,7 +6756,7 @@
               <a:buChar char="●"/>
               <a:defRPr/>
             </a:lvl7pPr>
-            <a:lvl8pPr indent="-298450" lvl="7" marL="3657600">
+            <a:lvl8pPr marL="3657600" lvl="7" indent="-298450">
               <a:spcBef>
                 <a:spcPts val="0"/>
               </a:spcBef>
@@ -6673,7 +6767,7 @@
               <a:buChar char="○"/>
               <a:defRPr/>
             </a:lvl8pPr>
-            <a:lvl9pPr indent="-298450" lvl="8" marL="4114800">
+            <a:lvl9pPr marL="4114800" lvl="8" indent="-298450">
               <a:spcBef>
                 <a:spcPts val="0"/>
               </a:spcBef>
@@ -6685,15 +6779,19 @@
               <a:defRPr/>
             </a:lvl9pPr>
           </a:lstStyle>
-          <a:p/>
+          <a:p>
+            <a:endParaRPr/>
+          </a:p>
         </p:txBody>
       </p:sp>
       <p:sp>
         <p:nvSpPr>
           <p:cNvPr id="69" name="Google Shape;69;p9"/>
-          <p:cNvSpPr txBox="1"/>
+          <p:cNvSpPr txBox="1">
+            <a:spLocks noGrp="1"/>
+          </p:cNvSpPr>
           <p:nvPr>
-            <p:ph idx="12" type="sldNum"/>
+            <p:ph type="sldNum" idx="12"/>
           </p:nvPr>
         </p:nvSpPr>
         <p:spPr>
@@ -6706,7 +6804,7 @@
           </a:prstGeom>
         </p:spPr>
         <p:txBody>
-          <a:bodyPr anchorCtr="0" anchor="ctr" bIns="91425" lIns="91425" spcFirstLastPara="1" rIns="91425" wrap="square" tIns="91425">
+          <a:bodyPr spcFirstLastPara="1" wrap="square" lIns="91425" tIns="91425" rIns="91425" bIns="91425" anchor="ctr" anchorCtr="0">
             <a:normAutofit/>
           </a:bodyPr>
           <a:lstStyle>
@@ -6748,7 +6846,7 @@
             </a:lvl9pPr>
           </a:lstStyle>
           <a:p>
-            <a:pPr indent="0" lvl="0" marL="0" rtl="0" algn="r">
+            <a:pPr marL="0" lvl="0" indent="0" algn="r" rtl="0">
               <a:spcBef>
                 <a:spcPts val="0"/>
               </a:spcBef>
@@ -6774,11 +6872,11 @@
 </file>
 
 <file path=ppt/slideLayouts/slideLayout9.xml><?xml version="1.0" encoding="utf-8"?>
-<p:sldLayout xmlns:a="http://schemas.openxmlformats.org/drawingml/2006/main" xmlns:r="http://schemas.openxmlformats.org/officeDocument/2006/relationships" xmlns:mc="http://schemas.openxmlformats.org/markup-compatibility/2006" xmlns:mv="urn:schemas-microsoft-com:mac:vml" xmlns:p="http://schemas.openxmlformats.org/presentationml/2006/main" xmlns:c="http://schemas.openxmlformats.org/drawingml/2006/chart" xmlns:dgm="http://schemas.openxmlformats.org/drawingml/2006/diagram" xmlns:o="urn:schemas-microsoft-com:office:office" xmlns:v="urn:schemas-microsoft-com:vml" xmlns:pvml="urn:schemas-microsoft-com:office:powerpoint" xmlns:com="http://schemas.openxmlformats.org/drawingml/2006/compatibility" xmlns:p14="http://schemas.microsoft.com/office/powerpoint/2010/main" xmlns:p15="http://schemas.microsoft.com/office/powerpoint/2012/main" xmlns:ahyp="http://schemas.microsoft.com/office/drawing/2018/hyperlinkcolor" matchingName="Caption">
+<p:sldLayout xmlns:a="http://schemas.openxmlformats.org/drawingml/2006/main" xmlns:r="http://schemas.openxmlformats.org/officeDocument/2006/relationships" xmlns:p="http://schemas.openxmlformats.org/presentationml/2006/main" matchingName="Caption">
   <p:cSld name="CAPTION_ONLY">
     <p:spTree>
       <p:nvGrpSpPr>
-        <p:cNvPr id="70" name="Shape 70"/>
+        <p:cNvPr id="1" name="Shape 70"/>
         <p:cNvGrpSpPr/>
         <p:nvPr/>
       </p:nvGrpSpPr>
@@ -6793,9 +6891,11 @@
       <p:sp>
         <p:nvSpPr>
           <p:cNvPr id="71" name="Google Shape;71;p10"/>
-          <p:cNvSpPr txBox="1"/>
+          <p:cNvSpPr txBox="1">
+            <a:spLocks noGrp="1"/>
+          </p:cNvSpPr>
           <p:nvPr>
-            <p:ph idx="1" type="body"/>
+            <p:ph type="body" idx="1"/>
           </p:nvPr>
         </p:nvSpPr>
         <p:spPr>
@@ -6808,11 +6908,11 @@
           </a:prstGeom>
         </p:spPr>
         <p:txBody>
-          <a:bodyPr anchorCtr="0" anchor="ctr" bIns="91425" lIns="91425" spcFirstLastPara="1" rIns="91425" wrap="square" tIns="91425">
+          <a:bodyPr spcFirstLastPara="1" wrap="square" lIns="91425" tIns="91425" rIns="91425" bIns="91425" anchor="ctr" anchorCtr="0">
             <a:normAutofit/>
           </a:bodyPr>
           <a:lstStyle>
-            <a:lvl1pPr indent="-228600" lvl="0" marL="457200">
+            <a:lvl1pPr marL="457200" lvl="0" indent="-228600">
               <a:lnSpc>
                 <a:spcPct val="100000"/>
               </a:lnSpc>
@@ -6827,15 +6927,19 @@
               <a:defRPr/>
             </a:lvl1pPr>
           </a:lstStyle>
-          <a:p/>
+          <a:p>
+            <a:endParaRPr/>
+          </a:p>
         </p:txBody>
       </p:sp>
       <p:sp>
         <p:nvSpPr>
           <p:cNvPr id="72" name="Google Shape;72;p10"/>
-          <p:cNvSpPr txBox="1"/>
+          <p:cNvSpPr txBox="1">
+            <a:spLocks noGrp="1"/>
+          </p:cNvSpPr>
           <p:nvPr>
-            <p:ph idx="12" type="sldNum"/>
+            <p:ph type="sldNum" idx="12"/>
           </p:nvPr>
         </p:nvSpPr>
         <p:spPr>
@@ -6848,7 +6952,7 @@
           </a:prstGeom>
         </p:spPr>
         <p:txBody>
-          <a:bodyPr anchorCtr="0" anchor="ctr" bIns="91425" lIns="91425" spcFirstLastPara="1" rIns="91425" wrap="square" tIns="91425">
+          <a:bodyPr spcFirstLastPara="1" wrap="square" lIns="91425" tIns="91425" rIns="91425" bIns="91425" anchor="ctr" anchorCtr="0">
             <a:normAutofit/>
           </a:bodyPr>
           <a:lstStyle>
@@ -6890,7 +6994,7 @@
             </a:lvl9pPr>
           </a:lstStyle>
           <a:p>
-            <a:pPr indent="0" lvl="0" marL="0" rtl="0" algn="r">
+            <a:pPr marL="0" lvl="0" indent="0" algn="r" rtl="0">
               <a:spcBef>
                 <a:spcPts val="0"/>
               </a:spcBef>
@@ -6916,18 +7020,19 @@
 </file>
 
 <file path=ppt/slideMasters/slideMaster1.xml><?xml version="1.0" encoding="utf-8"?>
-<p:sldMaster xmlns:a="http://schemas.openxmlformats.org/drawingml/2006/main" xmlns:r="http://schemas.openxmlformats.org/officeDocument/2006/relationships" xmlns:mc="http://schemas.openxmlformats.org/markup-compatibility/2006" xmlns:mv="urn:schemas-microsoft-com:mac:vml" xmlns:p="http://schemas.openxmlformats.org/presentationml/2006/main" xmlns:c="http://schemas.openxmlformats.org/drawingml/2006/chart" xmlns:dgm="http://schemas.openxmlformats.org/drawingml/2006/diagram" xmlns:o="urn:schemas-microsoft-com:office:office" xmlns:v="urn:schemas-microsoft-com:vml" xmlns:pvml="urn:schemas-microsoft-com:office:powerpoint" xmlns:com="http://schemas.openxmlformats.org/drawingml/2006/compatibility" xmlns:p14="http://schemas.microsoft.com/office/powerpoint/2010/main" xmlns:p15="http://schemas.microsoft.com/office/powerpoint/2012/main" xmlns:ahyp="http://schemas.microsoft.com/office/drawing/2018/hyperlinkcolor">
+<p:sldMaster xmlns:a="http://schemas.openxmlformats.org/drawingml/2006/main" xmlns:r="http://schemas.openxmlformats.org/officeDocument/2006/relationships" xmlns:p="http://schemas.openxmlformats.org/presentationml/2006/main">
   <p:cSld name="streamline">
     <p:bg>
       <p:bgPr>
         <a:solidFill>
           <a:schemeClr val="lt1"/>
         </a:solidFill>
+        <a:effectLst/>
       </p:bgPr>
     </p:bg>
     <p:spTree>
       <p:nvGrpSpPr>
-        <p:cNvPr id="5" name="Shape 5"/>
+        <p:cNvPr id="1" name="Shape 5"/>
         <p:cNvGrpSpPr/>
         <p:nvPr/>
       </p:nvGrpSpPr>
@@ -6942,7 +7047,9 @@
       <p:sp>
         <p:nvSpPr>
           <p:cNvPr id="6" name="Google Shape;6;p1"/>
-          <p:cNvSpPr txBox="1"/>
+          <p:cNvSpPr txBox="1">
+            <a:spLocks noGrp="1"/>
+          </p:cNvSpPr>
           <p:nvPr>
             <p:ph type="title"/>
           </p:nvPr>
@@ -6961,7 +7068,7 @@
           </a:ln>
         </p:spPr>
         <p:txBody>
-          <a:bodyPr anchorCtr="0" anchor="t" bIns="91425" lIns="91425" spcFirstLastPara="1" rIns="91425" wrap="square" tIns="91425">
+          <a:bodyPr spcFirstLastPara="1" wrap="square" lIns="91425" tIns="91425" rIns="91425" bIns="91425" anchor="t" anchorCtr="0">
             <a:normAutofit/>
           </a:bodyPr>
           <a:lstStyle>
@@ -6978,7 +7085,7 @@
               <a:buSzPts val="2800"/>
               <a:buFont typeface="Raleway"/>
               <a:buNone/>
-              <a:defRPr b="1" sz="2800">
+              <a:defRPr sz="2800" b="1">
                 <a:solidFill>
                   <a:schemeClr val="dk2"/>
                 </a:solidFill>
@@ -7001,7 +7108,7 @@
               <a:buSzPts val="2800"/>
               <a:buFont typeface="Raleway"/>
               <a:buNone/>
-              <a:defRPr b="1" sz="2800">
+              <a:defRPr sz="2800" b="1">
                 <a:solidFill>
                   <a:schemeClr val="dk2"/>
                 </a:solidFill>
@@ -7024,7 +7131,7 @@
               <a:buSzPts val="2800"/>
               <a:buFont typeface="Raleway"/>
               <a:buNone/>
-              <a:defRPr b="1" sz="2800">
+              <a:defRPr sz="2800" b="1">
                 <a:solidFill>
                   <a:schemeClr val="dk2"/>
                 </a:solidFill>
@@ -7047,7 +7154,7 @@
               <a:buSzPts val="2800"/>
               <a:buFont typeface="Raleway"/>
               <a:buNone/>
-              <a:defRPr b="1" sz="2800">
+              <a:defRPr sz="2800" b="1">
                 <a:solidFill>
                   <a:schemeClr val="dk2"/>
                 </a:solidFill>
@@ -7070,7 +7177,7 @@
               <a:buSzPts val="2800"/>
               <a:buFont typeface="Raleway"/>
               <a:buNone/>
-              <a:defRPr b="1" sz="2800">
+              <a:defRPr sz="2800" b="1">
                 <a:solidFill>
                   <a:schemeClr val="dk2"/>
                 </a:solidFill>
@@ -7093,7 +7200,7 @@
               <a:buSzPts val="2800"/>
               <a:buFont typeface="Raleway"/>
               <a:buNone/>
-              <a:defRPr b="1" sz="2800">
+              <a:defRPr sz="2800" b="1">
                 <a:solidFill>
                   <a:schemeClr val="dk2"/>
                 </a:solidFill>
@@ -7116,7 +7223,7 @@
               <a:buSzPts val="2800"/>
               <a:buFont typeface="Raleway"/>
               <a:buNone/>
-              <a:defRPr b="1" sz="2800">
+              <a:defRPr sz="2800" b="1">
                 <a:solidFill>
                   <a:schemeClr val="dk2"/>
                 </a:solidFill>
@@ -7139,7 +7246,7 @@
               <a:buSzPts val="2800"/>
               <a:buFont typeface="Raleway"/>
               <a:buNone/>
-              <a:defRPr b="1" sz="2800">
+              <a:defRPr sz="2800" b="1">
                 <a:solidFill>
                   <a:schemeClr val="dk2"/>
                 </a:solidFill>
@@ -7162,7 +7269,7 @@
               <a:buSzPts val="2800"/>
               <a:buFont typeface="Raleway"/>
               <a:buNone/>
-              <a:defRPr b="1" sz="2800">
+              <a:defRPr sz="2800" b="1">
                 <a:solidFill>
                   <a:schemeClr val="dk2"/>
                 </a:solidFill>
@@ -7173,15 +7280,19 @@
               </a:defRPr>
             </a:lvl9pPr>
           </a:lstStyle>
-          <a:p/>
+          <a:p>
+            <a:endParaRPr/>
+          </a:p>
         </p:txBody>
       </p:sp>
       <p:sp>
         <p:nvSpPr>
           <p:cNvPr id="7" name="Google Shape;7;p1"/>
-          <p:cNvSpPr txBox="1"/>
+          <p:cNvSpPr txBox="1">
+            <a:spLocks noGrp="1"/>
+          </p:cNvSpPr>
           <p:nvPr>
-            <p:ph idx="1" type="body"/>
+            <p:ph type="body" idx="1"/>
           </p:nvPr>
         </p:nvSpPr>
         <p:spPr>
@@ -7198,11 +7309,11 @@
           </a:ln>
         </p:spPr>
         <p:txBody>
-          <a:bodyPr anchorCtr="0" anchor="t" bIns="91425" lIns="91425" spcFirstLastPara="1" rIns="91425" wrap="square" tIns="91425">
+          <a:bodyPr spcFirstLastPara="1" wrap="square" lIns="91425" tIns="91425" rIns="91425" bIns="91425" anchor="t" anchorCtr="0">
             <a:normAutofit/>
           </a:bodyPr>
           <a:lstStyle>
-            <a:lvl1pPr indent="-311150" lvl="0" marL="457200">
+            <a:lvl1pPr marL="457200" lvl="0" indent="-311150">
               <a:lnSpc>
                 <a:spcPct val="115000"/>
               </a:lnSpc>
@@ -7228,7 +7339,7 @@
                 <a:sym typeface="Lato"/>
               </a:defRPr>
             </a:lvl1pPr>
-            <a:lvl2pPr indent="-298450" lvl="1" marL="914400">
+            <a:lvl2pPr marL="914400" lvl="1" indent="-298450">
               <a:lnSpc>
                 <a:spcPct val="115000"/>
               </a:lnSpc>
@@ -7254,7 +7365,7 @@
                 <a:sym typeface="Lato"/>
               </a:defRPr>
             </a:lvl2pPr>
-            <a:lvl3pPr indent="-298450" lvl="2" marL="1371600">
+            <a:lvl3pPr marL="1371600" lvl="2" indent="-298450">
               <a:lnSpc>
                 <a:spcPct val="115000"/>
               </a:lnSpc>
@@ -7280,7 +7391,7 @@
                 <a:sym typeface="Lato"/>
               </a:defRPr>
             </a:lvl3pPr>
-            <a:lvl4pPr indent="-298450" lvl="3" marL="1828800">
+            <a:lvl4pPr marL="1828800" lvl="3" indent="-298450">
               <a:lnSpc>
                 <a:spcPct val="115000"/>
               </a:lnSpc>
@@ -7306,7 +7417,7 @@
                 <a:sym typeface="Lato"/>
               </a:defRPr>
             </a:lvl4pPr>
-            <a:lvl5pPr indent="-298450" lvl="4" marL="2286000">
+            <a:lvl5pPr marL="2286000" lvl="4" indent="-298450">
               <a:lnSpc>
                 <a:spcPct val="115000"/>
               </a:lnSpc>
@@ -7332,7 +7443,7 @@
                 <a:sym typeface="Lato"/>
               </a:defRPr>
             </a:lvl5pPr>
-            <a:lvl6pPr indent="-298450" lvl="5" marL="2743200">
+            <a:lvl6pPr marL="2743200" lvl="5" indent="-298450">
               <a:lnSpc>
                 <a:spcPct val="115000"/>
               </a:lnSpc>
@@ -7358,7 +7469,7 @@
                 <a:sym typeface="Lato"/>
               </a:defRPr>
             </a:lvl6pPr>
-            <a:lvl7pPr indent="-298450" lvl="6" marL="3200400">
+            <a:lvl7pPr marL="3200400" lvl="6" indent="-298450">
               <a:lnSpc>
                 <a:spcPct val="115000"/>
               </a:lnSpc>
@@ -7384,7 +7495,7 @@
                 <a:sym typeface="Lato"/>
               </a:defRPr>
             </a:lvl7pPr>
-            <a:lvl8pPr indent="-298450" lvl="7" marL="3657600">
+            <a:lvl8pPr marL="3657600" lvl="7" indent="-298450">
               <a:lnSpc>
                 <a:spcPct val="115000"/>
               </a:lnSpc>
@@ -7410,7 +7521,7 @@
                 <a:sym typeface="Lato"/>
               </a:defRPr>
             </a:lvl8pPr>
-            <a:lvl9pPr indent="-298450" lvl="8" marL="4114800">
+            <a:lvl9pPr marL="4114800" lvl="8" indent="-298450">
               <a:lnSpc>
                 <a:spcPct val="115000"/>
               </a:lnSpc>
@@ -7437,15 +7548,19 @@
               </a:defRPr>
             </a:lvl9pPr>
           </a:lstStyle>
-          <a:p/>
+          <a:p>
+            <a:endParaRPr/>
+          </a:p>
         </p:txBody>
       </p:sp>
       <p:sp>
         <p:nvSpPr>
           <p:cNvPr id="8" name="Google Shape;8;p1"/>
-          <p:cNvSpPr txBox="1"/>
+          <p:cNvSpPr txBox="1">
+            <a:spLocks noGrp="1"/>
+          </p:cNvSpPr>
           <p:nvPr>
-            <p:ph idx="12" type="sldNum"/>
+            <p:ph type="sldNum" idx="12"/>
           </p:nvPr>
         </p:nvSpPr>
         <p:spPr>
@@ -7462,7 +7577,7 @@
           </a:ln>
         </p:spPr>
         <p:txBody>
-          <a:bodyPr anchorCtr="0" anchor="ctr" bIns="91425" lIns="91425" spcFirstLastPara="1" rIns="91425" wrap="square" tIns="91425">
+          <a:bodyPr spcFirstLastPara="1" wrap="square" lIns="91425" tIns="91425" rIns="91425" bIns="91425" anchor="ctr" anchorCtr="0">
             <a:normAutofit/>
           </a:bodyPr>
           <a:lstStyle>
@@ -7576,7 +7691,7 @@
             </a:lvl9pPr>
           </a:lstStyle>
           <a:p>
-            <a:pPr indent="0" lvl="0" marL="0" rtl="0" algn="r">
+            <a:pPr marL="0" lvl="0" indent="0" algn="r" rtl="0">
               <a:spcBef>
                 <a:spcPts val="0"/>
               </a:spcBef>
@@ -7595,7 +7710,7 @@
       </p:sp>
     </p:spTree>
   </p:cSld>
-  <p:clrMap accent1="accent1" accent2="accent2" accent3="accent3" accent4="accent4" accent5="accent5" accent6="accent6" bg1="lt1" bg2="dk2" tx1="dk1" tx2="lt2" folHlink="folHlink" hlink="hlink"/>
+  <p:clrMap bg1="lt1" tx1="dk1" bg2="dk2" tx2="lt2" accent1="accent1" accent2="accent2" accent3="accent3" accent4="accent4" accent5="accent5" accent6="accent6" hlink="hlink" folHlink="folHlink"/>
   <p:sldLayoutIdLst>
     <p:sldLayoutId id="2147483648" r:id="rId1"/>
     <p:sldLayoutId id="2147483649" r:id="rId2"/>
@@ -7609,10 +7724,10 @@
     <p:sldLayoutId id="2147483657" r:id="rId10"/>
     <p:sldLayoutId id="2147483658" r:id="rId11"/>
   </p:sldLayoutIdLst>
-  <p:hf dt="0" ftr="0" hdr="0" sldNum="0"/>
+  <p:hf sldNum="0" hdr="0" ftr="0" dt="0"/>
   <p:txStyles>
     <p:titleStyle>
-      <a:defPPr lvl="0" marR="0" rtl="0" algn="l">
+      <a:defPPr marR="0" lvl="0" algn="l" rtl="0">
         <a:lnSpc>
           <a:spcPct val="100000"/>
         </a:lnSpc>
@@ -7623,7 +7738,7 @@
           <a:spcPts val="0"/>
         </a:spcAft>
       </a:defPPr>
-      <a:lvl1pPr lvl="0" marR="0" rtl="0" algn="l">
+      <a:lvl1pPr marR="0" lvl="0" algn="l" rtl="0">
         <a:lnSpc>
           <a:spcPct val="100000"/>
         </a:lnSpc>
@@ -7637,7 +7752,7 @@
           <a:srgbClr val="000000"/>
         </a:buClr>
         <a:buFont typeface="Arial"/>
-        <a:defRPr b="0" i="0" sz="1400" u="none" cap="none" strike="noStrike">
+        <a:defRPr sz="1400" b="0" i="0" u="none" strike="noStrike" cap="none">
           <a:solidFill>
             <a:srgbClr val="000000"/>
           </a:solidFill>
@@ -7647,7 +7762,7 @@
           <a:sym typeface="Arial"/>
         </a:defRPr>
       </a:lvl1pPr>
-      <a:lvl2pPr lvl="1" marR="0" rtl="0" algn="l">
+      <a:lvl2pPr marR="0" lvl="1" algn="l" rtl="0">
         <a:lnSpc>
           <a:spcPct val="100000"/>
         </a:lnSpc>
@@ -7661,7 +7776,7 @@
           <a:srgbClr val="000000"/>
         </a:buClr>
         <a:buFont typeface="Arial"/>
-        <a:defRPr b="0" i="0" sz="1400" u="none" cap="none" strike="noStrike">
+        <a:defRPr sz="1400" b="0" i="0" u="none" strike="noStrike" cap="none">
           <a:solidFill>
             <a:srgbClr val="000000"/>
           </a:solidFill>
@@ -7671,7 +7786,7 @@
           <a:sym typeface="Arial"/>
         </a:defRPr>
       </a:lvl2pPr>
-      <a:lvl3pPr lvl="2" marR="0" rtl="0" algn="l">
+      <a:lvl3pPr marR="0" lvl="2" algn="l" rtl="0">
         <a:lnSpc>
           <a:spcPct val="100000"/>
         </a:lnSpc>
@@ -7685,7 +7800,7 @@
           <a:srgbClr val="000000"/>
         </a:buClr>
         <a:buFont typeface="Arial"/>
-        <a:defRPr b="0" i="0" sz="1400" u="none" cap="none" strike="noStrike">
+        <a:defRPr sz="1400" b="0" i="0" u="none" strike="noStrike" cap="none">
           <a:solidFill>
             <a:srgbClr val="000000"/>
           </a:solidFill>
@@ -7695,7 +7810,7 @@
           <a:sym typeface="Arial"/>
         </a:defRPr>
       </a:lvl3pPr>
-      <a:lvl4pPr lvl="3" marR="0" rtl="0" algn="l">
+      <a:lvl4pPr marR="0" lvl="3" algn="l" rtl="0">
         <a:lnSpc>
           <a:spcPct val="100000"/>
         </a:lnSpc>
@@ -7709,7 +7824,7 @@
           <a:srgbClr val="000000"/>
         </a:buClr>
         <a:buFont typeface="Arial"/>
-        <a:defRPr b="0" i="0" sz="1400" u="none" cap="none" strike="noStrike">
+        <a:defRPr sz="1400" b="0" i="0" u="none" strike="noStrike" cap="none">
           <a:solidFill>
             <a:srgbClr val="000000"/>
           </a:solidFill>
@@ -7719,7 +7834,7 @@
           <a:sym typeface="Arial"/>
         </a:defRPr>
       </a:lvl4pPr>
-      <a:lvl5pPr lvl="4" marR="0" rtl="0" algn="l">
+      <a:lvl5pPr marR="0" lvl="4" algn="l" rtl="0">
         <a:lnSpc>
           <a:spcPct val="100000"/>
         </a:lnSpc>
@@ -7733,7 +7848,7 @@
           <a:srgbClr val="000000"/>
         </a:buClr>
         <a:buFont typeface="Arial"/>
-        <a:defRPr b="0" i="0" sz="1400" u="none" cap="none" strike="noStrike">
+        <a:defRPr sz="1400" b="0" i="0" u="none" strike="noStrike" cap="none">
           <a:solidFill>
             <a:srgbClr val="000000"/>
           </a:solidFill>
@@ -7743,7 +7858,7 @@
           <a:sym typeface="Arial"/>
         </a:defRPr>
       </a:lvl5pPr>
-      <a:lvl6pPr lvl="5" marR="0" rtl="0" algn="l">
+      <a:lvl6pPr marR="0" lvl="5" algn="l" rtl="0">
         <a:lnSpc>
           <a:spcPct val="100000"/>
         </a:lnSpc>
@@ -7757,7 +7872,7 @@
           <a:srgbClr val="000000"/>
         </a:buClr>
         <a:buFont typeface="Arial"/>
-        <a:defRPr b="0" i="0" sz="1400" u="none" cap="none" strike="noStrike">
+        <a:defRPr sz="1400" b="0" i="0" u="none" strike="noStrike" cap="none">
           <a:solidFill>
             <a:srgbClr val="000000"/>
           </a:solidFill>
@@ -7767,7 +7882,7 @@
           <a:sym typeface="Arial"/>
         </a:defRPr>
       </a:lvl6pPr>
-      <a:lvl7pPr lvl="6" marR="0" rtl="0" algn="l">
+      <a:lvl7pPr marR="0" lvl="6" algn="l" rtl="0">
         <a:lnSpc>
           <a:spcPct val="100000"/>
         </a:lnSpc>
@@ -7781,7 +7896,7 @@
           <a:srgbClr val="000000"/>
         </a:buClr>
         <a:buFont typeface="Arial"/>
-        <a:defRPr b="0" i="0" sz="1400" u="none" cap="none" strike="noStrike">
+        <a:defRPr sz="1400" b="0" i="0" u="none" strike="noStrike" cap="none">
           <a:solidFill>
             <a:srgbClr val="000000"/>
           </a:solidFill>
@@ -7791,7 +7906,7 @@
           <a:sym typeface="Arial"/>
         </a:defRPr>
       </a:lvl7pPr>
-      <a:lvl8pPr lvl="7" marR="0" rtl="0" algn="l">
+      <a:lvl8pPr marR="0" lvl="7" algn="l" rtl="0">
         <a:lnSpc>
           <a:spcPct val="100000"/>
         </a:lnSpc>
@@ -7805,7 +7920,7 @@
           <a:srgbClr val="000000"/>
         </a:buClr>
         <a:buFont typeface="Arial"/>
-        <a:defRPr b="0" i="0" sz="1400" u="none" cap="none" strike="noStrike">
+        <a:defRPr sz="1400" b="0" i="0" u="none" strike="noStrike" cap="none">
           <a:solidFill>
             <a:srgbClr val="000000"/>
           </a:solidFill>
@@ -7815,7 +7930,7 @@
           <a:sym typeface="Arial"/>
         </a:defRPr>
       </a:lvl8pPr>
-      <a:lvl9pPr lvl="8" marR="0" rtl="0" algn="l">
+      <a:lvl9pPr marR="0" lvl="8" algn="l" rtl="0">
         <a:lnSpc>
           <a:spcPct val="100000"/>
         </a:lnSpc>
@@ -7829,7 +7944,7 @@
           <a:srgbClr val="000000"/>
         </a:buClr>
         <a:buFont typeface="Arial"/>
-        <a:defRPr b="0" i="0" sz="1400" u="none" cap="none" strike="noStrike">
+        <a:defRPr sz="1400" b="0" i="0" u="none" strike="noStrike" cap="none">
           <a:solidFill>
             <a:srgbClr val="000000"/>
           </a:solidFill>
@@ -7841,7 +7956,7 @@
       </a:lvl9pPr>
     </p:titleStyle>
     <p:bodyStyle>
-      <a:defPPr lvl="0" marR="0" rtl="0" algn="l">
+      <a:defPPr marR="0" lvl="0" algn="l" rtl="0">
         <a:lnSpc>
           <a:spcPct val="100000"/>
         </a:lnSpc>
@@ -7852,7 +7967,7 @@
           <a:spcPts val="0"/>
         </a:spcAft>
       </a:defPPr>
-      <a:lvl1pPr lvl="0" marR="0" rtl="0" algn="l">
+      <a:lvl1pPr marR="0" lvl="0" algn="l" rtl="0">
         <a:lnSpc>
           <a:spcPct val="100000"/>
         </a:lnSpc>
@@ -7866,7 +7981,7 @@
           <a:srgbClr val="000000"/>
         </a:buClr>
         <a:buFont typeface="Arial"/>
-        <a:defRPr b="0" i="0" sz="1400" u="none" cap="none" strike="noStrike">
+        <a:defRPr sz="1400" b="0" i="0" u="none" strike="noStrike" cap="none">
           <a:solidFill>
             <a:srgbClr val="000000"/>
           </a:solidFill>
@@ -7876,7 +7991,7 @@
           <a:sym typeface="Arial"/>
         </a:defRPr>
       </a:lvl1pPr>
-      <a:lvl2pPr lvl="1" marR="0" rtl="0" algn="l">
+      <a:lvl2pPr marR="0" lvl="1" algn="l" rtl="0">
         <a:lnSpc>
           <a:spcPct val="100000"/>
         </a:lnSpc>
@@ -7890,7 +8005,7 @@
           <a:srgbClr val="000000"/>
         </a:buClr>
         <a:buFont typeface="Arial"/>
-        <a:defRPr b="0" i="0" sz="1400" u="none" cap="none" strike="noStrike">
+        <a:defRPr sz="1400" b="0" i="0" u="none" strike="noStrike" cap="none">
           <a:solidFill>
             <a:srgbClr val="000000"/>
           </a:solidFill>
@@ -7900,7 +8015,7 @@
           <a:sym typeface="Arial"/>
         </a:defRPr>
       </a:lvl2pPr>
-      <a:lvl3pPr lvl="2" marR="0" rtl="0" algn="l">
+      <a:lvl3pPr marR="0" lvl="2" algn="l" rtl="0">
         <a:lnSpc>
           <a:spcPct val="100000"/>
         </a:lnSpc>
@@ -7914,7 +8029,7 @@
           <a:srgbClr val="000000"/>
         </a:buClr>
         <a:buFont typeface="Arial"/>
-        <a:defRPr b="0" i="0" sz="1400" u="none" cap="none" strike="noStrike">
+        <a:defRPr sz="1400" b="0" i="0" u="none" strike="noStrike" cap="none">
           <a:solidFill>
             <a:srgbClr val="000000"/>
           </a:solidFill>
@@ -7924,7 +8039,7 @@
           <a:sym typeface="Arial"/>
         </a:defRPr>
       </a:lvl3pPr>
-      <a:lvl4pPr lvl="3" marR="0" rtl="0" algn="l">
+      <a:lvl4pPr marR="0" lvl="3" algn="l" rtl="0">
         <a:lnSpc>
           <a:spcPct val="100000"/>
         </a:lnSpc>
@@ -7938,7 +8053,7 @@
           <a:srgbClr val="000000"/>
         </a:buClr>
         <a:buFont typeface="Arial"/>
-        <a:defRPr b="0" i="0" sz="1400" u="none" cap="none" strike="noStrike">
+        <a:defRPr sz="1400" b="0" i="0" u="none" strike="noStrike" cap="none">
           <a:solidFill>
             <a:srgbClr val="000000"/>
           </a:solidFill>
@@ -7948,7 +8063,7 @@
           <a:sym typeface="Arial"/>
         </a:defRPr>
       </a:lvl4pPr>
-      <a:lvl5pPr lvl="4" marR="0" rtl="0" algn="l">
+      <a:lvl5pPr marR="0" lvl="4" algn="l" rtl="0">
         <a:lnSpc>
           <a:spcPct val="100000"/>
         </a:lnSpc>
@@ -7962,7 +8077,7 @@
           <a:srgbClr val="000000"/>
         </a:buClr>
         <a:buFont typeface="Arial"/>
-        <a:defRPr b="0" i="0" sz="1400" u="none" cap="none" strike="noStrike">
+        <a:defRPr sz="1400" b="0" i="0" u="none" strike="noStrike" cap="none">
           <a:solidFill>
             <a:srgbClr val="000000"/>
           </a:solidFill>
@@ -7972,7 +8087,7 @@
           <a:sym typeface="Arial"/>
         </a:defRPr>
       </a:lvl5pPr>
-      <a:lvl6pPr lvl="5" marR="0" rtl="0" algn="l">
+      <a:lvl6pPr marR="0" lvl="5" algn="l" rtl="0">
         <a:lnSpc>
           <a:spcPct val="100000"/>
         </a:lnSpc>
@@ -7986,7 +8101,7 @@
           <a:srgbClr val="000000"/>
         </a:buClr>
         <a:buFont typeface="Arial"/>
-        <a:defRPr b="0" i="0" sz="1400" u="none" cap="none" strike="noStrike">
+        <a:defRPr sz="1400" b="0" i="0" u="none" strike="noStrike" cap="none">
           <a:solidFill>
             <a:srgbClr val="000000"/>
           </a:solidFill>
@@ -7996,7 +8111,7 @@
           <a:sym typeface="Arial"/>
         </a:defRPr>
       </a:lvl6pPr>
-      <a:lvl7pPr lvl="6" marR="0" rtl="0" algn="l">
+      <a:lvl7pPr marR="0" lvl="6" algn="l" rtl="0">
         <a:lnSpc>
           <a:spcPct val="100000"/>
         </a:lnSpc>
@@ -8010,7 +8125,7 @@
           <a:srgbClr val="000000"/>
         </a:buClr>
         <a:buFont typeface="Arial"/>
-        <a:defRPr b="0" i="0" sz="1400" u="none" cap="none" strike="noStrike">
+        <a:defRPr sz="1400" b="0" i="0" u="none" strike="noStrike" cap="none">
           <a:solidFill>
             <a:srgbClr val="000000"/>
           </a:solidFill>
@@ -8020,7 +8135,7 @@
           <a:sym typeface="Arial"/>
         </a:defRPr>
       </a:lvl7pPr>
-      <a:lvl8pPr lvl="7" marR="0" rtl="0" algn="l">
+      <a:lvl8pPr marR="0" lvl="7" algn="l" rtl="0">
         <a:lnSpc>
           <a:spcPct val="100000"/>
         </a:lnSpc>
@@ -8034,7 +8149,7 @@
           <a:srgbClr val="000000"/>
         </a:buClr>
         <a:buFont typeface="Arial"/>
-        <a:defRPr b="0" i="0" sz="1400" u="none" cap="none" strike="noStrike">
+        <a:defRPr sz="1400" b="0" i="0" u="none" strike="noStrike" cap="none">
           <a:solidFill>
             <a:srgbClr val="000000"/>
           </a:solidFill>
@@ -8044,7 +8159,7 @@
           <a:sym typeface="Arial"/>
         </a:defRPr>
       </a:lvl8pPr>
-      <a:lvl9pPr lvl="8" marR="0" rtl="0" algn="l">
+      <a:lvl9pPr marR="0" lvl="8" algn="l" rtl="0">
         <a:lnSpc>
           <a:spcPct val="100000"/>
         </a:lnSpc>
@@ -8058,7 +8173,7 @@
           <a:srgbClr val="000000"/>
         </a:buClr>
         <a:buFont typeface="Arial"/>
-        <a:defRPr b="0" i="0" sz="1400" u="none" cap="none" strike="noStrike">
+        <a:defRPr sz="1400" b="0" i="0" u="none" strike="noStrike" cap="none">
           <a:solidFill>
             <a:srgbClr val="000000"/>
           </a:solidFill>
@@ -8070,7 +8185,7 @@
       </a:lvl9pPr>
     </p:bodyStyle>
     <p:otherStyle>
-      <a:defPPr lvl="0" marR="0" rtl="0" algn="l">
+      <a:defPPr marR="0" lvl="0" algn="l" rtl="0">
         <a:lnSpc>
           <a:spcPct val="100000"/>
         </a:lnSpc>
@@ -8081,7 +8196,7 @@
           <a:spcPts val="0"/>
         </a:spcAft>
       </a:defPPr>
-      <a:lvl1pPr lvl="0" marR="0" rtl="0" algn="l">
+      <a:lvl1pPr marR="0" lvl="0" algn="l" rtl="0">
         <a:lnSpc>
           <a:spcPct val="100000"/>
         </a:lnSpc>
@@ -8095,7 +8210,7 @@
           <a:srgbClr val="000000"/>
         </a:buClr>
         <a:buFont typeface="Arial"/>
-        <a:defRPr b="0" i="0" sz="1400" u="none" cap="none" strike="noStrike">
+        <a:defRPr sz="1400" b="0" i="0" u="none" strike="noStrike" cap="none">
           <a:solidFill>
             <a:srgbClr val="000000"/>
           </a:solidFill>
@@ -8105,7 +8220,7 @@
           <a:sym typeface="Arial"/>
         </a:defRPr>
       </a:lvl1pPr>
-      <a:lvl2pPr lvl="1" marR="0" rtl="0" algn="l">
+      <a:lvl2pPr marR="0" lvl="1" algn="l" rtl="0">
         <a:lnSpc>
           <a:spcPct val="100000"/>
         </a:lnSpc>
@@ -8119,7 +8234,7 @@
           <a:srgbClr val="000000"/>
         </a:buClr>
         <a:buFont typeface="Arial"/>
-        <a:defRPr b="0" i="0" sz="1400" u="none" cap="none" strike="noStrike">
+        <a:defRPr sz="1400" b="0" i="0" u="none" strike="noStrike" cap="none">
           <a:solidFill>
             <a:srgbClr val="000000"/>
           </a:solidFill>
@@ -8129,7 +8244,7 @@
           <a:sym typeface="Arial"/>
         </a:defRPr>
       </a:lvl2pPr>
-      <a:lvl3pPr lvl="2" marR="0" rtl="0" algn="l">
+      <a:lvl3pPr marR="0" lvl="2" algn="l" rtl="0">
         <a:lnSpc>
           <a:spcPct val="100000"/>
         </a:lnSpc>
@@ -8143,7 +8258,7 @@
           <a:srgbClr val="000000"/>
         </a:buClr>
         <a:buFont typeface="Arial"/>
-        <a:defRPr b="0" i="0" sz="1400" u="none" cap="none" strike="noStrike">
+        <a:defRPr sz="1400" b="0" i="0" u="none" strike="noStrike" cap="none">
           <a:solidFill>
             <a:srgbClr val="000000"/>
           </a:solidFill>
@@ -8153,7 +8268,7 @@
           <a:sym typeface="Arial"/>
         </a:defRPr>
       </a:lvl3pPr>
-      <a:lvl4pPr lvl="3" marR="0" rtl="0" algn="l">
+      <a:lvl4pPr marR="0" lvl="3" algn="l" rtl="0">
         <a:lnSpc>
           <a:spcPct val="100000"/>
         </a:lnSpc>
@@ -8167,7 +8282,7 @@
           <a:srgbClr val="000000"/>
         </a:buClr>
         <a:buFont typeface="Arial"/>
-        <a:defRPr b="0" i="0" sz="1400" u="none" cap="none" strike="noStrike">
+        <a:defRPr sz="1400" b="0" i="0" u="none" strike="noStrike" cap="none">
           <a:solidFill>
             <a:srgbClr val="000000"/>
           </a:solidFill>
@@ -8177,7 +8292,7 @@
           <a:sym typeface="Arial"/>
         </a:defRPr>
       </a:lvl4pPr>
-      <a:lvl5pPr lvl="4" marR="0" rtl="0" algn="l">
+      <a:lvl5pPr marR="0" lvl="4" algn="l" rtl="0">
         <a:lnSpc>
           <a:spcPct val="100000"/>
         </a:lnSpc>
@@ -8191,7 +8306,7 @@
           <a:srgbClr val="000000"/>
         </a:buClr>
         <a:buFont typeface="Arial"/>
-        <a:defRPr b="0" i="0" sz="1400" u="none" cap="none" strike="noStrike">
+        <a:defRPr sz="1400" b="0" i="0" u="none" strike="noStrike" cap="none">
           <a:solidFill>
             <a:srgbClr val="000000"/>
           </a:solidFill>
@@ -8201,7 +8316,7 @@
           <a:sym typeface="Arial"/>
         </a:defRPr>
       </a:lvl5pPr>
-      <a:lvl6pPr lvl="5" marR="0" rtl="0" algn="l">
+      <a:lvl6pPr marR="0" lvl="5" algn="l" rtl="0">
         <a:lnSpc>
           <a:spcPct val="100000"/>
         </a:lnSpc>
@@ -8215,7 +8330,7 @@
           <a:srgbClr val="000000"/>
         </a:buClr>
         <a:buFont typeface="Arial"/>
-        <a:defRPr b="0" i="0" sz="1400" u="none" cap="none" strike="noStrike">
+        <a:defRPr sz="1400" b="0" i="0" u="none" strike="noStrike" cap="none">
           <a:solidFill>
             <a:srgbClr val="000000"/>
           </a:solidFill>
@@ -8225,7 +8340,7 @@
           <a:sym typeface="Arial"/>
         </a:defRPr>
       </a:lvl6pPr>
-      <a:lvl7pPr lvl="6" marR="0" rtl="0" algn="l">
+      <a:lvl7pPr marR="0" lvl="6" algn="l" rtl="0">
         <a:lnSpc>
           <a:spcPct val="100000"/>
         </a:lnSpc>
@@ -8239,7 +8354,7 @@
           <a:srgbClr val="000000"/>
         </a:buClr>
         <a:buFont typeface="Arial"/>
-        <a:defRPr b="0" i="0" sz="1400" u="none" cap="none" strike="noStrike">
+        <a:defRPr sz="1400" b="0" i="0" u="none" strike="noStrike" cap="none">
           <a:solidFill>
             <a:srgbClr val="000000"/>
           </a:solidFill>
@@ -8249,7 +8364,7 @@
           <a:sym typeface="Arial"/>
         </a:defRPr>
       </a:lvl7pPr>
-      <a:lvl8pPr lvl="7" marR="0" rtl="0" algn="l">
+      <a:lvl8pPr marR="0" lvl="7" algn="l" rtl="0">
         <a:lnSpc>
           <a:spcPct val="100000"/>
         </a:lnSpc>
@@ -8263,7 +8378,7 @@
           <a:srgbClr val="000000"/>
         </a:buClr>
         <a:buFont typeface="Arial"/>
-        <a:defRPr b="0" i="0" sz="1400" u="none" cap="none" strike="noStrike">
+        <a:defRPr sz="1400" b="0" i="0" u="none" strike="noStrike" cap="none">
           <a:solidFill>
             <a:srgbClr val="000000"/>
           </a:solidFill>
@@ -8273,7 +8388,7 @@
           <a:sym typeface="Arial"/>
         </a:defRPr>
       </a:lvl8pPr>
-      <a:lvl9pPr lvl="8" marR="0" rtl="0" algn="l">
+      <a:lvl9pPr marR="0" lvl="8" algn="l" rtl="0">
         <a:lnSpc>
           <a:spcPct val="100000"/>
         </a:lnSpc>
@@ -8287,7 +8402,7 @@
           <a:srgbClr val="000000"/>
         </a:buClr>
         <a:buFont typeface="Arial"/>
-        <a:defRPr b="0" i="0" sz="1400" u="none" cap="none" strike="noStrike">
+        <a:defRPr sz="1400" b="0" i="0" u="none" strike="noStrike" cap="none">
           <a:solidFill>
             <a:srgbClr val="000000"/>
           </a:solidFill>
@@ -8303,11 +8418,11 @@
 </file>
 
 <file path=ppt/slides/slide1.xml><?xml version="1.0" encoding="utf-8"?>
-<p:sld xmlns:a="http://schemas.openxmlformats.org/drawingml/2006/main" xmlns:r="http://schemas.openxmlformats.org/officeDocument/2006/relationships" xmlns:mc="http://schemas.openxmlformats.org/markup-compatibility/2006" xmlns:mv="urn:schemas-microsoft-com:mac:vml" xmlns:p="http://schemas.openxmlformats.org/presentationml/2006/main" xmlns:c="http://schemas.openxmlformats.org/drawingml/2006/chart" xmlns:dgm="http://schemas.openxmlformats.org/drawingml/2006/diagram" xmlns:o="urn:schemas-microsoft-com:office:office" xmlns:v="urn:schemas-microsoft-com:vml" xmlns:pvml="urn:schemas-microsoft-com:office:powerpoint" xmlns:com="http://schemas.openxmlformats.org/drawingml/2006/compatibility" xmlns:p14="http://schemas.microsoft.com/office/powerpoint/2010/main" xmlns:p15="http://schemas.microsoft.com/office/powerpoint/2012/main" xmlns:ahyp="http://schemas.microsoft.com/office/drawing/2018/hyperlinkcolor">
+<p:sld xmlns:a="http://schemas.openxmlformats.org/drawingml/2006/main" xmlns:r="http://schemas.openxmlformats.org/officeDocument/2006/relationships" xmlns:p="http://schemas.openxmlformats.org/presentationml/2006/main">
   <p:cSld>
     <p:spTree>
       <p:nvGrpSpPr>
-        <p:cNvPr id="85" name="Shape 85"/>
+        <p:cNvPr id="1" name="Shape 85"/>
         <p:cNvGrpSpPr/>
         <p:nvPr/>
       </p:nvGrpSpPr>
@@ -8322,7 +8437,9 @@
       <p:sp>
         <p:nvSpPr>
           <p:cNvPr id="86" name="Google Shape;86;p13"/>
-          <p:cNvSpPr txBox="1"/>
+          <p:cNvSpPr txBox="1">
+            <a:spLocks noGrp="1"/>
+          </p:cNvSpPr>
           <p:nvPr>
             <p:ph type="ctrTitle"/>
           </p:nvPr>
@@ -8336,7 +8453,7 @@
             <a:avLst/>
           </a:prstGeom>
           <a:effectLst>
-            <a:outerShdw blurRad="57150" rotWithShape="0" algn="bl" dir="5400000" dist="19050">
+            <a:outerShdw blurRad="57150" dist="19050" dir="5400000" algn="bl" rotWithShape="0">
               <a:srgbClr val="2E7E90">
                 <a:alpha val="50000"/>
               </a:srgbClr>
@@ -8344,12 +8461,12 @@
           </a:effectLst>
         </p:spPr>
         <p:txBody>
-          <a:bodyPr anchorCtr="0" anchor="t" bIns="91425" lIns="91425" spcFirstLastPara="1" rIns="91425" wrap="square" tIns="91425">
+          <a:bodyPr spcFirstLastPara="1" wrap="square" lIns="91425" tIns="91425" rIns="91425" bIns="91425" anchor="t" anchorCtr="0">
             <a:normAutofit/>
           </a:bodyPr>
           <a:lstStyle/>
           <a:p>
-            <a:pPr indent="0" lvl="0" marL="0" rtl="0" algn="l">
+            <a:pPr marL="0" lvl="0" indent="0" algn="l" rtl="0">
               <a:spcBef>
                 <a:spcPts val="0"/>
               </a:spcBef>
@@ -8369,9 +8486,11 @@
       <p:sp>
         <p:nvSpPr>
           <p:cNvPr id="87" name="Google Shape;87;p13"/>
-          <p:cNvSpPr txBox="1"/>
+          <p:cNvSpPr txBox="1">
+            <a:spLocks noGrp="1"/>
+          </p:cNvSpPr>
           <p:nvPr>
-            <p:ph idx="1" type="subTitle"/>
+            <p:ph type="subTitle" idx="1"/>
           </p:nvPr>
         </p:nvSpPr>
         <p:spPr>
@@ -8383,7 +8502,7 @@
             <a:avLst/>
           </a:prstGeom>
           <a:effectLst>
-            <a:outerShdw blurRad="57150" rotWithShape="0" algn="bl" dir="5400000" dist="19050">
+            <a:outerShdw blurRad="57150" dist="19050" dir="5400000" algn="bl" rotWithShape="0">
               <a:srgbClr val="F155A9">
                 <a:alpha val="50000"/>
               </a:srgbClr>
@@ -8391,12 +8510,12 @@
           </a:effectLst>
         </p:spPr>
         <p:txBody>
-          <a:bodyPr anchorCtr="0" anchor="t" bIns="91425" lIns="91425" spcFirstLastPara="1" rIns="91425" wrap="square" tIns="91425">
+          <a:bodyPr spcFirstLastPara="1" wrap="square" lIns="91425" tIns="91425" rIns="91425" bIns="91425" anchor="t" anchorCtr="0">
             <a:noAutofit/>
           </a:bodyPr>
           <a:lstStyle/>
           <a:p>
-            <a:pPr indent="0" lvl="0" marL="0" rtl="0" algn="r">
+            <a:pPr marL="0" lvl="0" indent="0" algn="r" rtl="0">
               <a:lnSpc>
                 <a:spcPct val="130000"/>
               </a:lnSpc>
@@ -8416,7 +8535,7 @@
             <a:endParaRPr sz="1800"/>
           </a:p>
           <a:p>
-            <a:pPr indent="0" lvl="0" marL="0" rtl="0" algn="r">
+            <a:pPr marL="0" lvl="0" indent="0" algn="r" rtl="0">
               <a:lnSpc>
                 <a:spcPct val="130000"/>
               </a:lnSpc>
@@ -8446,11 +8565,11 @@
 </file>
 
 <file path=ppt/slides/slide10.xml><?xml version="1.0" encoding="utf-8"?>
-<p:sld xmlns:a="http://schemas.openxmlformats.org/drawingml/2006/main" xmlns:r="http://schemas.openxmlformats.org/officeDocument/2006/relationships" xmlns:mc="http://schemas.openxmlformats.org/markup-compatibility/2006" xmlns:mv="urn:schemas-microsoft-com:mac:vml" xmlns:p="http://schemas.openxmlformats.org/presentationml/2006/main" xmlns:c="http://schemas.openxmlformats.org/drawingml/2006/chart" xmlns:dgm="http://schemas.openxmlformats.org/drawingml/2006/diagram" xmlns:o="urn:schemas-microsoft-com:office:office" xmlns:v="urn:schemas-microsoft-com:vml" xmlns:pvml="urn:schemas-microsoft-com:office:powerpoint" xmlns:com="http://schemas.openxmlformats.org/drawingml/2006/compatibility" xmlns:p14="http://schemas.microsoft.com/office/powerpoint/2010/main" xmlns:p15="http://schemas.microsoft.com/office/powerpoint/2012/main" xmlns:ahyp="http://schemas.microsoft.com/office/drawing/2018/hyperlinkcolor">
+<p:sld xmlns:a="http://schemas.openxmlformats.org/drawingml/2006/main" xmlns:r="http://schemas.openxmlformats.org/officeDocument/2006/relationships" xmlns:p="http://schemas.openxmlformats.org/presentationml/2006/main">
   <p:cSld>
     <p:spTree>
       <p:nvGrpSpPr>
-        <p:cNvPr id="193" name="Shape 193"/>
+        <p:cNvPr id="1" name="Shape 193"/>
         <p:cNvGrpSpPr/>
         <p:nvPr/>
       </p:nvGrpSpPr>
@@ -8465,7 +8584,9 @@
       <p:sp>
         <p:nvSpPr>
           <p:cNvPr id="194" name="Google Shape;194;p22"/>
-          <p:cNvSpPr txBox="1"/>
+          <p:cNvSpPr txBox="1">
+            <a:spLocks noGrp="1"/>
+          </p:cNvSpPr>
           <p:nvPr>
             <p:ph type="title"/>
           </p:nvPr>
@@ -8479,7 +8600,7 @@
             <a:avLst/>
           </a:prstGeom>
           <a:effectLst>
-            <a:outerShdw blurRad="57150" rotWithShape="0" algn="bl" dir="5400000" dist="19050">
+            <a:outerShdw blurRad="57150" dist="19050" dir="5400000" algn="bl" rotWithShape="0">
               <a:schemeClr val="accent4">
                 <a:alpha val="50000"/>
               </a:schemeClr>
@@ -8487,12 +8608,12 @@
           </a:effectLst>
         </p:spPr>
         <p:txBody>
-          <a:bodyPr anchorCtr="0" anchor="t" bIns="91425" lIns="91425" spcFirstLastPara="1" rIns="91425" wrap="square" tIns="91425">
+          <a:bodyPr spcFirstLastPara="1" wrap="square" lIns="91425" tIns="91425" rIns="91425" bIns="91425" anchor="t" anchorCtr="0">
             <a:normAutofit fontScale="90000"/>
           </a:bodyPr>
           <a:lstStyle/>
           <a:p>
-            <a:pPr indent="0" lvl="0" marL="0" rtl="0" algn="ctr">
+            <a:pPr marL="0" lvl="0" indent="0" algn="ctr" rtl="0">
               <a:spcBef>
                 <a:spcPts val="0"/>
               </a:spcBef>
@@ -8526,7 +8647,7 @@
         <p:spPr>
           <a:xfrm>
             <a:off x="88350" y="886026"/>
-            <a:ext cx="4257503" cy="4257475"/>
+            <a:ext cx="4257503" cy="4174171"/>
           </a:xfrm>
           <a:prstGeom prst="rect">
             <a:avLst/>
@@ -8536,7 +8657,7 @@
             <a:noFill/>
           </a:ln>
           <a:effectLst>
-            <a:outerShdw blurRad="57150" rotWithShape="0" algn="bl" dir="5400000" dist="19050">
+            <a:outerShdw blurRad="57150" dist="19050" dir="5400000" algn="bl" rotWithShape="0">
               <a:srgbClr val="5D9FE6">
                 <a:alpha val="50000"/>
               </a:srgbClr>
@@ -8561,7 +8682,7 @@
         <p:spPr>
           <a:xfrm>
             <a:off x="4769025" y="886013"/>
-            <a:ext cx="4257500" cy="4257500"/>
+            <a:ext cx="4257500" cy="4174171"/>
           </a:xfrm>
           <a:prstGeom prst="rect">
             <a:avLst/>
@@ -8571,7 +8692,7 @@
             <a:noFill/>
           </a:ln>
           <a:effectLst>
-            <a:outerShdw blurRad="57150" rotWithShape="0" algn="bl" dir="5400000" dist="19050">
+            <a:outerShdw blurRad="57150" dist="19050" dir="5400000" algn="bl" rotWithShape="0">
               <a:srgbClr val="EA9999">
                 <a:alpha val="50000"/>
               </a:srgbClr>
@@ -8594,17 +8715,17 @@
             <a:avLst/>
           </a:prstGeom>
           <a:noFill/>
-          <a:ln cap="flat" cmpd="sng" w="9525">
+          <a:ln w="9525" cap="flat" cmpd="sng">
             <a:solidFill>
               <a:srgbClr val="4A86E8"/>
             </a:solidFill>
             <a:prstDash val="dashDot"/>
             <a:round/>
-            <a:headEnd len="sm" w="sm" type="none"/>
-            <a:tailEnd len="sm" w="sm" type="none"/>
+            <a:headEnd type="none" w="sm" len="sm"/>
+            <a:tailEnd type="none" w="sm" len="sm"/>
           </a:ln>
           <a:effectLst>
-            <a:outerShdw blurRad="57150" rotWithShape="0" algn="bl" dir="5400000" dist="19050">
+            <a:outerShdw blurRad="57150" dist="19050" dir="5400000" algn="bl" rotWithShape="0">
               <a:srgbClr val="6FA8DC">
                 <a:alpha val="50000"/>
               </a:srgbClr>
@@ -8612,12 +8733,12 @@
           </a:effectLst>
         </p:spPr>
         <p:txBody>
-          <a:bodyPr anchorCtr="0" anchor="t" bIns="91425" lIns="91425" spcFirstLastPara="1" rIns="91425" wrap="square" tIns="91425">
+          <a:bodyPr spcFirstLastPara="1" wrap="square" lIns="91425" tIns="91425" rIns="91425" bIns="91425" anchor="t" anchorCtr="0">
             <a:noAutofit/>
           </a:bodyPr>
           <a:lstStyle/>
           <a:p>
-            <a:pPr indent="0" lvl="0" marL="0" rtl="0" algn="l">
+            <a:pPr marL="0" lvl="0" indent="0" algn="l" rtl="0">
               <a:spcBef>
                 <a:spcPts val="0"/>
               </a:spcBef>
@@ -8633,7 +8754,7 @@
             <a:endParaRPr sz="1050"/>
           </a:p>
           <a:p>
-            <a:pPr indent="0" lvl="0" marL="0" rtl="0" algn="l">
+            <a:pPr marL="0" lvl="0" indent="0" algn="l" rtl="0">
               <a:lnSpc>
                 <a:spcPct val="115000"/>
               </a:lnSpc>
@@ -8673,17 +8794,17 @@
             <a:avLst/>
           </a:prstGeom>
           <a:noFill/>
-          <a:ln cap="flat" cmpd="sng" w="9525">
+          <a:ln w="9525" cap="flat" cmpd="sng">
             <a:solidFill>
               <a:srgbClr val="A61C00"/>
             </a:solidFill>
             <a:prstDash val="dashDot"/>
             <a:round/>
-            <a:headEnd len="sm" w="sm" type="none"/>
-            <a:tailEnd len="sm" w="sm" type="none"/>
+            <a:headEnd type="none" w="sm" len="sm"/>
+            <a:tailEnd type="none" w="sm" len="sm"/>
           </a:ln>
           <a:effectLst>
-            <a:outerShdw blurRad="57150" rotWithShape="0" algn="bl" dir="5400000" dist="19050">
+            <a:outerShdw blurRad="57150" dist="19050" dir="5400000" algn="bl" rotWithShape="0">
               <a:srgbClr val="DD7E6B">
                 <a:alpha val="50000"/>
               </a:srgbClr>
@@ -8691,12 +8812,12 @@
           </a:effectLst>
         </p:spPr>
         <p:txBody>
-          <a:bodyPr anchorCtr="0" anchor="t" bIns="91425" lIns="91425" spcFirstLastPara="1" rIns="91425" wrap="square" tIns="91425">
+          <a:bodyPr spcFirstLastPara="1" wrap="square" lIns="91425" tIns="91425" rIns="91425" bIns="91425" anchor="t" anchorCtr="0">
             <a:spAutoFit/>
           </a:bodyPr>
           <a:lstStyle/>
           <a:p>
-            <a:pPr indent="0" lvl="0" marL="0" rtl="0" algn="l">
+            <a:pPr marL="0" lvl="0" indent="0" algn="l" rtl="0">
               <a:spcBef>
                 <a:spcPts val="0"/>
               </a:spcBef>
@@ -8712,7 +8833,7 @@
             <a:endParaRPr sz="1050"/>
           </a:p>
           <a:p>
-            <a:pPr indent="0" lvl="0" marL="0" rtl="0" algn="l">
+            <a:pPr marL="0" lvl="0" indent="0" algn="l" rtl="0">
               <a:lnSpc>
                 <a:spcPct val="115000"/>
               </a:lnSpc>
@@ -8746,11 +8867,11 @@
 </file>
 
 <file path=ppt/slides/slide11.xml><?xml version="1.0" encoding="utf-8"?>
-<p:sld xmlns:a="http://schemas.openxmlformats.org/drawingml/2006/main" xmlns:r="http://schemas.openxmlformats.org/officeDocument/2006/relationships" xmlns:mc="http://schemas.openxmlformats.org/markup-compatibility/2006" xmlns:mv="urn:schemas-microsoft-com:mac:vml" xmlns:p="http://schemas.openxmlformats.org/presentationml/2006/main" xmlns:c="http://schemas.openxmlformats.org/drawingml/2006/chart" xmlns:dgm="http://schemas.openxmlformats.org/drawingml/2006/diagram" xmlns:o="urn:schemas-microsoft-com:office:office" xmlns:v="urn:schemas-microsoft-com:vml" xmlns:pvml="urn:schemas-microsoft-com:office:powerpoint" xmlns:com="http://schemas.openxmlformats.org/drawingml/2006/compatibility" xmlns:p14="http://schemas.microsoft.com/office/powerpoint/2010/main" xmlns:p15="http://schemas.microsoft.com/office/powerpoint/2012/main" xmlns:ahyp="http://schemas.microsoft.com/office/drawing/2018/hyperlinkcolor">
+<p:sld xmlns:a="http://schemas.openxmlformats.org/drawingml/2006/main" xmlns:r="http://schemas.openxmlformats.org/officeDocument/2006/relationships" xmlns:p="http://schemas.openxmlformats.org/presentationml/2006/main">
   <p:cSld>
     <p:spTree>
       <p:nvGrpSpPr>
-        <p:cNvPr id="202" name="Shape 202"/>
+        <p:cNvPr id="1" name="Shape 202"/>
         <p:cNvGrpSpPr/>
         <p:nvPr/>
       </p:nvGrpSpPr>
@@ -8765,7 +8886,9 @@
       <p:sp>
         <p:nvSpPr>
           <p:cNvPr id="203" name="Google Shape;203;p23"/>
-          <p:cNvSpPr txBox="1"/>
+          <p:cNvSpPr txBox="1">
+            <a:spLocks noGrp="1"/>
+          </p:cNvSpPr>
           <p:nvPr>
             <p:ph type="title"/>
           </p:nvPr>
@@ -8779,7 +8902,7 @@
             <a:avLst/>
           </a:prstGeom>
           <a:effectLst>
-            <a:outerShdw blurRad="57150" rotWithShape="0" algn="bl" dir="5400000" dist="19050">
+            <a:outerShdw blurRad="57150" dist="19050" dir="5400000" algn="bl" rotWithShape="0">
               <a:srgbClr val="9900FF">
                 <a:alpha val="50000"/>
               </a:srgbClr>
@@ -8787,12 +8910,12 @@
           </a:effectLst>
         </p:spPr>
         <p:txBody>
-          <a:bodyPr anchorCtr="0" anchor="t" bIns="91425" lIns="91425" spcFirstLastPara="1" rIns="91425" wrap="square" tIns="91425">
+          <a:bodyPr spcFirstLastPara="1" wrap="square" lIns="91425" tIns="91425" rIns="91425" bIns="91425" anchor="t" anchorCtr="0">
             <a:normAutofit fontScale="90000"/>
           </a:bodyPr>
           <a:lstStyle/>
           <a:p>
-            <a:pPr indent="0" lvl="0" marL="0" rtl="0" algn="ctr">
+            <a:pPr marL="0" lvl="0" indent="0" algn="ctr" rtl="0">
               <a:spcBef>
                 <a:spcPts val="0"/>
               </a:spcBef>
@@ -8836,7 +8959,7 @@
             <a:noFill/>
           </a:ln>
           <a:effectLst>
-            <a:outerShdw blurRad="57150" rotWithShape="0" algn="bl" dir="5400000" dist="19050">
+            <a:outerShdw blurRad="57150" dist="19050" dir="5400000" algn="bl" rotWithShape="0">
               <a:srgbClr val="5D9FE6">
                 <a:alpha val="58000"/>
               </a:srgbClr>
@@ -8871,7 +8994,7 @@
             <a:noFill/>
           </a:ln>
           <a:effectLst>
-            <a:outerShdw blurRad="57150" rotWithShape="0" algn="bl" dir="5400000" dist="19050">
+            <a:outerShdw blurRad="57150" dist="19050" dir="5400000" algn="bl" rotWithShape="0">
               <a:srgbClr val="F4CCCC">
                 <a:alpha val="50000"/>
               </a:srgbClr>
@@ -8894,17 +9017,17 @@
             <a:avLst/>
           </a:prstGeom>
           <a:noFill/>
-          <a:ln cap="flat" cmpd="sng" w="9525">
+          <a:ln w="9525" cap="flat" cmpd="sng">
             <a:solidFill>
               <a:srgbClr val="85200C"/>
             </a:solidFill>
             <a:prstDash val="dashDot"/>
             <a:round/>
-            <a:headEnd len="sm" w="sm" type="none"/>
-            <a:tailEnd len="sm" w="sm" type="none"/>
+            <a:headEnd type="none" w="sm" len="sm"/>
+            <a:tailEnd type="none" w="sm" len="sm"/>
           </a:ln>
           <a:effectLst>
-            <a:outerShdw blurRad="57150" rotWithShape="0" algn="bl" dir="5400000" dist="19050">
+            <a:outerShdw blurRad="57150" dist="19050" dir="5400000" algn="bl" rotWithShape="0">
               <a:srgbClr val="DD7E6B">
                 <a:alpha val="50000"/>
               </a:srgbClr>
@@ -8912,12 +9035,12 @@
           </a:effectLst>
         </p:spPr>
         <p:txBody>
-          <a:bodyPr anchorCtr="0" anchor="t" bIns="91425" lIns="91425" spcFirstLastPara="1" rIns="91425" wrap="square" tIns="91425">
+          <a:bodyPr spcFirstLastPara="1" wrap="square" lIns="91425" tIns="91425" rIns="91425" bIns="91425" anchor="t" anchorCtr="0">
             <a:spAutoFit/>
           </a:bodyPr>
           <a:lstStyle/>
           <a:p>
-            <a:pPr indent="0" lvl="0" marL="0" rtl="0" algn="l">
+            <a:pPr marL="0" lvl="0" indent="0" algn="l" rtl="0">
               <a:spcBef>
                 <a:spcPts val="0"/>
               </a:spcBef>
@@ -8933,7 +9056,7 @@
             <a:endParaRPr sz="1050"/>
           </a:p>
           <a:p>
-            <a:pPr indent="0" lvl="0" marL="0" rtl="0" algn="l">
+            <a:pPr marL="0" lvl="0" indent="0" algn="l" rtl="0">
               <a:lnSpc>
                 <a:spcPct val="115000"/>
               </a:lnSpc>
@@ -8973,17 +9096,17 @@
             <a:avLst/>
           </a:prstGeom>
           <a:noFill/>
-          <a:ln cap="flat" cmpd="sng" w="9525">
+          <a:ln w="9525" cap="flat" cmpd="sng">
             <a:solidFill>
               <a:srgbClr val="0C58D3"/>
             </a:solidFill>
             <a:prstDash val="dashDot"/>
             <a:round/>
-            <a:headEnd len="sm" w="sm" type="none"/>
-            <a:tailEnd len="sm" w="sm" type="none"/>
+            <a:headEnd type="none" w="sm" len="sm"/>
+            <a:tailEnd type="none" w="sm" len="sm"/>
           </a:ln>
           <a:effectLst>
-            <a:outerShdw blurRad="57150" rotWithShape="0" algn="bl" dir="5400000" dist="19050">
+            <a:outerShdw blurRad="57150" dist="19050" dir="5400000" algn="bl" rotWithShape="0">
               <a:srgbClr val="6FA8DC">
                 <a:alpha val="50000"/>
               </a:srgbClr>
@@ -8991,12 +9114,12 @@
           </a:effectLst>
         </p:spPr>
         <p:txBody>
-          <a:bodyPr anchorCtr="0" anchor="t" bIns="91425" lIns="91425" spcFirstLastPara="1" rIns="91425" wrap="square" tIns="91425">
+          <a:bodyPr spcFirstLastPara="1" wrap="square" lIns="91425" tIns="91425" rIns="91425" bIns="91425" anchor="t" anchorCtr="0">
             <a:spAutoFit/>
           </a:bodyPr>
           <a:lstStyle/>
           <a:p>
-            <a:pPr indent="0" lvl="0" marL="0" rtl="0" algn="l">
+            <a:pPr marL="0" lvl="0" indent="0" algn="l" rtl="0">
               <a:spcBef>
                 <a:spcPts val="0"/>
               </a:spcBef>
@@ -9012,7 +9135,7 @@
             <a:endParaRPr sz="1050"/>
           </a:p>
           <a:p>
-            <a:pPr indent="0" lvl="0" marL="0" rtl="0" algn="l">
+            <a:pPr marL="0" lvl="0" indent="0" algn="l" rtl="0">
               <a:lnSpc>
                 <a:spcPct val="115000"/>
               </a:lnSpc>
@@ -9046,11 +9169,11 @@
 </file>
 
 <file path=ppt/slides/slide12.xml><?xml version="1.0" encoding="utf-8"?>
-<p:sld xmlns:a="http://schemas.openxmlformats.org/drawingml/2006/main" xmlns:r="http://schemas.openxmlformats.org/officeDocument/2006/relationships" xmlns:mc="http://schemas.openxmlformats.org/markup-compatibility/2006" xmlns:mv="urn:schemas-microsoft-com:mac:vml" xmlns:p="http://schemas.openxmlformats.org/presentationml/2006/main" xmlns:c="http://schemas.openxmlformats.org/drawingml/2006/chart" xmlns:dgm="http://schemas.openxmlformats.org/drawingml/2006/diagram" xmlns:o="urn:schemas-microsoft-com:office:office" xmlns:v="urn:schemas-microsoft-com:vml" xmlns:pvml="urn:schemas-microsoft-com:office:powerpoint" xmlns:com="http://schemas.openxmlformats.org/drawingml/2006/compatibility" xmlns:p14="http://schemas.microsoft.com/office/powerpoint/2010/main" xmlns:p15="http://schemas.microsoft.com/office/powerpoint/2012/main" xmlns:ahyp="http://schemas.microsoft.com/office/drawing/2018/hyperlinkcolor">
+<p:sld xmlns:a="http://schemas.openxmlformats.org/drawingml/2006/main" xmlns:r="http://schemas.openxmlformats.org/officeDocument/2006/relationships" xmlns:p="http://schemas.openxmlformats.org/presentationml/2006/main">
   <p:cSld>
     <p:spTree>
       <p:nvGrpSpPr>
-        <p:cNvPr id="211" name="Shape 211"/>
+        <p:cNvPr id="1" name="Shape 211"/>
         <p:cNvGrpSpPr/>
         <p:nvPr/>
       </p:nvGrpSpPr>
@@ -9065,7 +9188,9 @@
       <p:sp>
         <p:nvSpPr>
           <p:cNvPr id="212" name="Google Shape;212;p24"/>
-          <p:cNvSpPr txBox="1"/>
+          <p:cNvSpPr txBox="1">
+            <a:spLocks noGrp="1"/>
+          </p:cNvSpPr>
           <p:nvPr>
             <p:ph type="title"/>
           </p:nvPr>
@@ -9079,7 +9204,7 @@
             <a:avLst/>
           </a:prstGeom>
           <a:effectLst>
-            <a:outerShdw blurRad="57150" rotWithShape="0" algn="bl" dir="5400000" dist="19050">
+            <a:outerShdw blurRad="57150" dist="19050" dir="5400000" algn="bl" rotWithShape="0">
               <a:srgbClr val="8E7CC3">
                 <a:alpha val="50000"/>
               </a:srgbClr>
@@ -9087,12 +9212,12 @@
           </a:effectLst>
         </p:spPr>
         <p:txBody>
-          <a:bodyPr anchorCtr="0" anchor="t" bIns="91425" lIns="91425" spcFirstLastPara="1" rIns="91425" wrap="square" tIns="91425">
+          <a:bodyPr spcFirstLastPara="1" wrap="square" lIns="91425" tIns="91425" rIns="91425" bIns="91425" anchor="t" anchorCtr="0">
             <a:normAutofit fontScale="90000"/>
           </a:bodyPr>
           <a:lstStyle/>
           <a:p>
-            <a:pPr indent="0" lvl="0" marL="0" rtl="0" algn="ctr">
+            <a:pPr marL="0" lvl="0" indent="0" algn="ctr" rtl="0">
               <a:spcBef>
                 <a:spcPts val="0"/>
               </a:spcBef>
@@ -9136,7 +9261,7 @@
             <a:noFill/>
           </a:ln>
           <a:effectLst>
-            <a:outerShdw blurRad="57150" rotWithShape="0" algn="bl" dir="5400000" dist="19050">
+            <a:outerShdw blurRad="57150" dist="19050" dir="5400000" algn="bl" rotWithShape="0">
               <a:srgbClr val="5D9FE6">
                 <a:alpha val="50000"/>
               </a:srgbClr>
@@ -9171,7 +9296,7 @@
             <a:noFill/>
           </a:ln>
           <a:effectLst>
-            <a:outerShdw blurRad="57150" rotWithShape="0" algn="bl" dir="5400000" dist="19050">
+            <a:outerShdw blurRad="57150" dist="19050" dir="5400000" algn="bl" rotWithShape="0">
               <a:srgbClr val="EA9999">
                 <a:alpha val="50000"/>
               </a:srgbClr>
@@ -9197,76 +9322,48 @@
           <a:ln>
             <a:noFill/>
           </a:ln>
-          <a:effectLst>
-            <a:reflection blurRad="0" dir="5400000" dist="38100" endA="0" fadeDir="5400012" kx="0" rotWithShape="0" algn="bl" stPos="0" sy="-100000" ky="0"/>
-          </a:effectLst>
         </p:spPr>
         <p:txBody>
-          <a:bodyPr anchorCtr="0" anchor="t" bIns="91425" lIns="91425" spcFirstLastPara="1" rIns="91425" wrap="square" tIns="91425">
+          <a:bodyPr spcFirstLastPara="1" wrap="square" lIns="91425" tIns="91425" rIns="91425" bIns="91425" anchor="t" anchorCtr="0">
             <a:spAutoFit/>
           </a:bodyPr>
-          <a:lstStyle/>
-          <a:p>
-            <a:pPr indent="0" lvl="0" marL="0" rtl="0" algn="l">
-              <a:spcBef>
-                <a:spcPts val="0"/>
-              </a:spcBef>
-              <a:spcAft>
-                <a:spcPts val="0"/>
-              </a:spcAft>
-              <a:buNone/>
-            </a:pPr>
-            <a:r>
-              <a:rPr lang="en" sz="1050">
+          <a:lstStyle>
+            <a:defPPr marR="0" lvl="0" algn="l" rtl="0">
+              <a:lnSpc>
+                <a:spcPct val="100000"/>
+              </a:lnSpc>
+              <a:spcBef>
+                <a:spcPts val="0"/>
+              </a:spcBef>
+              <a:spcAft>
+                <a:spcPts val="0"/>
+              </a:spcAft>
+            </a:defPPr>
+            <a:lvl1pPr marL="0" indent="0">
+              <a:buNone/>
+              <a:defRPr sz="1050">
                 <a:solidFill>
                   <a:schemeClr val="dk2"/>
                 </a:solidFill>
                 <a:highlight>
                   <a:srgbClr val="FFFFFF"/>
                 </a:highlight>
-              </a:rPr>
+              </a:defRPr>
+            </a:lvl1pPr>
+          </a:lstStyle>
+          <a:p>
+            <a:r>
+              <a:rPr lang="en"/>
               <a:t>r-value: 0.3985299032145992</a:t>
             </a:r>
-            <a:endParaRPr sz="1050">
-              <a:solidFill>
-                <a:schemeClr val="dk2"/>
-              </a:solidFill>
-              <a:highlight>
-                <a:srgbClr val="FFFFFF"/>
-              </a:highlight>
-            </a:endParaRPr>
+            <a:endParaRPr/>
           </a:p>
           <a:p>
-            <a:pPr indent="0" lvl="0" marL="0" rtl="0" algn="l">
-              <a:lnSpc>
-                <a:spcPct val="115000"/>
-              </a:lnSpc>
-              <a:spcBef>
-                <a:spcPts val="0"/>
-              </a:spcBef>
-              <a:spcAft>
-                <a:spcPts val="0"/>
-              </a:spcAft>
-              <a:buNone/>
-            </a:pPr>
             <a:r>
-              <a:rPr lang="en" sz="1050">
-                <a:solidFill>
-                  <a:schemeClr val="dk2"/>
-                </a:solidFill>
-                <a:highlight>
-                  <a:srgbClr val="FFFFFF"/>
-                </a:highlight>
-              </a:rPr>
+              <a:rPr lang="en"/>
               <a:t>p-value: 3.994740537525192e-18</a:t>
             </a:r>
             <a:endParaRPr>
-              <a:solidFill>
-                <a:schemeClr val="dk2"/>
-              </a:solidFill>
-              <a:latin typeface="Lato"/>
-              <a:ea typeface="Lato"/>
-              <a:cs typeface="Lato"/>
               <a:sym typeface="Lato"/>
             </a:endParaRPr>
           </a:p>
@@ -9292,12 +9389,12 @@
           </a:ln>
         </p:spPr>
         <p:txBody>
-          <a:bodyPr anchorCtr="0" anchor="t" bIns="91425" lIns="91425" spcFirstLastPara="1" rIns="91425" wrap="square" tIns="91425">
+          <a:bodyPr spcFirstLastPara="1" wrap="square" lIns="91425" tIns="91425" rIns="91425" bIns="91425" anchor="t" anchorCtr="0">
             <a:spAutoFit/>
           </a:bodyPr>
           <a:lstStyle/>
           <a:p>
-            <a:pPr indent="0" lvl="0" marL="0" rtl="0" algn="l">
+            <a:pPr marL="0" lvl="0" indent="0" algn="l" rtl="0">
               <a:spcBef>
                 <a:spcPts val="0"/>
               </a:spcBef>
@@ -9315,18 +9412,7 @@
                   <a:srgbClr val="FFFFFF"/>
                 </a:highlight>
               </a:rPr>
-              <a:t>r</a:t>
-            </a:r>
-            <a:r>
-              <a:rPr lang="en" sz="1050">
-                <a:solidFill>
-                  <a:schemeClr val="dk2"/>
-                </a:solidFill>
-                <a:highlight>
-                  <a:srgbClr val="FFFFFF"/>
-                </a:highlight>
-              </a:rPr>
-              <a:t>-value: 0.3026494206922508</a:t>
+              <a:t>r-value: 0.3026494206922508</a:t>
             </a:r>
             <a:endParaRPr sz="1050">
               <a:solidFill>
@@ -9338,7 +9424,7 @@
             </a:endParaRPr>
           </a:p>
           <a:p>
-            <a:pPr indent="0" lvl="0" marL="0" rtl="0" algn="l">
+            <a:pPr marL="0" lvl="0" indent="0" algn="l" rtl="0">
               <a:lnSpc>
                 <a:spcPct val="115000"/>
               </a:lnSpc>
@@ -9381,11 +9467,11 @@
 </file>
 
 <file path=ppt/slides/slide13.xml><?xml version="1.0" encoding="utf-8"?>
-<p:sld xmlns:a="http://schemas.openxmlformats.org/drawingml/2006/main" xmlns:r="http://schemas.openxmlformats.org/officeDocument/2006/relationships" xmlns:mc="http://schemas.openxmlformats.org/markup-compatibility/2006" xmlns:mv="urn:schemas-microsoft-com:mac:vml" xmlns:p="http://schemas.openxmlformats.org/presentationml/2006/main" xmlns:c="http://schemas.openxmlformats.org/drawingml/2006/chart" xmlns:dgm="http://schemas.openxmlformats.org/drawingml/2006/diagram" xmlns:o="urn:schemas-microsoft-com:office:office" xmlns:v="urn:schemas-microsoft-com:vml" xmlns:pvml="urn:schemas-microsoft-com:office:powerpoint" xmlns:com="http://schemas.openxmlformats.org/drawingml/2006/compatibility" xmlns:p14="http://schemas.microsoft.com/office/powerpoint/2010/main" xmlns:p15="http://schemas.microsoft.com/office/powerpoint/2012/main" xmlns:ahyp="http://schemas.microsoft.com/office/drawing/2018/hyperlinkcolor">
+<p:sld xmlns:a="http://schemas.openxmlformats.org/drawingml/2006/main" xmlns:r="http://schemas.openxmlformats.org/officeDocument/2006/relationships" xmlns:p="http://schemas.openxmlformats.org/presentationml/2006/main">
   <p:cSld>
     <p:spTree>
       <p:nvGrpSpPr>
-        <p:cNvPr id="220" name="Shape 220"/>
+        <p:cNvPr id="1" name="Shape 220"/>
         <p:cNvGrpSpPr/>
         <p:nvPr/>
       </p:nvGrpSpPr>
@@ -9400,7 +9486,9 @@
       <p:sp>
         <p:nvSpPr>
           <p:cNvPr id="221" name="Google Shape;221;p25"/>
-          <p:cNvSpPr txBox="1"/>
+          <p:cNvSpPr txBox="1">
+            <a:spLocks noGrp="1"/>
+          </p:cNvSpPr>
           <p:nvPr>
             <p:ph type="title"/>
           </p:nvPr>
@@ -9414,7 +9502,7 @@
             <a:avLst/>
           </a:prstGeom>
           <a:effectLst>
-            <a:outerShdw blurRad="57150" rotWithShape="0" algn="bl" dir="5400000" dist="19050">
+            <a:outerShdw blurRad="57150" dist="19050" dir="5400000" algn="bl" rotWithShape="0">
               <a:srgbClr val="741B47">
                 <a:alpha val="50000"/>
               </a:srgbClr>
@@ -9422,12 +9510,12 @@
           </a:effectLst>
         </p:spPr>
         <p:txBody>
-          <a:bodyPr anchorCtr="0" anchor="t" bIns="91425" lIns="91425" spcFirstLastPara="1" rIns="91425" wrap="square" tIns="91425">
+          <a:bodyPr spcFirstLastPara="1" wrap="square" lIns="91425" tIns="91425" rIns="91425" bIns="91425" anchor="t" anchorCtr="0">
             <a:normAutofit fontScale="90000"/>
           </a:bodyPr>
           <a:lstStyle/>
           <a:p>
-            <a:pPr indent="0" lvl="0" marL="0" rtl="0" algn="ctr">
+            <a:pPr marL="0" lvl="0" indent="0" algn="ctr" rtl="0">
               <a:spcBef>
                 <a:spcPts val="0"/>
               </a:spcBef>
@@ -9447,9 +9535,11 @@
       <p:sp>
         <p:nvSpPr>
           <p:cNvPr id="222" name="Google Shape;222;p25"/>
-          <p:cNvSpPr txBox="1"/>
+          <p:cNvSpPr txBox="1">
+            <a:spLocks noGrp="1"/>
+          </p:cNvSpPr>
           <p:nvPr>
-            <p:ph idx="1" type="body"/>
+            <p:ph type="body" idx="1"/>
           </p:nvPr>
         </p:nvSpPr>
         <p:spPr>
@@ -9462,12 +9552,12 @@
           </a:prstGeom>
         </p:spPr>
         <p:txBody>
-          <a:bodyPr anchorCtr="0" anchor="t" bIns="91425" lIns="91425" spcFirstLastPara="1" rIns="91425" wrap="square" tIns="91425">
+          <a:bodyPr spcFirstLastPara="1" wrap="square" lIns="91425" tIns="91425" rIns="91425" bIns="91425" anchor="t" anchorCtr="0">
             <a:normAutofit lnSpcReduction="10000"/>
           </a:bodyPr>
           <a:lstStyle/>
           <a:p>
-            <a:pPr indent="-311150" lvl="0" marL="457200" rtl="0" algn="l">
+            <a:pPr marL="457200" lvl="0" indent="-311150" algn="l" rtl="0">
               <a:spcBef>
                 <a:spcPts val="0"/>
               </a:spcBef>
@@ -9484,7 +9574,7 @@
             <a:endParaRPr/>
           </a:p>
           <a:p>
-            <a:pPr indent="-298450" lvl="1" marL="914400" rtl="0" algn="l">
+            <a:pPr marL="914400" lvl="1" indent="-298450" algn="l" rtl="0">
               <a:spcBef>
                 <a:spcPts val="0"/>
               </a:spcBef>
@@ -9501,7 +9591,7 @@
             <a:endParaRPr/>
           </a:p>
           <a:p>
-            <a:pPr indent="-298450" lvl="1" marL="914400" rtl="0" algn="l">
+            <a:pPr marL="914400" lvl="1" indent="-298450" algn="l" rtl="0">
               <a:spcBef>
                 <a:spcPts val="0"/>
               </a:spcBef>
@@ -9518,7 +9608,7 @@
             <a:endParaRPr/>
           </a:p>
           <a:p>
-            <a:pPr indent="-298450" lvl="1" marL="914400" rtl="0" algn="l">
+            <a:pPr marL="914400" lvl="1" indent="-298450" algn="l" rtl="0">
               <a:spcBef>
                 <a:spcPts val="0"/>
               </a:spcBef>
@@ -9535,7 +9625,7 @@
             <a:endParaRPr sz="1100"/>
           </a:p>
           <a:p>
-            <a:pPr indent="-311150" lvl="0" marL="457200" rtl="0" algn="l">
+            <a:pPr marL="457200" lvl="0" indent="-311150" algn="l" rtl="0">
               <a:spcBef>
                 <a:spcPts val="0"/>
               </a:spcBef>
@@ -9552,7 +9642,7 @@
             <a:endParaRPr/>
           </a:p>
           <a:p>
-            <a:pPr indent="-298450" lvl="1" marL="914400" rtl="0" algn="l">
+            <a:pPr marL="914400" lvl="1" indent="-298450" algn="l" rtl="0">
               <a:spcBef>
                 <a:spcPts val="0"/>
               </a:spcBef>
@@ -9569,7 +9659,7 @@
             <a:endParaRPr/>
           </a:p>
           <a:p>
-            <a:pPr indent="-298450" lvl="1" marL="914400" rtl="0" algn="l">
+            <a:pPr marL="914400" lvl="1" indent="-298450" algn="l" rtl="0">
               <a:spcBef>
                 <a:spcPts val="0"/>
               </a:spcBef>
@@ -9586,7 +9676,7 @@
             <a:endParaRPr/>
           </a:p>
           <a:p>
-            <a:pPr indent="-298450" lvl="1" marL="914400" rtl="0" algn="l">
+            <a:pPr marL="914400" lvl="1" indent="-298450" algn="l" rtl="0">
               <a:spcBef>
                 <a:spcPts val="0"/>
               </a:spcBef>
@@ -9603,7 +9693,7 @@
             <a:endParaRPr/>
           </a:p>
           <a:p>
-            <a:pPr indent="-298450" lvl="1" marL="914400" rtl="0" algn="l">
+            <a:pPr marL="914400" lvl="1" indent="-298450" algn="l" rtl="0">
               <a:spcBef>
                 <a:spcPts val="0"/>
               </a:spcBef>
@@ -9615,20 +9705,12 @@
             </a:pPr>
             <a:r>
               <a:rPr lang="en"/>
-              <a:t>Demographics: age, gender, </a:t>
-            </a:r>
-            <a:r>
-              <a:rPr lang="en"/>
-              <a:t>socioeconomic</a:t>
-            </a:r>
-            <a:r>
-              <a:rPr lang="en"/>
-              <a:t> status, etc</a:t>
+              <a:t>Demographics: age, gender, socioeconomic status, etc</a:t>
             </a:r>
             <a:endParaRPr/>
           </a:p>
           <a:p>
-            <a:pPr indent="0" lvl="0" marL="457200" rtl="0" algn="l">
+            <a:pPr marL="457200" lvl="0" indent="0" algn="l" rtl="0">
               <a:spcBef>
                 <a:spcPts val="1200"/>
               </a:spcBef>
@@ -9637,9 +9719,6 @@
               </a:spcAft>
               <a:buNone/>
             </a:pPr>
-            <a:r>
-              <a:t/>
-            </a:r>
             <a:endParaRPr/>
           </a:p>
         </p:txBody>
@@ -9653,11 +9732,11 @@
 </file>
 
 <file path=ppt/slides/slide2.xml><?xml version="1.0" encoding="utf-8"?>
-<p:sld xmlns:a="http://schemas.openxmlformats.org/drawingml/2006/main" xmlns:r="http://schemas.openxmlformats.org/officeDocument/2006/relationships" xmlns:mc="http://schemas.openxmlformats.org/markup-compatibility/2006" xmlns:mv="urn:schemas-microsoft-com:mac:vml" xmlns:p="http://schemas.openxmlformats.org/presentationml/2006/main" xmlns:c="http://schemas.openxmlformats.org/drawingml/2006/chart" xmlns:dgm="http://schemas.openxmlformats.org/drawingml/2006/diagram" xmlns:o="urn:schemas-microsoft-com:office:office" xmlns:v="urn:schemas-microsoft-com:vml" xmlns:pvml="urn:schemas-microsoft-com:office:powerpoint" xmlns:com="http://schemas.openxmlformats.org/drawingml/2006/compatibility" xmlns:p14="http://schemas.microsoft.com/office/powerpoint/2010/main" xmlns:p15="http://schemas.microsoft.com/office/powerpoint/2012/main" xmlns:ahyp="http://schemas.microsoft.com/office/drawing/2018/hyperlinkcolor">
+<p:sld xmlns:a="http://schemas.openxmlformats.org/drawingml/2006/main" xmlns:r="http://schemas.openxmlformats.org/officeDocument/2006/relationships" xmlns:p="http://schemas.openxmlformats.org/presentationml/2006/main">
   <p:cSld>
     <p:spTree>
       <p:nvGrpSpPr>
-        <p:cNvPr id="91" name="Shape 91"/>
+        <p:cNvPr id="1" name="Shape 91"/>
         <p:cNvGrpSpPr/>
         <p:nvPr/>
       </p:nvGrpSpPr>
@@ -9672,7 +9751,9 @@
       <p:sp>
         <p:nvSpPr>
           <p:cNvPr id="92" name="Google Shape;92;p14"/>
-          <p:cNvSpPr txBox="1"/>
+          <p:cNvSpPr txBox="1">
+            <a:spLocks noGrp="1"/>
+          </p:cNvSpPr>
           <p:nvPr>
             <p:ph type="title"/>
           </p:nvPr>
@@ -9686,7 +9767,7 @@
             <a:avLst/>
           </a:prstGeom>
           <a:effectLst>
-            <a:outerShdw blurRad="57150" rotWithShape="0" algn="bl" dir="5400000" dist="19050">
+            <a:outerShdw blurRad="57150" dist="19050" dir="5400000" algn="bl" rotWithShape="0">
               <a:srgbClr val="FF0000">
                 <a:alpha val="50000"/>
               </a:srgbClr>
@@ -9694,12 +9775,12 @@
           </a:effectLst>
         </p:spPr>
         <p:txBody>
-          <a:bodyPr anchorCtr="0" anchor="t" bIns="91425" lIns="91425" spcFirstLastPara="1" rIns="91425" wrap="square" tIns="91425">
+          <a:bodyPr spcFirstLastPara="1" wrap="square" lIns="91425" tIns="91425" rIns="91425" bIns="91425" anchor="t" anchorCtr="0">
             <a:normAutofit fontScale="90000"/>
           </a:bodyPr>
           <a:lstStyle/>
           <a:p>
-            <a:pPr indent="0" lvl="0" marL="0" rtl="0" algn="l">
+            <a:pPr marL="0" lvl="0" indent="0" algn="l" rtl="0">
               <a:spcBef>
                 <a:spcPts val="0"/>
               </a:spcBef>
@@ -9719,9 +9800,11 @@
       <p:sp>
         <p:nvSpPr>
           <p:cNvPr id="93" name="Google Shape;93;p14"/>
-          <p:cNvSpPr txBox="1"/>
+          <p:cNvSpPr txBox="1">
+            <a:spLocks noGrp="1"/>
+          </p:cNvSpPr>
           <p:nvPr>
-            <p:ph idx="1" type="body"/>
+            <p:ph type="body" idx="1"/>
           </p:nvPr>
         </p:nvSpPr>
         <p:spPr>
@@ -9734,12 +9817,12 @@
           </a:prstGeom>
         </p:spPr>
         <p:txBody>
-          <a:bodyPr anchorCtr="0" anchor="t" bIns="91425" lIns="91425" spcFirstLastPara="1" rIns="91425" wrap="square" tIns="91425">
+          <a:bodyPr spcFirstLastPara="1" wrap="square" lIns="91425" tIns="91425" rIns="91425" bIns="91425" anchor="t" anchorCtr="0">
             <a:normAutofit/>
           </a:bodyPr>
           <a:lstStyle/>
           <a:p>
-            <a:pPr indent="0" lvl="0" marL="0" rtl="0" algn="l">
+            <a:pPr marL="0" lvl="0" indent="0" algn="l" rtl="0">
               <a:spcBef>
                 <a:spcPts val="0"/>
               </a:spcBef>
@@ -9775,7 +9858,7 @@
             <a:noFill/>
           </a:ln>
           <a:effectLst>
-            <a:outerShdw blurRad="57150" rotWithShape="0" algn="bl" dir="5400000" dist="19050">
+            <a:outerShdw blurRad="57150" dist="19050" dir="5400000" algn="bl" rotWithShape="0">
               <a:srgbClr val="FF0000">
                 <a:alpha val="50000"/>
               </a:srgbClr>
@@ -9783,12 +9866,12 @@
           </a:effectLst>
         </p:spPr>
         <p:txBody>
-          <a:bodyPr anchorCtr="0" anchor="t" bIns="91425" lIns="91425" spcFirstLastPara="1" rIns="91425" wrap="square" tIns="91425">
+          <a:bodyPr spcFirstLastPara="1" wrap="square" lIns="91425" tIns="91425" rIns="91425" bIns="91425" anchor="t" anchorCtr="0">
             <a:spAutoFit/>
           </a:bodyPr>
           <a:lstStyle/>
           <a:p>
-            <a:pPr indent="0" lvl="0" marL="0" rtl="0" algn="l">
+            <a:pPr marL="0" lvl="0" indent="0" algn="l" rtl="0">
               <a:spcBef>
                 <a:spcPts val="0"/>
               </a:spcBef>
@@ -9798,7 +9881,7 @@
               <a:buNone/>
             </a:pPr>
             <a:r>
-              <a:rPr b="1" lang="en" sz="2600">
+              <a:rPr lang="en" sz="2600" b="1">
                 <a:solidFill>
                   <a:schemeClr val="dk2"/>
                 </a:solidFill>
@@ -9827,11 +9910,11 @@
 </file>
 
 <file path=ppt/slides/slide3.xml><?xml version="1.0" encoding="utf-8"?>
-<p:sld xmlns:a="http://schemas.openxmlformats.org/drawingml/2006/main" xmlns:r="http://schemas.openxmlformats.org/officeDocument/2006/relationships" xmlns:mc="http://schemas.openxmlformats.org/markup-compatibility/2006" xmlns:mv="urn:schemas-microsoft-com:mac:vml" xmlns:p="http://schemas.openxmlformats.org/presentationml/2006/main" xmlns:c="http://schemas.openxmlformats.org/drawingml/2006/chart" xmlns:dgm="http://schemas.openxmlformats.org/drawingml/2006/diagram" xmlns:o="urn:schemas-microsoft-com:office:office" xmlns:v="urn:schemas-microsoft-com:vml" xmlns:pvml="urn:schemas-microsoft-com:office:powerpoint" xmlns:com="http://schemas.openxmlformats.org/drawingml/2006/compatibility" xmlns:p14="http://schemas.microsoft.com/office/powerpoint/2010/main" xmlns:p15="http://schemas.microsoft.com/office/powerpoint/2012/main" xmlns:ahyp="http://schemas.microsoft.com/office/drawing/2018/hyperlinkcolor">
+<p:sld xmlns:a="http://schemas.openxmlformats.org/drawingml/2006/main" xmlns:r="http://schemas.openxmlformats.org/officeDocument/2006/relationships" xmlns:p="http://schemas.openxmlformats.org/presentationml/2006/main">
   <p:cSld>
     <p:spTree>
       <p:nvGrpSpPr>
-        <p:cNvPr id="98" name="Shape 98"/>
+        <p:cNvPr id="1" name="Shape 98"/>
         <p:cNvGrpSpPr/>
         <p:nvPr/>
       </p:nvGrpSpPr>
@@ -9893,12 +9976,12 @@
               </a:ln>
             </p:spPr>
             <p:txBody>
-              <a:bodyPr anchorCtr="0" anchor="ctr" bIns="91425" lIns="91425" spcFirstLastPara="1" rIns="91425" wrap="square" tIns="91425">
+              <a:bodyPr spcFirstLastPara="1" wrap="square" lIns="91425" tIns="91425" rIns="91425" bIns="91425" anchor="ctr" anchorCtr="0">
                 <a:noAutofit/>
               </a:bodyPr>
               <a:lstStyle/>
               <a:p>
-                <a:pPr indent="0" lvl="0" marL="0" rtl="0" algn="l">
+                <a:pPr marL="0" lvl="0" indent="0" algn="l" rtl="0">
                   <a:spcBef>
                     <a:spcPts val="0"/>
                   </a:spcBef>
@@ -9907,9 +9990,6 @@
                   </a:spcAft>
                   <a:buNone/>
                 </a:pPr>
-                <a:r>
-                  <a:t/>
-                </a:r>
                 <a:endParaRPr/>
               </a:p>
             </p:txBody>
@@ -9936,12 +10016,12 @@
               </a:ln>
             </p:spPr>
             <p:txBody>
-              <a:bodyPr anchorCtr="0" anchor="ctr" bIns="91425" lIns="91425" spcFirstLastPara="1" rIns="91425" wrap="square" tIns="91425">
+              <a:bodyPr spcFirstLastPara="1" wrap="square" lIns="91425" tIns="91425" rIns="91425" bIns="91425" anchor="ctr" anchorCtr="0">
                 <a:noAutofit/>
               </a:bodyPr>
               <a:lstStyle/>
               <a:p>
-                <a:pPr indent="0" lvl="0" marL="0" rtl="0" algn="l">
+                <a:pPr marL="0" lvl="0" indent="0" algn="l" rtl="0">
                   <a:spcBef>
                     <a:spcPts val="0"/>
                   </a:spcBef>
@@ -9950,9 +10030,6 @@
                   </a:spcAft>
                   <a:buNone/>
                 </a:pPr>
-                <a:r>
-                  <a:t/>
-                </a:r>
                 <a:endParaRPr/>
               </a:p>
             </p:txBody>
@@ -9978,12 +10055,12 @@
             </a:ln>
           </p:spPr>
           <p:txBody>
-            <a:bodyPr anchorCtr="0" anchor="t" bIns="91425" lIns="91425" spcFirstLastPara="1" rIns="91425" wrap="square" tIns="91425">
+            <a:bodyPr spcFirstLastPara="1" wrap="square" lIns="91425" tIns="91425" rIns="91425" bIns="91425" anchor="t" anchorCtr="0">
               <a:noAutofit/>
             </a:bodyPr>
             <a:lstStyle/>
             <a:p>
-              <a:pPr indent="0" lvl="0" marL="0" rtl="0" algn="l">
+              <a:pPr marL="0" lvl="0" indent="0" algn="l" rtl="0">
                 <a:spcBef>
                   <a:spcPts val="0"/>
                 </a:spcBef>
@@ -9993,7 +10070,7 @@
                 <a:buNone/>
               </a:pPr>
               <a:r>
-                <a:rPr b="1" lang="en" sz="1100">
+                <a:rPr lang="en" sz="1100" b="1">
                   <a:solidFill>
                     <a:srgbClr val="5E5E5E"/>
                   </a:solidFill>
@@ -10004,7 +10081,7 @@
                 </a:rPr>
                 <a:t>Analyze and Report Results</a:t>
               </a:r>
-              <a:endParaRPr b="1" sz="1100">
+              <a:endParaRPr sz="1100" b="1">
                 <a:solidFill>
                   <a:srgbClr val="5E5E5E"/>
                 </a:solidFill>
@@ -10036,12 +10113,12 @@
             </a:ln>
           </p:spPr>
           <p:txBody>
-            <a:bodyPr anchorCtr="0" anchor="t" bIns="91425" lIns="91425" spcFirstLastPara="1" rIns="91425" wrap="square" tIns="91425">
+            <a:bodyPr spcFirstLastPara="1" wrap="square" lIns="91425" tIns="91425" rIns="91425" bIns="91425" anchor="t" anchorCtr="0">
               <a:noAutofit/>
             </a:bodyPr>
             <a:lstStyle/>
             <a:p>
-              <a:pPr indent="0" lvl="0" marL="0" rtl="0" algn="l">
+              <a:pPr marL="0" lvl="0" indent="0" algn="l" rtl="0">
                 <a:lnSpc>
                   <a:spcPct val="115000"/>
                 </a:lnSpc>
@@ -10063,19 +10140,7 @@
                   <a:cs typeface="Roboto"/>
                   <a:sym typeface="Roboto"/>
                 </a:rPr>
-                <a:t>~2-6 months: Analyze and develop online report.</a:t>
-              </a:r>
-              <a:r>
-                <a:rPr lang="en" sz="800">
-                  <a:solidFill>
-                    <a:srgbClr val="5E5E5E"/>
-                  </a:solidFill>
-                  <a:latin typeface="Roboto"/>
-                  <a:ea typeface="Roboto"/>
-                  <a:cs typeface="Roboto"/>
-                  <a:sym typeface="Roboto"/>
-                </a:rPr>
-                <a:t> </a:t>
+                <a:t>~2-6 months: Analyze and develop online report. </a:t>
               </a:r>
               <a:endParaRPr sz="800">
                 <a:solidFill>
@@ -10109,12 +10174,12 @@
             </a:ln>
           </p:spPr>
           <p:txBody>
-            <a:bodyPr anchorCtr="0" anchor="t" bIns="91425" lIns="91425" spcFirstLastPara="1" rIns="91425" wrap="square" tIns="91425">
+            <a:bodyPr spcFirstLastPara="1" wrap="square" lIns="91425" tIns="91425" rIns="91425" bIns="91425" anchor="t" anchorCtr="0">
               <a:noAutofit/>
             </a:bodyPr>
             <a:lstStyle/>
             <a:p>
-              <a:pPr indent="0" lvl="0" marL="0" rtl="0" algn="l">
+              <a:pPr marL="0" lvl="0" indent="0" algn="l" rtl="0">
                 <a:lnSpc>
                   <a:spcPct val="115000"/>
                 </a:lnSpc>
@@ -10201,12 +10266,12 @@
               </a:ln>
             </p:spPr>
             <p:txBody>
-              <a:bodyPr anchorCtr="0" anchor="ctr" bIns="91425" lIns="91425" spcFirstLastPara="1" rIns="91425" wrap="square" tIns="91425">
+              <a:bodyPr spcFirstLastPara="1" wrap="square" lIns="91425" tIns="91425" rIns="91425" bIns="91425" anchor="ctr" anchorCtr="0">
                 <a:noAutofit/>
               </a:bodyPr>
               <a:lstStyle/>
               <a:p>
-                <a:pPr indent="0" lvl="0" marL="0" rtl="0" algn="l">
+                <a:pPr marL="0" lvl="0" indent="0" algn="l" rtl="0">
                   <a:spcBef>
                     <a:spcPts val="0"/>
                   </a:spcBef>
@@ -10215,9 +10280,6 @@
                   </a:spcAft>
                   <a:buNone/>
                 </a:pPr>
-                <a:r>
-                  <a:t/>
-                </a:r>
                 <a:endParaRPr/>
               </a:p>
             </p:txBody>
@@ -10244,12 +10306,12 @@
               </a:ln>
             </p:spPr>
             <p:txBody>
-              <a:bodyPr anchorCtr="0" anchor="ctr" bIns="91425" lIns="91425" spcFirstLastPara="1" rIns="91425" wrap="square" tIns="91425">
+              <a:bodyPr spcFirstLastPara="1" wrap="square" lIns="91425" tIns="91425" rIns="91425" bIns="91425" anchor="ctr" anchorCtr="0">
                 <a:noAutofit/>
               </a:bodyPr>
               <a:lstStyle/>
               <a:p>
-                <a:pPr indent="0" lvl="0" marL="0" rtl="0" algn="l">
+                <a:pPr marL="0" lvl="0" indent="0" algn="l" rtl="0">
                   <a:spcBef>
                     <a:spcPts val="0"/>
                   </a:spcBef>
@@ -10258,9 +10320,6 @@
                   </a:spcAft>
                   <a:buNone/>
                 </a:pPr>
-                <a:r>
-                  <a:t/>
-                </a:r>
                 <a:endParaRPr/>
               </a:p>
             </p:txBody>
@@ -10281,14 +10340,14 @@
               <a:avLst/>
             </a:prstGeom>
             <a:noFill/>
-            <a:ln cap="flat" cmpd="sng" w="9525">
+            <a:ln w="9525" cap="flat" cmpd="sng">
               <a:solidFill>
                 <a:srgbClr val="D9D9D9"/>
               </a:solidFill>
               <a:prstDash val="dot"/>
               <a:round/>
-              <a:headEnd len="sm" w="sm" type="none"/>
-              <a:tailEnd len="sm" w="sm" type="none"/>
+              <a:headEnd type="none" w="sm" len="sm"/>
+              <a:tailEnd type="none" w="sm" len="sm"/>
             </a:ln>
           </p:spPr>
         </p:cxnSp>
@@ -10312,12 +10371,12 @@
             </a:ln>
           </p:spPr>
           <p:txBody>
-            <a:bodyPr anchorCtr="0" anchor="t" bIns="91425" lIns="91425" spcFirstLastPara="1" rIns="91425" wrap="square" tIns="91425">
+            <a:bodyPr spcFirstLastPara="1" wrap="square" lIns="91425" tIns="91425" rIns="91425" bIns="91425" anchor="t" anchorCtr="0">
               <a:noAutofit/>
             </a:bodyPr>
             <a:lstStyle/>
             <a:p>
-              <a:pPr indent="0" lvl="0" marL="0" rtl="0" algn="l">
+              <a:pPr marL="0" lvl="0" indent="0" algn="l" rtl="0">
                 <a:spcBef>
                   <a:spcPts val="0"/>
                 </a:spcBef>
@@ -10327,7 +10386,7 @@
                 <a:buNone/>
               </a:pPr>
               <a:r>
-                <a:rPr b="1" lang="en" sz="1100">
+                <a:rPr lang="en" sz="1100" b="1">
                   <a:solidFill>
                     <a:srgbClr val="5E5E5E"/>
                   </a:solidFill>
@@ -10338,7 +10397,7 @@
                 </a:rPr>
                 <a:t>Score the Assessment</a:t>
               </a:r>
-              <a:endParaRPr b="1" sz="1100">
+              <a:endParaRPr sz="1100" b="1">
                 <a:solidFill>
                   <a:srgbClr val="5E5E5E"/>
                 </a:solidFill>
@@ -10370,12 +10429,12 @@
             </a:ln>
           </p:spPr>
           <p:txBody>
-            <a:bodyPr anchorCtr="0" anchor="t" bIns="91425" lIns="91425" spcFirstLastPara="1" rIns="91425" wrap="square" tIns="91425">
+            <a:bodyPr spcFirstLastPara="1" wrap="square" lIns="91425" tIns="91425" rIns="91425" bIns="91425" anchor="t" anchorCtr="0">
               <a:noAutofit/>
             </a:bodyPr>
             <a:lstStyle/>
             <a:p>
-              <a:pPr indent="0" lvl="0" marL="0" rtl="0" algn="l">
+              <a:pPr marL="0" lvl="0" indent="0" algn="l" rtl="0">
                 <a:lnSpc>
                   <a:spcPct val="115000"/>
                 </a:lnSpc>
@@ -10431,12 +10490,12 @@
             </a:ln>
           </p:spPr>
           <p:txBody>
-            <a:bodyPr anchorCtr="0" anchor="t" bIns="91425" lIns="91425" spcFirstLastPara="1" rIns="91425" wrap="square" tIns="91425">
+            <a:bodyPr spcFirstLastPara="1" wrap="square" lIns="91425" tIns="91425" rIns="91425" bIns="91425" anchor="t" anchorCtr="0">
               <a:noAutofit/>
             </a:bodyPr>
             <a:lstStyle/>
             <a:p>
-              <a:pPr indent="0" lvl="0" marL="0" rtl="0" algn="l">
+              <a:pPr marL="0" lvl="0" indent="0" algn="l" rtl="0">
                 <a:lnSpc>
                   <a:spcPct val="115000"/>
                 </a:lnSpc>
@@ -10523,12 +10582,12 @@
               </a:ln>
             </p:spPr>
             <p:txBody>
-              <a:bodyPr anchorCtr="0" anchor="ctr" bIns="91425" lIns="91425" spcFirstLastPara="1" rIns="91425" wrap="square" tIns="91425">
+              <a:bodyPr spcFirstLastPara="1" wrap="square" lIns="91425" tIns="91425" rIns="91425" bIns="91425" anchor="ctr" anchorCtr="0">
                 <a:noAutofit/>
               </a:bodyPr>
               <a:lstStyle/>
               <a:p>
-                <a:pPr indent="0" lvl="0" marL="0" rtl="0" algn="l">
+                <a:pPr marL="0" lvl="0" indent="0" algn="l" rtl="0">
                   <a:spcBef>
                     <a:spcPts val="0"/>
                   </a:spcBef>
@@ -10537,9 +10596,6 @@
                   </a:spcAft>
                   <a:buNone/>
                 </a:pPr>
-                <a:r>
-                  <a:t/>
-                </a:r>
                 <a:endParaRPr/>
               </a:p>
             </p:txBody>
@@ -10566,12 +10622,12 @@
               </a:ln>
             </p:spPr>
             <p:txBody>
-              <a:bodyPr anchorCtr="0" anchor="ctr" bIns="91425" lIns="91425" spcFirstLastPara="1" rIns="91425" wrap="square" tIns="91425">
+              <a:bodyPr spcFirstLastPara="1" wrap="square" lIns="91425" tIns="91425" rIns="91425" bIns="91425" anchor="ctr" anchorCtr="0">
                 <a:noAutofit/>
               </a:bodyPr>
               <a:lstStyle/>
               <a:p>
-                <a:pPr indent="0" lvl="0" marL="0" rtl="0" algn="l">
+                <a:pPr marL="0" lvl="0" indent="0" algn="l" rtl="0">
                   <a:spcBef>
                     <a:spcPts val="0"/>
                   </a:spcBef>
@@ -10580,9 +10636,6 @@
                   </a:spcAft>
                   <a:buNone/>
                 </a:pPr>
-                <a:r>
-                  <a:t/>
-                </a:r>
                 <a:endParaRPr/>
               </a:p>
             </p:txBody>
@@ -10603,14 +10656,14 @@
               <a:avLst/>
             </a:prstGeom>
             <a:noFill/>
-            <a:ln cap="flat" cmpd="sng" w="9525">
+            <a:ln w="9525" cap="flat" cmpd="sng">
               <a:solidFill>
                 <a:srgbClr val="D9D9D9"/>
               </a:solidFill>
               <a:prstDash val="dot"/>
               <a:round/>
-              <a:headEnd len="sm" w="sm" type="none"/>
-              <a:tailEnd len="sm" w="sm" type="none"/>
+              <a:headEnd type="none" w="sm" len="sm"/>
+              <a:tailEnd type="none" w="sm" len="sm"/>
             </a:ln>
           </p:spPr>
         </p:cxnSp>
@@ -10634,12 +10687,12 @@
             </a:ln>
           </p:spPr>
           <p:txBody>
-            <a:bodyPr anchorCtr="0" anchor="t" bIns="91425" lIns="91425" spcFirstLastPara="1" rIns="91425" wrap="square" tIns="91425">
+            <a:bodyPr spcFirstLastPara="1" wrap="square" lIns="91425" tIns="91425" rIns="91425" bIns="91425" anchor="t" anchorCtr="0">
               <a:noAutofit/>
             </a:bodyPr>
             <a:lstStyle/>
             <a:p>
-              <a:pPr indent="0" lvl="0" marL="0" rtl="0" algn="l">
+              <a:pPr marL="0" lvl="0" indent="0" algn="l" rtl="0">
                 <a:spcBef>
                   <a:spcPts val="0"/>
                 </a:spcBef>
@@ -10649,7 +10702,7 @@
                 <a:buNone/>
               </a:pPr>
               <a:r>
-                <a:rPr b="1" lang="en" sz="1100">
+                <a:rPr lang="en" sz="1100" b="1">
                   <a:solidFill>
                     <a:srgbClr val="5E5E5E"/>
                   </a:solidFill>
@@ -10660,7 +10713,7 @@
                 </a:rPr>
                 <a:t>Administer Assessment</a:t>
               </a:r>
-              <a:endParaRPr b="1" sz="1100">
+              <a:endParaRPr sz="1100" b="1">
                 <a:solidFill>
                   <a:srgbClr val="5E5E5E"/>
                 </a:solidFill>
@@ -10692,12 +10745,12 @@
             </a:ln>
           </p:spPr>
           <p:txBody>
-            <a:bodyPr anchorCtr="0" anchor="t" bIns="91425" lIns="91425" spcFirstLastPara="1" rIns="91425" wrap="square" tIns="91425">
+            <a:bodyPr spcFirstLastPara="1" wrap="square" lIns="91425" tIns="91425" rIns="91425" bIns="91425" anchor="t" anchorCtr="0">
               <a:noAutofit/>
             </a:bodyPr>
             <a:lstStyle/>
             <a:p>
-              <a:pPr indent="0" lvl="0" marL="0" rtl="0" algn="l">
+              <a:pPr marL="0" lvl="0" indent="0" algn="l" rtl="0">
                 <a:lnSpc>
                   <a:spcPct val="115000"/>
                 </a:lnSpc>
@@ -10753,12 +10806,12 @@
             </a:ln>
           </p:spPr>
           <p:txBody>
-            <a:bodyPr anchorCtr="0" anchor="t" bIns="91425" lIns="91425" spcFirstLastPara="1" rIns="91425" wrap="square" tIns="91425">
+            <a:bodyPr spcFirstLastPara="1" wrap="square" lIns="91425" tIns="91425" rIns="91425" bIns="91425" anchor="t" anchorCtr="0">
               <a:noAutofit/>
             </a:bodyPr>
             <a:lstStyle/>
             <a:p>
-              <a:pPr indent="0" lvl="0" marL="0" rtl="0" algn="l">
+              <a:pPr marL="0" lvl="0" indent="0" algn="l" rtl="0">
                 <a:lnSpc>
                   <a:spcPct val="115000"/>
                 </a:lnSpc>
@@ -10845,12 +10898,12 @@
               </a:ln>
             </p:spPr>
             <p:txBody>
-              <a:bodyPr anchorCtr="0" anchor="ctr" bIns="91425" lIns="91425" spcFirstLastPara="1" rIns="91425" wrap="square" tIns="91425">
+              <a:bodyPr spcFirstLastPara="1" wrap="square" lIns="91425" tIns="91425" rIns="91425" bIns="91425" anchor="ctr" anchorCtr="0">
                 <a:noAutofit/>
               </a:bodyPr>
               <a:lstStyle/>
               <a:p>
-                <a:pPr indent="0" lvl="0" marL="0" rtl="0" algn="l">
+                <a:pPr marL="0" lvl="0" indent="0" algn="l" rtl="0">
                   <a:spcBef>
                     <a:spcPts val="0"/>
                   </a:spcBef>
@@ -10859,9 +10912,6 @@
                   </a:spcAft>
                   <a:buNone/>
                 </a:pPr>
-                <a:r>
-                  <a:t/>
-                </a:r>
                 <a:endParaRPr/>
               </a:p>
             </p:txBody>
@@ -10888,12 +10938,12 @@
               </a:ln>
             </p:spPr>
             <p:txBody>
-              <a:bodyPr anchorCtr="0" anchor="ctr" bIns="91425" lIns="91425" spcFirstLastPara="1" rIns="91425" wrap="square" tIns="91425">
+              <a:bodyPr spcFirstLastPara="1" wrap="square" lIns="91425" tIns="91425" rIns="91425" bIns="91425" anchor="ctr" anchorCtr="0">
                 <a:noAutofit/>
               </a:bodyPr>
               <a:lstStyle/>
               <a:p>
-                <a:pPr indent="0" lvl="0" marL="0" rtl="0" algn="l">
+                <a:pPr marL="0" lvl="0" indent="0" algn="l" rtl="0">
                   <a:spcBef>
                     <a:spcPts val="0"/>
                   </a:spcBef>
@@ -10902,9 +10952,6 @@
                   </a:spcAft>
                   <a:buNone/>
                 </a:pPr>
-                <a:r>
-                  <a:t/>
-                </a:r>
                 <a:endParaRPr/>
               </a:p>
             </p:txBody>
@@ -10925,14 +10972,14 @@
               <a:avLst/>
             </a:prstGeom>
             <a:noFill/>
-            <a:ln cap="flat" cmpd="sng" w="9525">
+            <a:ln w="9525" cap="flat" cmpd="sng">
               <a:solidFill>
                 <a:srgbClr val="D9D9D9"/>
               </a:solidFill>
               <a:prstDash val="dot"/>
               <a:round/>
-              <a:headEnd len="sm" w="sm" type="none"/>
-              <a:tailEnd len="sm" w="sm" type="none"/>
+              <a:headEnd type="none" w="sm" len="sm"/>
+              <a:tailEnd type="none" w="sm" len="sm"/>
             </a:ln>
           </p:spPr>
         </p:cxnSp>
@@ -10956,12 +11003,12 @@
             </a:ln>
           </p:spPr>
           <p:txBody>
-            <a:bodyPr anchorCtr="0" anchor="t" bIns="91425" lIns="91425" spcFirstLastPara="1" rIns="91425" wrap="square" tIns="91425">
+            <a:bodyPr spcFirstLastPara="1" wrap="square" lIns="91425" tIns="91425" rIns="91425" bIns="91425" anchor="t" anchorCtr="0">
               <a:noAutofit/>
             </a:bodyPr>
             <a:lstStyle/>
             <a:p>
-              <a:pPr indent="0" lvl="0" marL="0" rtl="0" algn="l">
+              <a:pPr marL="0" lvl="0" indent="0" algn="l" rtl="0">
                 <a:spcBef>
                   <a:spcPts val="0"/>
                 </a:spcBef>
@@ -10971,7 +11018,7 @@
                 <a:buNone/>
               </a:pPr>
               <a:r>
-                <a:rPr b="1" lang="en" sz="1100">
+                <a:rPr lang="en" sz="1100" b="1">
                   <a:solidFill>
                     <a:srgbClr val="5E5E5E"/>
                   </a:solidFill>
@@ -10982,7 +11029,7 @@
                 </a:rPr>
                 <a:t>Distribute Materials</a:t>
               </a:r>
-              <a:endParaRPr b="1" sz="1100">
+              <a:endParaRPr sz="1100" b="1">
                 <a:solidFill>
                   <a:srgbClr val="5E5E5E"/>
                 </a:solidFill>
@@ -11014,12 +11061,12 @@
             </a:ln>
           </p:spPr>
           <p:txBody>
-            <a:bodyPr anchorCtr="0" anchor="t" bIns="91425" lIns="91425" spcFirstLastPara="1" rIns="91425" wrap="square" tIns="91425">
+            <a:bodyPr spcFirstLastPara="1" wrap="square" lIns="91425" tIns="91425" rIns="91425" bIns="91425" anchor="t" anchorCtr="0">
               <a:noAutofit/>
             </a:bodyPr>
             <a:lstStyle/>
             <a:p>
-              <a:pPr indent="0" lvl="0" marL="0" rtl="0" algn="l">
+              <a:pPr marL="0" lvl="0" indent="0" algn="l" rtl="0">
                 <a:lnSpc>
                   <a:spcPct val="115000"/>
                 </a:lnSpc>
@@ -11075,12 +11122,12 @@
             </a:ln>
           </p:spPr>
           <p:txBody>
-            <a:bodyPr anchorCtr="0" anchor="t" bIns="91425" lIns="91425" spcFirstLastPara="1" rIns="91425" wrap="square" tIns="91425">
+            <a:bodyPr spcFirstLastPara="1" wrap="square" lIns="91425" tIns="91425" rIns="91425" bIns="91425" anchor="t" anchorCtr="0">
               <a:noAutofit/>
             </a:bodyPr>
             <a:lstStyle/>
             <a:p>
-              <a:pPr indent="0" lvl="0" marL="0" rtl="0" algn="l">
+              <a:pPr marL="0" lvl="0" indent="0" algn="l" rtl="0">
                 <a:lnSpc>
                   <a:spcPct val="115000"/>
                 </a:lnSpc>
@@ -11153,12 +11200,12 @@
             </a:ln>
           </p:spPr>
           <p:txBody>
-            <a:bodyPr anchorCtr="0" anchor="ctr" bIns="91425" lIns="91425" spcFirstLastPara="1" rIns="91425" wrap="square" tIns="91425">
+            <a:bodyPr spcFirstLastPara="1" wrap="square" lIns="91425" tIns="91425" rIns="91425" bIns="91425" anchor="ctr" anchorCtr="0">
               <a:noAutofit/>
             </a:bodyPr>
             <a:lstStyle/>
             <a:p>
-              <a:pPr indent="0" lvl="0" marL="0" rtl="0" algn="l">
+              <a:pPr marL="0" lvl="0" indent="0" algn="l" rtl="0">
                 <a:spcBef>
                   <a:spcPts val="0"/>
                 </a:spcBef>
@@ -11167,9 +11214,6 @@
                 </a:spcAft>
                 <a:buNone/>
               </a:pPr>
-              <a:r>
-                <a:t/>
-              </a:r>
               <a:endParaRPr/>
             </a:p>
           </p:txBody>
@@ -11196,12 +11240,12 @@
             </a:ln>
           </p:spPr>
           <p:txBody>
-            <a:bodyPr anchorCtr="0" anchor="ctr" bIns="91425" lIns="91425" spcFirstLastPara="1" rIns="91425" wrap="square" tIns="91425">
+            <a:bodyPr spcFirstLastPara="1" wrap="square" lIns="91425" tIns="91425" rIns="91425" bIns="91425" anchor="ctr" anchorCtr="0">
               <a:noAutofit/>
             </a:bodyPr>
             <a:lstStyle/>
             <a:p>
-              <a:pPr indent="0" lvl="0" marL="0" rtl="0" algn="l">
+              <a:pPr marL="0" lvl="0" indent="0" algn="l" rtl="0">
                 <a:spcBef>
                   <a:spcPts val="0"/>
                 </a:spcBef>
@@ -11210,9 +11254,6 @@
                 </a:spcAft>
                 <a:buNone/>
               </a:pPr>
-              <a:r>
-                <a:t/>
-              </a:r>
               <a:endParaRPr/>
             </a:p>
           </p:txBody>
@@ -11237,12 +11278,12 @@
             </a:ln>
           </p:spPr>
           <p:txBody>
-            <a:bodyPr anchorCtr="0" anchor="t" bIns="91425" lIns="91425" spcFirstLastPara="1" rIns="91425" wrap="square" tIns="91425">
+            <a:bodyPr spcFirstLastPara="1" wrap="square" lIns="91425" tIns="91425" rIns="91425" bIns="91425" anchor="t" anchorCtr="0">
               <a:noAutofit/>
             </a:bodyPr>
             <a:lstStyle/>
             <a:p>
-              <a:pPr indent="0" lvl="0" marL="0" rtl="0" algn="l">
+              <a:pPr marL="0" lvl="0" indent="0" algn="l" rtl="0">
                 <a:spcBef>
                   <a:spcPts val="0"/>
                 </a:spcBef>
@@ -11252,7 +11293,7 @@
                 <a:buNone/>
               </a:pPr>
               <a:r>
-                <a:rPr b="1" lang="en" sz="1100">
+                <a:rPr lang="en" sz="1100" b="1">
                   <a:solidFill>
                     <a:srgbClr val="FFFFFF"/>
                   </a:solidFill>
@@ -11263,7 +11304,7 @@
                 </a:rPr>
                 <a:t>Select the Participants</a:t>
               </a:r>
-              <a:endParaRPr b="1" sz="1100">
+              <a:endParaRPr sz="1100" b="1">
                 <a:solidFill>
                   <a:srgbClr val="FFFFFF"/>
                 </a:solidFill>
@@ -11295,12 +11336,12 @@
             </a:ln>
           </p:spPr>
           <p:txBody>
-            <a:bodyPr anchorCtr="0" anchor="t" bIns="91425" lIns="91425" spcFirstLastPara="1" rIns="91425" wrap="square" tIns="91425">
+            <a:bodyPr spcFirstLastPara="1" wrap="square" lIns="91425" tIns="91425" rIns="91425" bIns="91425" anchor="t" anchorCtr="0">
               <a:noAutofit/>
             </a:bodyPr>
             <a:lstStyle/>
             <a:p>
-              <a:pPr indent="0" lvl="0" marL="0" rtl="0" algn="l">
+              <a:pPr marL="0" lvl="0" indent="0" algn="l" rtl="0">
                 <a:lnSpc>
                   <a:spcPct val="115000"/>
                 </a:lnSpc>
@@ -11356,12 +11397,12 @@
             </a:ln>
           </p:spPr>
           <p:txBody>
-            <a:bodyPr anchorCtr="0" anchor="t" bIns="91425" lIns="91425" spcFirstLastPara="1" rIns="91425" wrap="square" tIns="91425">
+            <a:bodyPr spcFirstLastPara="1" wrap="square" lIns="91425" tIns="91425" rIns="91425" bIns="91425" anchor="t" anchorCtr="0">
               <a:noAutofit/>
             </a:bodyPr>
             <a:lstStyle/>
             <a:p>
-              <a:pPr indent="0" lvl="0" marL="0" rtl="0" algn="l">
+              <a:pPr marL="0" lvl="0" indent="0" algn="l" rtl="0">
                 <a:lnSpc>
                   <a:spcPct val="115000"/>
                 </a:lnSpc>
@@ -11412,14 +11453,14 @@
               <a:avLst/>
             </a:prstGeom>
             <a:noFill/>
-            <a:ln cap="flat" cmpd="sng" w="9525">
+            <a:ln w="9525" cap="flat" cmpd="sng">
               <a:solidFill>
                 <a:srgbClr val="83E3D9"/>
               </a:solidFill>
               <a:prstDash val="dot"/>
               <a:round/>
-              <a:headEnd len="sm" w="sm" type="none"/>
-              <a:tailEnd len="sm" w="sm" type="none"/>
+              <a:headEnd type="none" w="sm" len="sm"/>
+              <a:tailEnd type="none" w="sm" len="sm"/>
             </a:ln>
           </p:spPr>
         </p:cxnSp>
@@ -11460,12 +11501,12 @@
             </a:ln>
           </p:spPr>
           <p:txBody>
-            <a:bodyPr anchorCtr="0" anchor="ctr" bIns="91425" lIns="91425" spcFirstLastPara="1" rIns="91425" wrap="square" tIns="91425">
+            <a:bodyPr spcFirstLastPara="1" wrap="square" lIns="91425" tIns="91425" rIns="91425" bIns="91425" anchor="ctr" anchorCtr="0">
               <a:noAutofit/>
             </a:bodyPr>
             <a:lstStyle/>
             <a:p>
-              <a:pPr indent="0" lvl="0" marL="0" rtl="0" algn="l">
+              <a:pPr marL="0" lvl="0" indent="0" algn="l" rtl="0">
                 <a:spcBef>
                   <a:spcPts val="0"/>
                 </a:spcBef>
@@ -11474,9 +11515,6 @@
                 </a:spcAft>
                 <a:buNone/>
               </a:pPr>
-              <a:r>
-                <a:t/>
-              </a:r>
               <a:endParaRPr/>
             </a:p>
           </p:txBody>
@@ -11503,12 +11541,12 @@
             </a:ln>
           </p:spPr>
           <p:txBody>
-            <a:bodyPr anchorCtr="0" anchor="ctr" bIns="91425" lIns="91425" spcFirstLastPara="1" rIns="91425" wrap="square" tIns="91425">
+            <a:bodyPr spcFirstLastPara="1" wrap="square" lIns="91425" tIns="91425" rIns="91425" bIns="91425" anchor="ctr" anchorCtr="0">
               <a:noAutofit/>
             </a:bodyPr>
             <a:lstStyle/>
             <a:p>
-              <a:pPr indent="0" lvl="0" marL="0" rtl="0" algn="l">
+              <a:pPr marL="0" lvl="0" indent="0" algn="l" rtl="0">
                 <a:spcBef>
                   <a:spcPts val="0"/>
                 </a:spcBef>
@@ -11517,9 +11555,6 @@
                 </a:spcAft>
                 <a:buNone/>
               </a:pPr>
-              <a:r>
-                <a:t/>
-              </a:r>
               <a:endParaRPr/>
             </a:p>
           </p:txBody>
@@ -11544,12 +11579,12 @@
             </a:ln>
           </p:spPr>
           <p:txBody>
-            <a:bodyPr anchorCtr="0" anchor="t" bIns="91425" lIns="91425" spcFirstLastPara="1" rIns="91425" wrap="square" tIns="91425">
+            <a:bodyPr spcFirstLastPara="1" wrap="square" lIns="91425" tIns="91425" rIns="91425" bIns="91425" anchor="t" anchorCtr="0">
               <a:noAutofit/>
             </a:bodyPr>
             <a:lstStyle/>
             <a:p>
-              <a:pPr indent="0" lvl="0" marL="0" rtl="0" algn="l">
+              <a:pPr marL="0" lvl="0" indent="0" algn="l" rtl="0">
                 <a:spcBef>
                   <a:spcPts val="0"/>
                 </a:spcBef>
@@ -11559,7 +11594,7 @@
                 <a:buNone/>
               </a:pPr>
               <a:r>
-                <a:rPr b="1" lang="en" sz="1100">
+                <a:rPr lang="en" sz="1100" b="1">
                   <a:solidFill>
                     <a:srgbClr val="FFFFFF"/>
                   </a:solidFill>
@@ -11570,7 +11605,7 @@
                 </a:rPr>
                 <a:t>Develop/Create Assessment</a:t>
               </a:r>
-              <a:endParaRPr b="1" sz="1100">
+              <a:endParaRPr sz="1100" b="1">
                 <a:solidFill>
                   <a:srgbClr val="FFFFFF"/>
                 </a:solidFill>
@@ -11602,12 +11637,12 @@
             </a:ln>
           </p:spPr>
           <p:txBody>
-            <a:bodyPr anchorCtr="0" anchor="t" bIns="91425" lIns="91425" spcFirstLastPara="1" rIns="91425" wrap="square" tIns="91425">
+            <a:bodyPr spcFirstLastPara="1" wrap="square" lIns="91425" tIns="91425" rIns="91425" bIns="91425" anchor="t" anchorCtr="0">
               <a:noAutofit/>
             </a:bodyPr>
             <a:lstStyle/>
             <a:p>
-              <a:pPr indent="0" lvl="0" marL="0" rtl="0" algn="l">
+              <a:pPr marL="0" lvl="0" indent="0" algn="l" rtl="0">
                 <a:lnSpc>
                   <a:spcPct val="115000"/>
                 </a:lnSpc>
@@ -11629,19 +11664,7 @@
                   <a:cs typeface="Roboto"/>
                   <a:sym typeface="Roboto"/>
                 </a:rPr>
-                <a:t>~2-5 years: Identify content and objectives for measurement.</a:t>
-              </a:r>
-              <a:r>
-                <a:rPr lang="en" sz="800">
-                  <a:solidFill>
-                    <a:srgbClr val="FFFFFF"/>
-                  </a:solidFill>
-                  <a:latin typeface="Roboto"/>
-                  <a:ea typeface="Roboto"/>
-                  <a:cs typeface="Roboto"/>
-                  <a:sym typeface="Roboto"/>
-                </a:rPr>
-                <a:t> </a:t>
+                <a:t>~2-5 years: Identify content and objectives for measurement. </a:t>
               </a:r>
               <a:endParaRPr sz="800">
                 <a:solidFill>
@@ -11675,12 +11698,12 @@
             </a:ln>
           </p:spPr>
           <p:txBody>
-            <a:bodyPr anchorCtr="0" anchor="t" bIns="91425" lIns="91425" spcFirstLastPara="1" rIns="91425" wrap="square" tIns="91425">
+            <a:bodyPr spcFirstLastPara="1" wrap="square" lIns="91425" tIns="91425" rIns="91425" bIns="91425" anchor="t" anchorCtr="0">
               <a:noAutofit/>
             </a:bodyPr>
             <a:lstStyle/>
             <a:p>
-              <a:pPr indent="0" lvl="0" marL="0" rtl="0" algn="l">
+              <a:pPr marL="0" lvl="0" indent="0" algn="l" rtl="0">
                 <a:lnSpc>
                   <a:spcPct val="115000"/>
                 </a:lnSpc>
@@ -11731,14 +11754,14 @@
               <a:avLst/>
             </a:prstGeom>
             <a:noFill/>
-            <a:ln cap="flat" cmpd="sng" w="9525">
+            <a:ln w="9525" cap="flat" cmpd="sng">
               <a:solidFill>
                 <a:srgbClr val="83E3D9"/>
               </a:solidFill>
               <a:prstDash val="dot"/>
               <a:round/>
-              <a:headEnd len="sm" w="sm" type="none"/>
-              <a:tailEnd len="sm" w="sm" type="none"/>
+              <a:headEnd type="none" w="sm" len="sm"/>
+              <a:tailEnd type="none" w="sm" len="sm"/>
             </a:ln>
           </p:spPr>
         </p:cxnSp>
@@ -11762,7 +11785,7 @@
             <a:noFill/>
           </a:ln>
           <a:effectLst>
-            <a:outerShdw blurRad="57150" rotWithShape="0" algn="bl" dir="5400000" dist="19050">
+            <a:outerShdw blurRad="57150" dist="19050" dir="5400000" algn="bl" rotWithShape="0">
               <a:srgbClr val="38761D">
                 <a:alpha val="50000"/>
               </a:srgbClr>
@@ -11770,12 +11793,12 @@
           </a:effectLst>
         </p:spPr>
         <p:txBody>
-          <a:bodyPr anchorCtr="0" anchor="t" bIns="91425" lIns="91425" spcFirstLastPara="1" rIns="91425" wrap="square" tIns="91425">
+          <a:bodyPr spcFirstLastPara="1" wrap="square" lIns="91425" tIns="91425" rIns="91425" bIns="91425" anchor="t" anchorCtr="0">
             <a:spAutoFit/>
           </a:bodyPr>
           <a:lstStyle/>
           <a:p>
-            <a:pPr indent="0" lvl="0" marL="0" rtl="0" algn="l">
+            <a:pPr marL="0" lvl="0" indent="0" algn="l" rtl="0">
               <a:spcBef>
                 <a:spcPts val="0"/>
               </a:spcBef>
@@ -11822,12 +11845,12 @@
           </a:ln>
         </p:spPr>
         <p:txBody>
-          <a:bodyPr anchorCtr="0" anchor="t" bIns="91425" lIns="91425" spcFirstLastPara="1" rIns="91425" wrap="square" tIns="91425">
+          <a:bodyPr spcFirstLastPara="1" wrap="square" lIns="91425" tIns="91425" rIns="91425" bIns="91425" anchor="t" anchorCtr="0">
             <a:spAutoFit/>
           </a:bodyPr>
           <a:lstStyle/>
           <a:p>
-            <a:pPr indent="0" lvl="0" marL="0" rtl="0" algn="l">
+            <a:pPr marL="0" lvl="0" indent="0" algn="l" rtl="0">
               <a:spcBef>
                 <a:spcPts val="0"/>
               </a:spcBef>
@@ -11863,11 +11886,11 @@
 </file>
 
 <file path=ppt/slides/slide4.xml><?xml version="1.0" encoding="utf-8"?>
-<p:sld xmlns:a="http://schemas.openxmlformats.org/drawingml/2006/main" xmlns:r="http://schemas.openxmlformats.org/officeDocument/2006/relationships" xmlns:mc="http://schemas.openxmlformats.org/markup-compatibility/2006" xmlns:mv="urn:schemas-microsoft-com:mac:vml" xmlns:p="http://schemas.openxmlformats.org/presentationml/2006/main" xmlns:c="http://schemas.openxmlformats.org/drawingml/2006/chart" xmlns:dgm="http://schemas.openxmlformats.org/drawingml/2006/diagram" xmlns:o="urn:schemas-microsoft-com:office:office" xmlns:v="urn:schemas-microsoft-com:vml" xmlns:pvml="urn:schemas-microsoft-com:office:powerpoint" xmlns:com="http://schemas.openxmlformats.org/drawingml/2006/compatibility" xmlns:p14="http://schemas.microsoft.com/office/powerpoint/2010/main" xmlns:p15="http://schemas.microsoft.com/office/powerpoint/2012/main" xmlns:ahyp="http://schemas.microsoft.com/office/drawing/2018/hyperlinkcolor">
+<p:sld xmlns:a="http://schemas.openxmlformats.org/drawingml/2006/main" xmlns:r="http://schemas.openxmlformats.org/officeDocument/2006/relationships" xmlns:p="http://schemas.openxmlformats.org/presentationml/2006/main">
   <p:cSld>
     <p:spTree>
       <p:nvGrpSpPr>
-        <p:cNvPr id="149" name="Shape 149"/>
+        <p:cNvPr id="1" name="Shape 149"/>
         <p:cNvGrpSpPr/>
         <p:nvPr/>
       </p:nvGrpSpPr>
@@ -11882,7 +11905,9 @@
       <p:sp>
         <p:nvSpPr>
           <p:cNvPr id="150" name="Google Shape;150;p16"/>
-          <p:cNvSpPr txBox="1"/>
+          <p:cNvSpPr txBox="1">
+            <a:spLocks noGrp="1"/>
+          </p:cNvSpPr>
           <p:nvPr>
             <p:ph type="title"/>
           </p:nvPr>
@@ -11896,7 +11921,7 @@
             <a:avLst/>
           </a:prstGeom>
           <a:effectLst>
-            <a:outerShdw blurRad="57150" rotWithShape="0" algn="bl" dir="5400000" dist="19050">
+            <a:outerShdw blurRad="57150" dist="19050" dir="5400000" algn="bl" rotWithShape="0">
               <a:srgbClr val="93C47D">
                 <a:alpha val="50000"/>
               </a:srgbClr>
@@ -11904,12 +11929,12 @@
           </a:effectLst>
         </p:spPr>
         <p:txBody>
-          <a:bodyPr anchorCtr="0" anchor="t" bIns="91425" lIns="91425" spcFirstLastPara="1" rIns="91425" wrap="square" tIns="91425">
+          <a:bodyPr spcFirstLastPara="1" wrap="square" lIns="91425" tIns="91425" rIns="91425" bIns="91425" anchor="t" anchorCtr="0">
             <a:normAutofit/>
           </a:bodyPr>
           <a:lstStyle/>
           <a:p>
-            <a:pPr indent="457200" lvl="0" marL="2743200" rtl="0" algn="l">
+            <a:pPr marL="2743200" lvl="0" indent="457200" algn="l" rtl="0">
               <a:spcBef>
                 <a:spcPts val="0"/>
               </a:spcBef>
@@ -11929,9 +11954,11 @@
       <p:sp>
         <p:nvSpPr>
           <p:cNvPr id="151" name="Google Shape;151;p16"/>
-          <p:cNvSpPr txBox="1"/>
+          <p:cNvSpPr txBox="1">
+            <a:spLocks noGrp="1"/>
+          </p:cNvSpPr>
           <p:nvPr>
-            <p:ph idx="1" type="body"/>
+            <p:ph type="body" idx="1"/>
           </p:nvPr>
         </p:nvSpPr>
         <p:spPr>
@@ -11944,12 +11971,12 @@
           </a:prstGeom>
         </p:spPr>
         <p:txBody>
-          <a:bodyPr anchorCtr="0" anchor="t" bIns="91425" lIns="91425" spcFirstLastPara="1" rIns="91425" wrap="square" tIns="91425">
+          <a:bodyPr spcFirstLastPara="1" wrap="square" lIns="91425" tIns="91425" rIns="91425" bIns="91425" anchor="t" anchorCtr="0">
             <a:normAutofit/>
           </a:bodyPr>
           <a:lstStyle/>
           <a:p>
-            <a:pPr indent="-317500" lvl="0" marL="457200" rtl="0" algn="l">
+            <a:pPr marL="457200" lvl="0" indent="-317500" algn="l" rtl="0">
               <a:spcBef>
                 <a:spcPts val="0"/>
               </a:spcBef>
@@ -11966,7 +11993,7 @@
             <a:endParaRPr sz="1400"/>
           </a:p>
           <a:p>
-            <a:pPr indent="-317500" lvl="0" marL="457200" rtl="0" algn="l">
+            <a:pPr marL="457200" lvl="0" indent="-317500" algn="l" rtl="0">
               <a:spcBef>
                 <a:spcPts val="0"/>
               </a:spcBef>
@@ -11983,7 +12010,7 @@
             <a:endParaRPr sz="1400"/>
           </a:p>
           <a:p>
-            <a:pPr indent="0" lvl="0" marL="0" rtl="0" algn="l">
+            <a:pPr marL="0" lvl="0" indent="0" algn="l" rtl="0">
               <a:spcBef>
                 <a:spcPts val="1200"/>
               </a:spcBef>
@@ -11992,9 +12019,6 @@
               </a:spcAft>
               <a:buNone/>
             </a:pPr>
-            <a:r>
-              <a:t/>
-            </a:r>
             <a:endParaRPr/>
           </a:p>
         </p:txBody>
@@ -12008,11 +12032,11 @@
 </file>
 
 <file path=ppt/slides/slide5.xml><?xml version="1.0" encoding="utf-8"?>
-<p:sld xmlns:a="http://schemas.openxmlformats.org/drawingml/2006/main" xmlns:r="http://schemas.openxmlformats.org/officeDocument/2006/relationships" xmlns:mc="http://schemas.openxmlformats.org/markup-compatibility/2006" xmlns:mv="urn:schemas-microsoft-com:mac:vml" xmlns:p="http://schemas.openxmlformats.org/presentationml/2006/main" xmlns:c="http://schemas.openxmlformats.org/drawingml/2006/chart" xmlns:dgm="http://schemas.openxmlformats.org/drawingml/2006/diagram" xmlns:o="urn:schemas-microsoft-com:office:office" xmlns:v="urn:schemas-microsoft-com:vml" xmlns:pvml="urn:schemas-microsoft-com:office:powerpoint" xmlns:com="http://schemas.openxmlformats.org/drawingml/2006/compatibility" xmlns:p14="http://schemas.microsoft.com/office/powerpoint/2010/main" xmlns:p15="http://schemas.microsoft.com/office/powerpoint/2012/main" xmlns:ahyp="http://schemas.microsoft.com/office/drawing/2018/hyperlinkcolor">
+<p:sld xmlns:a="http://schemas.openxmlformats.org/drawingml/2006/main" xmlns:r="http://schemas.openxmlformats.org/officeDocument/2006/relationships" xmlns:p="http://schemas.openxmlformats.org/presentationml/2006/main">
   <p:cSld>
     <p:spTree>
       <p:nvGrpSpPr>
-        <p:cNvPr id="155" name="Shape 155"/>
+        <p:cNvPr id="1" name="Shape 155"/>
         <p:cNvGrpSpPr/>
         <p:nvPr/>
       </p:nvGrpSpPr>
@@ -12027,7 +12051,9 @@
       <p:sp>
         <p:nvSpPr>
           <p:cNvPr id="156" name="Google Shape;156;p17"/>
-          <p:cNvSpPr txBox="1"/>
+          <p:cNvSpPr txBox="1">
+            <a:spLocks noGrp="1"/>
+          </p:cNvSpPr>
           <p:nvPr>
             <p:ph type="title"/>
           </p:nvPr>
@@ -12041,7 +12067,7 @@
             <a:avLst/>
           </a:prstGeom>
           <a:effectLst>
-            <a:outerShdw blurRad="57150" rotWithShape="0" algn="bl" dir="5400000" dist="19050">
+            <a:outerShdw blurRad="57150" dist="19050" dir="5400000" algn="bl" rotWithShape="0">
               <a:srgbClr val="8E7CC3">
                 <a:alpha val="50000"/>
               </a:srgbClr>
@@ -12049,12 +12075,12 @@
           </a:effectLst>
         </p:spPr>
         <p:txBody>
-          <a:bodyPr anchorCtr="0" anchor="t" bIns="91425" lIns="91425" spcFirstLastPara="1" rIns="91425" wrap="square" tIns="91425">
+          <a:bodyPr spcFirstLastPara="1" wrap="square" lIns="91425" tIns="91425" rIns="91425" bIns="91425" anchor="t" anchorCtr="0">
             <a:normAutofit fontScale="90000"/>
           </a:bodyPr>
           <a:lstStyle/>
           <a:p>
-            <a:pPr indent="457200" lvl="0" marL="1828800" rtl="0" algn="l">
+            <a:pPr marL="1828800" lvl="0" indent="457200" algn="l" rtl="0">
               <a:spcBef>
                 <a:spcPts val="0"/>
               </a:spcBef>
@@ -12074,9 +12100,11 @@
       <p:sp>
         <p:nvSpPr>
           <p:cNvPr id="157" name="Google Shape;157;p17"/>
-          <p:cNvSpPr txBox="1"/>
+          <p:cNvSpPr txBox="1">
+            <a:spLocks noGrp="1"/>
+          </p:cNvSpPr>
           <p:nvPr>
-            <p:ph idx="1" type="body"/>
+            <p:ph type="body" idx="1"/>
           </p:nvPr>
         </p:nvSpPr>
         <p:spPr>
@@ -12089,12 +12117,12 @@
           </a:prstGeom>
         </p:spPr>
         <p:txBody>
-          <a:bodyPr anchorCtr="0" anchor="t" bIns="91425" lIns="91425" spcFirstLastPara="1" rIns="91425" wrap="square" tIns="91425">
+          <a:bodyPr spcFirstLastPara="1" wrap="square" lIns="91425" tIns="91425" rIns="91425" bIns="91425" anchor="t" anchorCtr="0">
             <a:normAutofit/>
           </a:bodyPr>
           <a:lstStyle/>
           <a:p>
-            <a:pPr indent="0" lvl="0" marL="0" rtl="0" algn="l">
+            <a:pPr marL="0" lvl="0" indent="0" algn="l" rtl="0">
               <a:spcBef>
                 <a:spcPts val="0"/>
               </a:spcBef>
@@ -12104,13 +12132,13 @@
               <a:buNone/>
             </a:pPr>
             <a:r>
-              <a:rPr lang="en"/>
-              <a:t>Does the amount of  funding provided to each state result in higher average test scores among students?</a:t>
+              <a:rPr lang="en" dirty="0"/>
+              <a:t>Does the amount of funding provided to each state result in higher average test scores among students?</a:t>
             </a:r>
-            <a:endParaRPr/>
+            <a:endParaRPr dirty="0"/>
           </a:p>
           <a:p>
-            <a:pPr indent="0" lvl="0" marL="0" rtl="0" algn="l">
+            <a:pPr marL="0" lvl="0" indent="0" algn="l" rtl="0">
               <a:spcBef>
                 <a:spcPts val="1200"/>
               </a:spcBef>
@@ -12120,10 +12148,10 @@
               <a:buNone/>
             </a:pPr>
             <a:r>
-              <a:rPr lang="en"/>
+              <a:rPr lang="en" dirty="0"/>
               <a:t>Does the amount of instructional expenditure per student result in higher average test scores among students?</a:t>
             </a:r>
-            <a:endParaRPr/>
+            <a:endParaRPr dirty="0"/>
           </a:p>
         </p:txBody>
       </p:sp>
@@ -12136,11 +12164,11 @@
 </file>
 
 <file path=ppt/slides/slide6.xml><?xml version="1.0" encoding="utf-8"?>
-<p:sld xmlns:a="http://schemas.openxmlformats.org/drawingml/2006/main" xmlns:r="http://schemas.openxmlformats.org/officeDocument/2006/relationships" xmlns:mc="http://schemas.openxmlformats.org/markup-compatibility/2006" xmlns:mv="urn:schemas-microsoft-com:mac:vml" xmlns:p="http://schemas.openxmlformats.org/presentationml/2006/main" xmlns:c="http://schemas.openxmlformats.org/drawingml/2006/chart" xmlns:dgm="http://schemas.openxmlformats.org/drawingml/2006/diagram" xmlns:o="urn:schemas-microsoft-com:office:office" xmlns:v="urn:schemas-microsoft-com:vml" xmlns:pvml="urn:schemas-microsoft-com:office:powerpoint" xmlns:com="http://schemas.openxmlformats.org/drawingml/2006/compatibility" xmlns:p14="http://schemas.microsoft.com/office/powerpoint/2010/main" xmlns:p15="http://schemas.microsoft.com/office/powerpoint/2012/main" xmlns:ahyp="http://schemas.microsoft.com/office/drawing/2018/hyperlinkcolor">
+<p:sld xmlns:a="http://schemas.openxmlformats.org/drawingml/2006/main" xmlns:r="http://schemas.openxmlformats.org/officeDocument/2006/relationships" xmlns:p="http://schemas.openxmlformats.org/presentationml/2006/main">
   <p:cSld>
     <p:spTree>
       <p:nvGrpSpPr>
-        <p:cNvPr id="161" name="Shape 161"/>
+        <p:cNvPr id="1" name="Shape 161"/>
         <p:cNvGrpSpPr/>
         <p:nvPr/>
       </p:nvGrpSpPr>
@@ -12155,7 +12183,9 @@
       <p:sp>
         <p:nvSpPr>
           <p:cNvPr id="162" name="Google Shape;162;p18"/>
-          <p:cNvSpPr txBox="1"/>
+          <p:cNvSpPr txBox="1">
+            <a:spLocks noGrp="1"/>
+          </p:cNvSpPr>
           <p:nvPr>
             <p:ph type="title"/>
           </p:nvPr>
@@ -12169,7 +12199,7 @@
             <a:avLst/>
           </a:prstGeom>
           <a:effectLst>
-            <a:outerShdw blurRad="57150" rotWithShape="0" algn="bl" dir="5400000" dist="19050">
+            <a:outerShdw blurRad="57150" dist="19050" dir="5400000" algn="bl" rotWithShape="0">
               <a:srgbClr val="FF9900">
                 <a:alpha val="50000"/>
               </a:srgbClr>
@@ -12177,12 +12207,12 @@
           </a:effectLst>
         </p:spPr>
         <p:txBody>
-          <a:bodyPr anchorCtr="0" anchor="t" bIns="91425" lIns="91425" spcFirstLastPara="1" rIns="91425" wrap="square" tIns="91425">
+          <a:bodyPr spcFirstLastPara="1" wrap="square" lIns="91425" tIns="91425" rIns="91425" bIns="91425" anchor="t" anchorCtr="0">
             <a:normAutofit fontScale="90000"/>
           </a:bodyPr>
           <a:lstStyle/>
           <a:p>
-            <a:pPr indent="0" lvl="0" marL="0" rtl="0" algn="ctr">
+            <a:pPr marL="0" lvl="0" indent="0" algn="ctr" rtl="0">
               <a:spcBef>
                 <a:spcPts val="0"/>
               </a:spcBef>
@@ -12193,11 +12223,7 @@
             </a:pPr>
             <a:r>
               <a:rPr lang="en"/>
-              <a:t>2015 </a:t>
-            </a:r>
-            <a:r>
-              <a:rPr lang="en"/>
-              <a:t>Total Revenue</a:t>
+              <a:t>2015 Total Revenue</a:t>
             </a:r>
             <a:endParaRPr/>
           </a:p>
@@ -12213,7 +12239,7 @@
           <a:blip r:embed="rId3">
             <a:alphaModFix/>
           </a:blip>
-          <a:srcRect b="3582" l="0" r="872" t="5952"/>
+          <a:srcRect t="5952" r="872" b="3582"/>
           <a:stretch/>
         </p:blipFill>
         <p:spPr>
@@ -12239,11 +12265,11 @@
 </file>
 
 <file path=ppt/slides/slide7.xml><?xml version="1.0" encoding="utf-8"?>
-<p:sld xmlns:a="http://schemas.openxmlformats.org/drawingml/2006/main" xmlns:r="http://schemas.openxmlformats.org/officeDocument/2006/relationships" xmlns:mc="http://schemas.openxmlformats.org/markup-compatibility/2006" xmlns:mv="urn:schemas-microsoft-com:mac:vml" xmlns:p="http://schemas.openxmlformats.org/presentationml/2006/main" xmlns:c="http://schemas.openxmlformats.org/drawingml/2006/chart" xmlns:dgm="http://schemas.openxmlformats.org/drawingml/2006/diagram" xmlns:o="urn:schemas-microsoft-com:office:office" xmlns:v="urn:schemas-microsoft-com:vml" xmlns:pvml="urn:schemas-microsoft-com:office:powerpoint" xmlns:com="http://schemas.openxmlformats.org/drawingml/2006/compatibility" xmlns:p14="http://schemas.microsoft.com/office/powerpoint/2010/main" xmlns:p15="http://schemas.microsoft.com/office/powerpoint/2012/main" xmlns:ahyp="http://schemas.microsoft.com/office/drawing/2018/hyperlinkcolor">
+<p:sld xmlns:a="http://schemas.openxmlformats.org/drawingml/2006/main" xmlns:r="http://schemas.openxmlformats.org/officeDocument/2006/relationships" xmlns:p="http://schemas.openxmlformats.org/presentationml/2006/main">
   <p:cSld>
     <p:spTree>
       <p:nvGrpSpPr>
-        <p:cNvPr id="167" name="Shape 167"/>
+        <p:cNvPr id="1" name="Shape 167"/>
         <p:cNvGrpSpPr/>
         <p:nvPr/>
       </p:nvGrpSpPr>
@@ -12258,7 +12284,9 @@
       <p:sp>
         <p:nvSpPr>
           <p:cNvPr id="168" name="Google Shape;168;p19"/>
-          <p:cNvSpPr txBox="1"/>
+          <p:cNvSpPr txBox="1">
+            <a:spLocks noGrp="1"/>
+          </p:cNvSpPr>
           <p:nvPr>
             <p:ph type="title"/>
           </p:nvPr>
@@ -12272,7 +12300,7 @@
             <a:avLst/>
           </a:prstGeom>
           <a:effectLst>
-            <a:outerShdw blurRad="57150" rotWithShape="0" algn="bl" dir="5400000" dist="19050">
+            <a:outerShdw blurRad="57150" dist="19050" dir="5400000" algn="bl" rotWithShape="0">
               <a:srgbClr val="FF9900">
                 <a:alpha val="50000"/>
               </a:srgbClr>
@@ -12280,12 +12308,12 @@
           </a:effectLst>
         </p:spPr>
         <p:txBody>
-          <a:bodyPr anchorCtr="0" anchor="t" bIns="91425" lIns="91425" spcFirstLastPara="1" rIns="91425" wrap="square" tIns="91425">
+          <a:bodyPr spcFirstLastPara="1" wrap="square" lIns="91425" tIns="91425" rIns="91425" bIns="91425" anchor="t" anchorCtr="0">
             <a:normAutofit fontScale="90000"/>
           </a:bodyPr>
           <a:lstStyle/>
           <a:p>
-            <a:pPr indent="0" lvl="0" marL="0" rtl="0" algn="ctr">
+            <a:pPr marL="0" lvl="0" indent="0" algn="ctr" rtl="0">
               <a:spcBef>
                 <a:spcPts val="0"/>
               </a:spcBef>
@@ -12312,7 +12340,7 @@
           <a:blip r:embed="rId3">
             <a:alphaModFix/>
           </a:blip>
-          <a:srcRect b="0" l="0" r="0" t="6803"/>
+          <a:srcRect t="6803"/>
           <a:stretch/>
         </p:blipFill>
         <p:spPr>
@@ -12338,16 +12366,17 @@
 </file>
 
 <file path=ppt/slides/slide8.xml><?xml version="1.0" encoding="utf-8"?>
-<p:sld xmlns:a="http://schemas.openxmlformats.org/drawingml/2006/main" xmlns:r="http://schemas.openxmlformats.org/officeDocument/2006/relationships" xmlns:mc="http://schemas.openxmlformats.org/markup-compatibility/2006" xmlns:mv="urn:schemas-microsoft-com:mac:vml" xmlns:p="http://schemas.openxmlformats.org/presentationml/2006/main" xmlns:c="http://schemas.openxmlformats.org/drawingml/2006/chart" xmlns:dgm="http://schemas.openxmlformats.org/drawingml/2006/diagram" xmlns:o="urn:schemas-microsoft-com:office:office" xmlns:v="urn:schemas-microsoft-com:vml" xmlns:pvml="urn:schemas-microsoft-com:office:powerpoint" xmlns:com="http://schemas.openxmlformats.org/drawingml/2006/compatibility" xmlns:p14="http://schemas.microsoft.com/office/powerpoint/2010/main" xmlns:p15="http://schemas.microsoft.com/office/powerpoint/2012/main" xmlns:ahyp="http://schemas.microsoft.com/office/drawing/2018/hyperlinkcolor">
+<p:sld xmlns:a="http://schemas.openxmlformats.org/drawingml/2006/main" xmlns:r="http://schemas.openxmlformats.org/officeDocument/2006/relationships" xmlns:p="http://schemas.openxmlformats.org/presentationml/2006/main">
   <p:cSld>
     <p:bg>
       <p:bgPr>
         <a:noFill/>
+        <a:effectLst/>
       </p:bgPr>
     </p:bg>
     <p:spTree>
       <p:nvGrpSpPr>
-        <p:cNvPr id="173" name="Shape 173"/>
+        <p:cNvPr id="1" name="Shape 173"/>
         <p:cNvGrpSpPr/>
         <p:nvPr/>
       </p:nvGrpSpPr>
@@ -12362,7 +12391,9 @@
       <p:sp>
         <p:nvSpPr>
           <p:cNvPr id="174" name="Google Shape;174;p20"/>
-          <p:cNvSpPr txBox="1"/>
+          <p:cNvSpPr txBox="1">
+            <a:spLocks noGrp="1"/>
+          </p:cNvSpPr>
           <p:nvPr>
             <p:ph type="title"/>
           </p:nvPr>
@@ -12376,7 +12407,7 @@
             <a:avLst/>
           </a:prstGeom>
           <a:effectLst>
-            <a:outerShdw blurRad="57150" rotWithShape="0" algn="bl" dir="5400000" dist="19050">
+            <a:outerShdw blurRad="57150" dist="19050" dir="5400000" algn="bl" rotWithShape="0">
               <a:srgbClr val="1155CC">
                 <a:alpha val="50000"/>
               </a:srgbClr>
@@ -12384,12 +12415,12 @@
           </a:effectLst>
         </p:spPr>
         <p:txBody>
-          <a:bodyPr anchorCtr="0" anchor="t" bIns="91425" lIns="91425" spcFirstLastPara="1" rIns="91425" wrap="square" tIns="91425">
+          <a:bodyPr spcFirstLastPara="1" wrap="square" lIns="91425" tIns="91425" rIns="91425" bIns="91425" anchor="t" anchorCtr="0">
             <a:normAutofit fontScale="90000"/>
           </a:bodyPr>
           <a:lstStyle/>
           <a:p>
-            <a:pPr indent="0" lvl="0" marL="0" rtl="0" algn="ctr">
+            <a:pPr marL="0" lvl="0" indent="0" algn="ctr" rtl="0">
               <a:spcBef>
                 <a:spcPts val="0"/>
               </a:spcBef>
@@ -12468,12 +12499,12 @@
             </a:ln>
           </p:spPr>
           <p:txBody>
-            <a:bodyPr anchorCtr="0" anchor="t" bIns="91425" lIns="91425" spcFirstLastPara="1" rIns="91425" wrap="square" tIns="91425">
+            <a:bodyPr spcFirstLastPara="1" wrap="square" lIns="91425" tIns="91425" rIns="91425" bIns="91425" anchor="t" anchorCtr="0">
               <a:spAutoFit/>
             </a:bodyPr>
             <a:lstStyle/>
             <a:p>
-              <a:pPr indent="0" lvl="0" marL="0" rtl="0" algn="l">
+              <a:pPr marL="0" lvl="0" indent="0" algn="l" rtl="0">
                 <a:spcBef>
                   <a:spcPts val="0"/>
                 </a:spcBef>
@@ -12517,23 +12548,23 @@
             <a:solidFill>
               <a:schemeClr val="accent5"/>
             </a:solidFill>
-            <a:ln cap="flat" cmpd="sng" w="9525">
+            <a:ln w="9525" cap="flat" cmpd="sng">
               <a:solidFill>
                 <a:schemeClr val="dk2"/>
               </a:solidFill>
               <a:prstDash val="solid"/>
               <a:round/>
-              <a:headEnd len="sm" w="sm" type="none"/>
-              <a:tailEnd len="sm" w="sm" type="none"/>
+              <a:headEnd type="none" w="sm" len="sm"/>
+              <a:tailEnd type="none" w="sm" len="sm"/>
             </a:ln>
           </p:spPr>
           <p:txBody>
-            <a:bodyPr anchorCtr="0" anchor="ctr" bIns="91425" lIns="91425" spcFirstLastPara="1" rIns="91425" wrap="square" tIns="91425">
+            <a:bodyPr spcFirstLastPara="1" wrap="square" lIns="91425" tIns="91425" rIns="91425" bIns="91425" anchor="ctr" anchorCtr="0">
               <a:noAutofit/>
             </a:bodyPr>
             <a:lstStyle/>
             <a:p>
-              <a:pPr indent="0" lvl="0" marL="0" rtl="0" algn="l">
+              <a:pPr marL="0" lvl="0" indent="0" algn="l" rtl="0">
                 <a:spcBef>
                   <a:spcPts val="0"/>
                 </a:spcBef>
@@ -12542,9 +12573,6 @@
                 </a:spcAft>
                 <a:buNone/>
               </a:pPr>
-              <a:r>
-                <a:t/>
-              </a:r>
               <a:endParaRPr/>
             </a:p>
           </p:txBody>
@@ -12570,12 +12598,12 @@
           </a:ln>
         </p:spPr>
         <p:txBody>
-          <a:bodyPr anchorCtr="0" anchor="t" bIns="91425" lIns="91425" spcFirstLastPara="1" rIns="91425" wrap="square" tIns="91425">
+          <a:bodyPr spcFirstLastPara="1" wrap="square" lIns="91425" tIns="91425" rIns="91425" bIns="91425" anchor="t" anchorCtr="0">
             <a:spAutoFit/>
           </a:bodyPr>
           <a:lstStyle/>
           <a:p>
-            <a:pPr indent="0" lvl="0" marL="0" rtl="0" algn="ctr">
+            <a:pPr marL="0" lvl="0" indent="0" algn="ctr" rtl="0">
               <a:spcBef>
                 <a:spcPts val="0"/>
               </a:spcBef>
@@ -12585,7 +12613,7 @@
               <a:buNone/>
             </a:pPr>
             <a:r>
-              <a:rPr b="1" lang="en" sz="1000">
+              <a:rPr lang="en" sz="1000" b="1">
                 <a:solidFill>
                   <a:srgbClr val="0000FF"/>
                 </a:solidFill>
@@ -12596,7 +12624,7 @@
               </a:rPr>
               <a:t>MA Math Avg Score: 297</a:t>
             </a:r>
-            <a:endParaRPr b="1" sz="1000">
+            <a:endParaRPr sz="1000" b="1">
               <a:solidFill>
                 <a:srgbClr val="0000FF"/>
               </a:solidFill>
@@ -12607,7 +12635,7 @@
             </a:endParaRPr>
           </a:p>
           <a:p>
-            <a:pPr indent="0" lvl="0" marL="0" rtl="0" algn="ctr">
+            <a:pPr marL="0" lvl="0" indent="0" algn="ctr" rtl="0">
               <a:spcBef>
                 <a:spcPts val="0"/>
               </a:spcBef>
@@ -12617,7 +12645,7 @@
               <a:buNone/>
             </a:pPr>
             <a:r>
-              <a:rPr b="1" lang="en" sz="1000">
+              <a:rPr lang="en" sz="1000" b="1">
                 <a:solidFill>
                   <a:srgbClr val="0000FF"/>
                 </a:solidFill>
@@ -12628,7 +12656,7 @@
               </a:rPr>
               <a:t>DC Math Avg Score: 263</a:t>
             </a:r>
-            <a:endParaRPr b="1" sz="1000">
+            <a:endParaRPr sz="1000" b="1">
               <a:solidFill>
                 <a:srgbClr val="0000FF"/>
               </a:solidFill>
@@ -12649,11 +12677,11 @@
 </file>
 
 <file path=ppt/slides/slide9.xml><?xml version="1.0" encoding="utf-8"?>
-<p:sld xmlns:a="http://schemas.openxmlformats.org/drawingml/2006/main" xmlns:r="http://schemas.openxmlformats.org/officeDocument/2006/relationships" xmlns:mc="http://schemas.openxmlformats.org/markup-compatibility/2006" xmlns:mv="urn:schemas-microsoft-com:mac:vml" xmlns:p="http://schemas.openxmlformats.org/presentationml/2006/main" xmlns:c="http://schemas.openxmlformats.org/drawingml/2006/chart" xmlns:dgm="http://schemas.openxmlformats.org/drawingml/2006/diagram" xmlns:o="urn:schemas-microsoft-com:office:office" xmlns:v="urn:schemas-microsoft-com:vml" xmlns:pvml="urn:schemas-microsoft-com:office:powerpoint" xmlns:com="http://schemas.openxmlformats.org/drawingml/2006/compatibility" xmlns:p14="http://schemas.microsoft.com/office/powerpoint/2010/main" xmlns:p15="http://schemas.microsoft.com/office/powerpoint/2012/main" xmlns:ahyp="http://schemas.microsoft.com/office/drawing/2018/hyperlinkcolor">
+<p:sld xmlns:a="http://schemas.openxmlformats.org/drawingml/2006/main" xmlns:r="http://schemas.openxmlformats.org/officeDocument/2006/relationships" xmlns:p="http://schemas.openxmlformats.org/presentationml/2006/main">
   <p:cSld>
     <p:spTree>
       <p:nvGrpSpPr>
-        <p:cNvPr id="183" name="Shape 183"/>
+        <p:cNvPr id="1" name="Shape 183"/>
         <p:cNvGrpSpPr/>
         <p:nvPr/>
       </p:nvGrpSpPr>
@@ -12668,7 +12696,9 @@
       <p:sp>
         <p:nvSpPr>
           <p:cNvPr id="184" name="Google Shape;184;p21"/>
-          <p:cNvSpPr txBox="1"/>
+          <p:cNvSpPr txBox="1">
+            <a:spLocks noGrp="1"/>
+          </p:cNvSpPr>
           <p:nvPr>
             <p:ph type="title"/>
           </p:nvPr>
@@ -12682,7 +12712,7 @@
             <a:avLst/>
           </a:prstGeom>
           <a:effectLst>
-            <a:outerShdw blurRad="57150" rotWithShape="0" algn="bl" dir="5400000" dist="19050">
+            <a:outerShdw blurRad="57150" dist="19050" dir="5400000" algn="bl" rotWithShape="0">
               <a:srgbClr val="CC0000">
                 <a:alpha val="50000"/>
               </a:srgbClr>
@@ -12690,12 +12720,12 @@
           </a:effectLst>
         </p:spPr>
         <p:txBody>
-          <a:bodyPr anchorCtr="0" anchor="t" bIns="91425" lIns="91425" spcFirstLastPara="1" rIns="91425" wrap="square" tIns="91425">
+          <a:bodyPr spcFirstLastPara="1" wrap="square" lIns="91425" tIns="91425" rIns="91425" bIns="91425" anchor="t" anchorCtr="0">
             <a:noAutofit/>
           </a:bodyPr>
           <a:lstStyle/>
           <a:p>
-            <a:pPr indent="0" lvl="0" marL="0" rtl="0" algn="ctr">
+            <a:pPr marL="0" lvl="0" indent="0" algn="ctr" rtl="0">
               <a:spcBef>
                 <a:spcPts val="0"/>
               </a:spcBef>
@@ -12707,11 +12737,7 @@
             </a:pPr>
             <a:r>
               <a:rPr lang="en" sz="2340"/>
-              <a:t>Instructional Expenditure</a:t>
-            </a:r>
-            <a:r>
-              <a:rPr lang="en" sz="2340"/>
-              <a:t> vs Average Reading Scores 2015</a:t>
+              <a:t>Instructional Expenditure vs Average Reading Scores 2015</a:t>
             </a:r>
             <a:endParaRPr sz="2340"/>
           </a:p>
@@ -12779,12 +12805,12 @@
             </a:ln>
           </p:spPr>
           <p:txBody>
-            <a:bodyPr anchorCtr="0" anchor="t" bIns="91425" lIns="91425" spcFirstLastPara="1" rIns="91425" wrap="square" tIns="91425">
+            <a:bodyPr spcFirstLastPara="1" wrap="square" lIns="91425" tIns="91425" rIns="91425" bIns="91425" anchor="t" anchorCtr="0">
               <a:spAutoFit/>
             </a:bodyPr>
             <a:lstStyle/>
             <a:p>
-              <a:pPr indent="0" lvl="0" marL="0" rtl="0" algn="l">
+              <a:pPr marL="0" lvl="0" indent="0" algn="l" rtl="0">
                 <a:spcBef>
                   <a:spcPts val="0"/>
                 </a:spcBef>
@@ -12828,23 +12854,23 @@
             <a:solidFill>
               <a:srgbClr val="990000"/>
             </a:solidFill>
-            <a:ln cap="flat" cmpd="sng" w="9525">
+            <a:ln w="9525" cap="flat" cmpd="sng">
               <a:solidFill>
                 <a:schemeClr val="dk2"/>
               </a:solidFill>
               <a:prstDash val="solid"/>
               <a:round/>
-              <a:headEnd len="sm" w="sm" type="none"/>
-              <a:tailEnd len="sm" w="sm" type="none"/>
+              <a:headEnd type="none" w="sm" len="sm"/>
+              <a:tailEnd type="none" w="sm" len="sm"/>
             </a:ln>
           </p:spPr>
           <p:txBody>
-            <a:bodyPr anchorCtr="0" anchor="ctr" bIns="91425" lIns="91425" spcFirstLastPara="1" rIns="91425" wrap="square" tIns="91425">
+            <a:bodyPr spcFirstLastPara="1" wrap="square" lIns="91425" tIns="91425" rIns="91425" bIns="91425" anchor="ctr" anchorCtr="0">
               <a:noAutofit/>
             </a:bodyPr>
             <a:lstStyle/>
             <a:p>
-              <a:pPr indent="0" lvl="0" marL="0" rtl="0" algn="l">
+              <a:pPr marL="0" lvl="0" indent="0" algn="l" rtl="0">
                 <a:spcBef>
                   <a:spcPts val="0"/>
                 </a:spcBef>
@@ -12853,9 +12879,6 @@
                 </a:spcAft>
                 <a:buNone/>
               </a:pPr>
-              <a:r>
-                <a:t/>
-              </a:r>
               <a:endParaRPr/>
             </a:p>
           </p:txBody>
@@ -12881,12 +12904,12 @@
           </a:ln>
         </p:spPr>
         <p:txBody>
-          <a:bodyPr anchorCtr="0" anchor="t" bIns="91425" lIns="91425" spcFirstLastPara="1" rIns="91425" wrap="square" tIns="91425">
+          <a:bodyPr spcFirstLastPara="1" wrap="square" lIns="91425" tIns="91425" rIns="91425" bIns="91425" anchor="t" anchorCtr="0">
             <a:spAutoFit/>
           </a:bodyPr>
           <a:lstStyle/>
           <a:p>
-            <a:pPr indent="0" lvl="0" marL="0" rtl="0" algn="ctr">
+            <a:pPr marL="0" lvl="0" indent="0" algn="ctr" rtl="0">
               <a:spcBef>
                 <a:spcPts val="0"/>
               </a:spcBef>
@@ -12896,7 +12919,7 @@
               <a:buNone/>
             </a:pPr>
             <a:r>
-              <a:rPr b="1" lang="en" sz="1000">
+              <a:rPr lang="en" sz="1000" b="1">
                 <a:solidFill>
                   <a:srgbClr val="CC0000"/>
                 </a:solidFill>
@@ -12905,21 +12928,9 @@
                 <a:cs typeface="Lato"/>
                 <a:sym typeface="Lato"/>
               </a:rPr>
-              <a:t>NH </a:t>
+              <a:t>NH  Reading Avg Score: 275</a:t>
             </a:r>
-            <a:r>
-              <a:rPr b="1" lang="en" sz="1000">
-                <a:solidFill>
-                  <a:srgbClr val="CC0000"/>
-                </a:solidFill>
-                <a:latin typeface="Lato"/>
-                <a:ea typeface="Lato"/>
-                <a:cs typeface="Lato"/>
-                <a:sym typeface="Lato"/>
-              </a:rPr>
-              <a:t> Reading Avg Score: 275</a:t>
-            </a:r>
-            <a:endParaRPr b="1" sz="1000">
+            <a:endParaRPr sz="1000" b="1">
               <a:solidFill>
                 <a:srgbClr val="CC0000"/>
               </a:solidFill>
@@ -12930,7 +12941,7 @@
             </a:endParaRPr>
           </a:p>
           <a:p>
-            <a:pPr indent="0" lvl="0" marL="0" rtl="0" algn="ctr">
+            <a:pPr marL="0" lvl="0" indent="0" algn="ctr" rtl="0">
               <a:spcBef>
                 <a:spcPts val="0"/>
               </a:spcBef>
@@ -12940,7 +12951,7 @@
               <a:buNone/>
             </a:pPr>
             <a:r>
-              <a:rPr b="1" lang="en" sz="1000">
+              <a:rPr lang="en" sz="1000" b="1">
                 <a:solidFill>
                   <a:srgbClr val="CC0000"/>
                 </a:solidFill>
@@ -12951,7 +12962,7 @@
               </a:rPr>
               <a:t>DC Reading  Avg Score: 248</a:t>
             </a:r>
-            <a:endParaRPr b="1" sz="1000">
+            <a:endParaRPr sz="1000" b="1">
               <a:solidFill>
                 <a:srgbClr val="CC0000"/>
               </a:solidFill>
@@ -12972,7 +12983,7 @@
 </file>
 
 <file path=ppt/theme/theme1.xml><?xml version="1.0" encoding="utf-8"?>
-<a:theme xmlns:a="http://schemas.openxmlformats.org/drawingml/2006/main" xmlns:r="http://schemas.openxmlformats.org/officeDocument/2006/relationships" name="Streamline">
+<a:theme xmlns:a="http://schemas.openxmlformats.org/drawingml/2006/main" name="Streamline">
   <a:themeElements>
     <a:clrScheme name="Streamline">
       <a:dk1>
@@ -13247,11 +13258,13 @@
       </a:bgFillStyleLst>
     </a:fmtScheme>
   </a:themeElements>
+  <a:objectDefaults/>
+  <a:extraClrSchemeLst/>
 </a:theme>
 </file>
 
 <file path=ppt/theme/theme2.xml><?xml version="1.0" encoding="utf-8"?>
-<a:theme xmlns:a="http://schemas.openxmlformats.org/drawingml/2006/main" xmlns:r="http://schemas.openxmlformats.org/officeDocument/2006/relationships">
+<a:theme xmlns:a="http://schemas.openxmlformats.org/drawingml/2006/main">
   <a:themeElements>
     <a:clrScheme name="Default">
       <a:dk1>
@@ -13526,5 +13539,7 @@
       </a:bgFillStyleLst>
     </a:fmtScheme>
   </a:themeElements>
+  <a:objectDefaults/>
+  <a:extraClrSchemeLst/>
 </a:theme>
 </file>